--- a/lectures/lecture-27/Lecture-Live B00/Lecture 27 - Lecture.pptx
+++ b/lectures/lecture-27/Lecture-Live B00/Lecture 27 - Lecture.pptx
@@ -139,6 +139,1866 @@
     </p:ext>
   </p:extLst>
 </p:presentation>
+</file>
+
+<file path=ppt/ink/ink1.xml><?xml version="1.0" encoding="utf-8"?>
+<inkml:ink xmlns:inkml="http://www.w3.org/2003/InkML">
+  <inkml:definitions>
+    <inkml:context xml:id="ctx0">
+      <inkml:inkSource xml:id="inkSrc0">
+        <inkml:traceFormat>
+          <inkml:channel name="X" type="integer" min="-2.14748E9" max="2.14748E9" units="cm"/>
+          <inkml:channel name="Y" type="integer" min="-2.14748E9" max="2.14748E9" units="cm"/>
+          <inkml:channel name="F" type="integer" max="32767" units="dev"/>
+          <inkml:channel name="OA" type="integer" max="360" units="deg"/>
+          <inkml:channel name="OE" type="integer" max="90" units="deg"/>
+        </inkml:traceFormat>
+        <inkml:channelProperties>
+          <inkml:channelProperty channel="X" name="resolution" value="1000" units="1/cm"/>
+          <inkml:channelProperty channel="Y" name="resolution" value="1000" units="1/cm"/>
+          <inkml:channelProperty channel="F" name="resolution" value="0" units="1/dev"/>
+          <inkml:channelProperty channel="OA" name="resolution" value="1000" units="1/deg"/>
+          <inkml:channelProperty channel="OE" name="resolution" value="1000" units="1/deg"/>
+        </inkml:channelProperties>
+      </inkml:inkSource>
+      <inkml:timestamp xml:id="ts0" timeString="2020-12-11T18:00:38.162"/>
+    </inkml:context>
+    <inkml:brush xml:id="br0">
+      <inkml:brushProperty name="width" value="0.05" units="cm"/>
+      <inkml:brushProperty name="height" value="0.05" units="cm"/>
+      <inkml:brushProperty name="color" value="#004F8B"/>
+    </inkml:brush>
+  </inkml:definitions>
+  <inkml:trace contextRef="#ctx0" brushRef="#br0">1 1 9528 0 0,'0'0'3129'0'0,"22"0"1028"0"0,-20 0-3961 0 0,0 0 0 0 0,0 0 0 0 0,0 0 0 0 0,0 0 1 0 0,1 0-1 0 0,-1 1 0 0 0,0-1 0 0 0,0 1 0 0 0,0 0 0 0 0,0-1 0 0 0,0 1 0 0 0,0 0 0 0 0,0 0 0 0 0,0 0 0 0 0,1 2 0 0 0,8 4 800 0 0,-6-3-698 0 0,1 0-1 0 0,-1 0 0 0 0,1-1 0 0 0,0 0 0 0 0,1 0 1 0 0,-1 0-1 0 0,0-1 0 0 0,1 0 0 0 0,10 2 0 0 0,49 6 314 0 0,-19-3-402 0 0,68 2 1 0 0,-82-8-126 0 0,25-2 58 0 0,43-4 510 0 0,113 9 0 0 0,-212-3-644 0 0,162 14 547 0 0,-123-10-281 0 0,-1-1 0 0 0,68-4 1 0 0,21 1 78 0 0,210 27 140 0 0,-137-23-429 0 0,2-13 195 0 0,-59 0 122 0 0,47-4 256 0 0,-1-1-486 0 0,-127 8 93 0 0,-1-3 0 0 0,88-24 0 0 0,-142 30-207 0 0,12-3 57 0 0,39-14 0 0 0,-59 19-276 0 0,11 4-6821 0 0</inkml:trace>
+</inkml:ink>
+</file>
+
+<file path=ppt/ink/ink10.xml><?xml version="1.0" encoding="utf-8"?>
+<inkml:ink xmlns:inkml="http://www.w3.org/2003/InkML">
+  <inkml:definitions>
+    <inkml:context xml:id="ctx0">
+      <inkml:inkSource xml:id="inkSrc0">
+        <inkml:traceFormat>
+          <inkml:channel name="X" type="integer" min="-2.14748E9" max="2.14748E9" units="cm"/>
+          <inkml:channel name="Y" type="integer" min="-2.14748E9" max="2.14748E9" units="cm"/>
+          <inkml:channel name="F" type="integer" max="32767" units="dev"/>
+          <inkml:channel name="OA" type="integer" max="360" units="deg"/>
+          <inkml:channel name="OE" type="integer" max="90" units="deg"/>
+        </inkml:traceFormat>
+        <inkml:channelProperties>
+          <inkml:channelProperty channel="X" name="resolution" value="1000" units="1/cm"/>
+          <inkml:channelProperty channel="Y" name="resolution" value="1000" units="1/cm"/>
+          <inkml:channelProperty channel="F" name="resolution" value="0" units="1/dev"/>
+          <inkml:channelProperty channel="OA" name="resolution" value="1000" units="1/deg"/>
+          <inkml:channelProperty channel="OE" name="resolution" value="1000" units="1/deg"/>
+        </inkml:channelProperties>
+      </inkml:inkSource>
+      <inkml:timestamp xml:id="ts0" timeString="2020-12-11T18:01:02.527"/>
+    </inkml:context>
+    <inkml:brush xml:id="br0">
+      <inkml:brushProperty name="width" value="0.05" units="cm"/>
+      <inkml:brushProperty name="height" value="0.05" units="cm"/>
+      <inkml:brushProperty name="color" value="#004F8B"/>
+    </inkml:brush>
+  </inkml:definitions>
+  <inkml:trace contextRef="#ctx0" brushRef="#br0">1 0 14712 0 0,'0'0'1480'0'0,"1"0"-1336"0"0,4 3-152 0 0,24 6 178 0 0,18-2 440 0 0,-33-5-487 0 0,172 7 1053 0 0,-93-7-774 0 0,312 16 1758 0 0,-2-1-78 0 0,-329-13-1501 0 0,88 7 466 0 0,-120-7-484 0 0,0 2 0 0 0,54 16-1 0 0,-86-19-520 0 0,-6-2-13 0 0,1 0 0 0 0,-1 0 0 0 0,0 1 0 0 0,0 0-1 0 0,0 0 1 0 0,7 4 0 0 0,-7-5-1133 0 0</inkml:trace>
+</inkml:ink>
+</file>
+
+<file path=ppt/ink/ink11.xml><?xml version="1.0" encoding="utf-8"?>
+<inkml:ink xmlns:inkml="http://www.w3.org/2003/InkML">
+  <inkml:definitions>
+    <inkml:context xml:id="ctx0">
+      <inkml:inkSource xml:id="inkSrc0">
+        <inkml:traceFormat>
+          <inkml:channel name="X" type="integer" min="-2.14748E9" max="2.14748E9" units="cm"/>
+          <inkml:channel name="Y" type="integer" min="-2.14748E9" max="2.14748E9" units="cm"/>
+          <inkml:channel name="F" type="integer" max="32767" units="dev"/>
+          <inkml:channel name="OA" type="integer" max="360" units="deg"/>
+          <inkml:channel name="OE" type="integer" max="90" units="deg"/>
+        </inkml:traceFormat>
+        <inkml:channelProperties>
+          <inkml:channelProperty channel="X" name="resolution" value="1000" units="1/cm"/>
+          <inkml:channelProperty channel="Y" name="resolution" value="1000" units="1/cm"/>
+          <inkml:channelProperty channel="F" name="resolution" value="0" units="1/dev"/>
+          <inkml:channelProperty channel="OA" name="resolution" value="1000" units="1/deg"/>
+          <inkml:channelProperty channel="OE" name="resolution" value="1000" units="1/deg"/>
+        </inkml:channelProperties>
+      </inkml:inkSource>
+      <inkml:timestamp xml:id="ts0" timeString="2020-12-11T18:01:05.628"/>
+    </inkml:context>
+    <inkml:brush xml:id="br0">
+      <inkml:brushProperty name="width" value="0.05" units="cm"/>
+      <inkml:brushProperty name="height" value="0.05" units="cm"/>
+      <inkml:brushProperty name="color" value="#004F8B"/>
+    </inkml:brush>
+  </inkml:definitions>
+  <inkml:trace contextRef="#ctx0" brushRef="#br0">23 31 7832 0 0,'-23'-2'3126'0'0,"37"3"3907"0"0,63 7-5809 0 0,97 5 171 0 0,486 4 2130 0 0,-569-15-3182 0 0,44-1 42 0 0,157 1 381 0 0,-93 1-192 0 0,-126-3-80 0 0,1-4 0 0 0,80-13-1 0 0,-116 6-255 0 0,-13 2-108 0 0,-16 6-62 0 0,0 0-1 0 0,13-8 1 0 0,-14 7-134 0 0,-1 0 0 0 0,1 1 0 0 0,9-3 0 0 0,-16 6-467 0 0,16 0-1992 0 0,-12 0 1034 0 0</inkml:trace>
+</inkml:ink>
+</file>
+
+<file path=ppt/ink/ink12.xml><?xml version="1.0" encoding="utf-8"?>
+<inkml:ink xmlns:inkml="http://www.w3.org/2003/InkML">
+  <inkml:definitions>
+    <inkml:context xml:id="ctx0">
+      <inkml:inkSource xml:id="inkSrc0">
+        <inkml:traceFormat>
+          <inkml:channel name="X" type="integer" min="-2.14748E9" max="2.14748E9" units="cm"/>
+          <inkml:channel name="Y" type="integer" min="-2.14748E9" max="2.14748E9" units="cm"/>
+          <inkml:channel name="F" type="integer" max="32767" units="dev"/>
+          <inkml:channel name="OA" type="integer" max="360" units="deg"/>
+          <inkml:channel name="OE" type="integer" max="90" units="deg"/>
+        </inkml:traceFormat>
+        <inkml:channelProperties>
+          <inkml:channelProperty channel="X" name="resolution" value="1000" units="1/cm"/>
+          <inkml:channelProperty channel="Y" name="resolution" value="1000" units="1/cm"/>
+          <inkml:channelProperty channel="F" name="resolution" value="0" units="1/dev"/>
+          <inkml:channelProperty channel="OA" name="resolution" value="1000" units="1/deg"/>
+          <inkml:channelProperty channel="OE" name="resolution" value="1000" units="1/deg"/>
+        </inkml:channelProperties>
+      </inkml:inkSource>
+      <inkml:timestamp xml:id="ts0" timeString="2020-12-11T18:01:10.831"/>
+    </inkml:context>
+    <inkml:brush xml:id="br0">
+      <inkml:brushProperty name="width" value="0.05" units="cm"/>
+      <inkml:brushProperty name="height" value="0.05" units="cm"/>
+      <inkml:brushProperty name="color" value="#004F8B"/>
+    </inkml:brush>
+  </inkml:definitions>
+  <inkml:trace contextRef="#ctx0" brushRef="#br0">133 9 9272 0 0,'0'-9'11151'0'0,"2"19"-10904"0"0,-1-1 0 0 0,0 0 0 0 0,0 1 0 0 0,-1-1 0 0 0,0 1-1 0 0,-2 10 1 0 0,-2 15-46 0 0,-7 38-18 0 0,-34 89-33 0 0,42-153-202 0 0,-30 92 715 0 0,8-37-4425 0 0,18-51-1214 0 0,0-2-1310 0 0</inkml:trace>
+</inkml:ink>
+</file>
+
+<file path=ppt/ink/ink13.xml><?xml version="1.0" encoding="utf-8"?>
+<inkml:ink xmlns:inkml="http://www.w3.org/2003/InkML">
+  <inkml:definitions>
+    <inkml:context xml:id="ctx0">
+      <inkml:inkSource xml:id="inkSrc0">
+        <inkml:traceFormat>
+          <inkml:channel name="X" type="integer" min="-2.14748E9" max="2.14748E9" units="cm"/>
+          <inkml:channel name="Y" type="integer" min="-2.14748E9" max="2.14748E9" units="cm"/>
+          <inkml:channel name="F" type="integer" max="32767" units="dev"/>
+          <inkml:channel name="OA" type="integer" max="360" units="deg"/>
+          <inkml:channel name="OE" type="integer" max="90" units="deg"/>
+        </inkml:traceFormat>
+        <inkml:channelProperties>
+          <inkml:channelProperty channel="X" name="resolution" value="1000" units="1/cm"/>
+          <inkml:channelProperty channel="Y" name="resolution" value="1000" units="1/cm"/>
+          <inkml:channelProperty channel="F" name="resolution" value="0" units="1/dev"/>
+          <inkml:channelProperty channel="OA" name="resolution" value="1000" units="1/deg"/>
+          <inkml:channelProperty channel="OE" name="resolution" value="1000" units="1/deg"/>
+        </inkml:channelProperties>
+      </inkml:inkSource>
+      <inkml:timestamp xml:id="ts0" timeString="2020-12-11T18:01:11.168"/>
+    </inkml:context>
+    <inkml:brush xml:id="br0">
+      <inkml:brushProperty name="width" value="0.05" units="cm"/>
+      <inkml:brushProperty name="height" value="0.05" units="cm"/>
+      <inkml:brushProperty name="color" value="#004F8B"/>
+    </inkml:brush>
+  </inkml:definitions>
+  <inkml:trace contextRef="#ctx0" brushRef="#br0">1 202 10592 0 0,'0'-13'1136'0'0,"2"7"61"0"0,0 0 1 0 0,0 0 0 0 0,1 0-1 0 0,6-11 1 0 0,-3 8-404 0 0,1-1-1 0 0,8-8 1 0 0,51-46 531 0 0,-63 62-1222 0 0,3-4-108 0 0,1 1 0 0 0,-1 0 1 0 0,1 0-1 0 0,0 0 0 0 0,1 1 1 0 0,10-5-1 0 0,-14 8 41 0 0,-1 0-1 0 0,1 0 0 0 0,0 0 1 0 0,-1 1-1 0 0,1-1 1 0 0,-1 1-1 0 0,1 0 1 0 0,0 0-1 0 0,0 0 1 0 0,-1 0-1 0 0,1 0 1 0 0,-1 1-1 0 0,1 0 1 0 0,0 0-1 0 0,-1 0 1 0 0,7 3-1 0 0,8 2 181 0 0,-16-5-216 0 0,1-1 0 0 0,-1 1 0 0 0,0 0 0 0 0,0 0 0 0 0,1 0 0 0 0,-1 0 0 0 0,0 0 0 0 0,0 0 0 0 0,0 0 0 0 0,0 1 0 0 0,0-1 0 0 0,2 4 0 0 0,15 20-35 0 0,-13-15-552 0 0,1-1 0 0 0,9 9 0 0 0,-8-10-1479 0 0,-3 2-4703 0 0</inkml:trace>
+</inkml:ink>
+</file>
+
+<file path=ppt/ink/ink14.xml><?xml version="1.0" encoding="utf-8"?>
+<inkml:ink xmlns:inkml="http://www.w3.org/2003/InkML">
+  <inkml:definitions>
+    <inkml:context xml:id="ctx0">
+      <inkml:inkSource xml:id="inkSrc0">
+        <inkml:traceFormat>
+          <inkml:channel name="X" type="integer" min="-2.14748E9" max="2.14748E9" units="cm"/>
+          <inkml:channel name="Y" type="integer" min="-2.14748E9" max="2.14748E9" units="cm"/>
+          <inkml:channel name="F" type="integer" max="32767" units="dev"/>
+          <inkml:channel name="OA" type="integer" max="360" units="deg"/>
+          <inkml:channel name="OE" type="integer" max="90" units="deg"/>
+        </inkml:traceFormat>
+        <inkml:channelProperties>
+          <inkml:channelProperty channel="X" name="resolution" value="1000" units="1/cm"/>
+          <inkml:channelProperty channel="Y" name="resolution" value="1000" units="1/cm"/>
+          <inkml:channelProperty channel="F" name="resolution" value="0" units="1/dev"/>
+          <inkml:channelProperty channel="OA" name="resolution" value="1000" units="1/deg"/>
+          <inkml:channelProperty channel="OE" name="resolution" value="1000" units="1/deg"/>
+        </inkml:channelProperties>
+      </inkml:inkSource>
+      <inkml:timestamp xml:id="ts0" timeString="2020-12-11T18:02:32.900"/>
+    </inkml:context>
+    <inkml:brush xml:id="br0">
+      <inkml:brushProperty name="width" value="0.05" units="cm"/>
+      <inkml:brushProperty name="height" value="0.05" units="cm"/>
+      <inkml:brushProperty name="color" value="#004F8B"/>
+    </inkml:brush>
+  </inkml:definitions>
+  <inkml:trace contextRef="#ctx0" brushRef="#br0">63 220 6912 0 0,'-3'2'110'0'0,"-1"0"1"0"0,1 0-1 0 0,-1-1 1 0 0,1 1-1 0 0,-1-1 1 0 0,0 0 0 0 0,-6 1-1 0 0,-7-1 4059 0 0,7 0 2132 0 0,19 1-3498 0 0,19 0-2425 0 0,33 0 892 0 0,98-12 0 0 0,57-21 30 0 0,-30-5-1116 0 0,-160 31-166 0 0,0-1 0 0 0,-1-1-1 0 0,42-19 1 0 0,-64 25-8 0 0,-1 0 0 0 0,0-1 0 0 0,1 1 0 0 0,-1-1 0 0 0,0 0-1 0 0,0 1 1 0 0,1-1 0 0 0,-1 0 0 0 0,-1 0 0 0 0,1 0 0 0 0,2-3 0 0 0,-4 5-9 0 0,0-1 0 0 0,1 0 0 0 0,-1 0 0 0 0,1 0 0 0 0,-1 0-1 0 0,0 0 1 0 0,0 0 0 0 0,0 0 0 0 0,1 0 0 0 0,-1 1 0 0 0,0-1 0 0 0,0 0 0 0 0,0 0 0 0 0,0 0 0 0 0,0 0-1 0 0,-1 0 1 0 0,1 0 0 0 0,0 0 0 0 0,0 0 0 0 0,-1 0 0 0 0,1 0 0 0 0,0 0 0 0 0,-1 1 0 0 0,1-1 0 0 0,-1 0-1 0 0,1 0 1 0 0,-1 0 0 0 0,0 1 0 0 0,1-1 0 0 0,-1 0 0 0 0,0 1 0 0 0,1-1 0 0 0,-1 1 0 0 0,-1-2 0 0 0,-7-4 69 0 0,0 0 0 0 0,0 1 0 0 0,0 0 0 0 0,-1 1 0 0 0,-13-5 0 0 0,-51-11 174 0 0,60 17-73 0 0,0 0 0 0 0,0 1 0 0 0,0 0 0 0 0,0 1 0 0 0,-23 2 0 0 0,16-3 700 0 0,36 7-813 0 0,0-2-1 0 0,0 0 1 0 0,22 2 0 0 0,52 0 79 0 0,-71-4-109 0 0,-6-1-18 0 0,0 1 1 0 0,-1 0-1 0 0,1 0 0 0 0,-1 1 1 0 0,1 1-1 0 0,-1 0 0 0 0,0 1 1 0 0,15 7-1 0 0,-24-10-5 0 0,1 0-1 0 0,-1 0 1 0 0,0 1 0 0 0,0-1-1 0 0,0 1 1 0 0,-1-1 0 0 0,1 1-1 0 0,0 0 1 0 0,-1 0 0 0 0,1 0-1 0 0,-1 0 1 0 0,1 0 0 0 0,-1 0-1 0 0,0 0 1 0 0,0 1 0 0 0,0-1-1 0 0,1 4 1 0 0,-1-2 10 0 0,-1-1 1 0 0,0 0-1 0 0,0 1 0 0 0,0-1 1 0 0,0 0-1 0 0,0 1 0 0 0,-1-1 1 0 0,1 0-1 0 0,-1 1 0 0 0,0-1 1 0 0,-2 5-1 0 0,-3 4 30 0 0,0-1-1 0 0,-1 0 1 0 0,0 0 0 0 0,-1 0-1 0 0,-13 14 1 0 0,9-13-378 0 0,0 1 0 0 0,0-2 0 0 0,-1 0 1 0 0,-1 0-1 0 0,1-1 0 0 0,-2-1 0 0 0,0 0 0 0 0,-16 7 0 0 0</inkml:trace>
+</inkml:ink>
+</file>
+
+<file path=ppt/ink/ink15.xml><?xml version="1.0" encoding="utf-8"?>
+<inkml:ink xmlns:inkml="http://www.w3.org/2003/InkML">
+  <inkml:definitions>
+    <inkml:context xml:id="ctx0">
+      <inkml:inkSource xml:id="inkSrc0">
+        <inkml:traceFormat>
+          <inkml:channel name="X" type="integer" min="-2.14748E9" max="2.14748E9" units="cm"/>
+          <inkml:channel name="Y" type="integer" min="-2.14748E9" max="2.14748E9" units="cm"/>
+          <inkml:channel name="F" type="integer" max="32767" units="dev"/>
+          <inkml:channel name="OA" type="integer" max="360" units="deg"/>
+          <inkml:channel name="OE" type="integer" max="90" units="deg"/>
+        </inkml:traceFormat>
+        <inkml:channelProperties>
+          <inkml:channelProperty channel="X" name="resolution" value="1000" units="1/cm"/>
+          <inkml:channelProperty channel="Y" name="resolution" value="1000" units="1/cm"/>
+          <inkml:channelProperty channel="F" name="resolution" value="0" units="1/dev"/>
+          <inkml:channelProperty channel="OA" name="resolution" value="1000" units="1/deg"/>
+          <inkml:channelProperty channel="OE" name="resolution" value="1000" units="1/deg"/>
+        </inkml:channelProperties>
+      </inkml:inkSource>
+      <inkml:timestamp xml:id="ts0" timeString="2020-12-11T18:02:43.992"/>
+    </inkml:context>
+    <inkml:brush xml:id="br0">
+      <inkml:brushProperty name="width" value="0.05" units="cm"/>
+      <inkml:brushProperty name="height" value="0.05" units="cm"/>
+      <inkml:brushProperty name="color" value="#004F8B"/>
+    </inkml:brush>
+  </inkml:definitions>
+  <inkml:trace contextRef="#ctx0" brushRef="#br0">343 1 11888 0 0,'-16'0'1296'0'0,"1"6"-354"0"0,-13 8 2558 0 0,-9 9-1475 0 0,-14 9-269 0 0,17-7-912 0 0,-35 29 34 0 0,60-46-679 0 0,0 0 0 0 0,1 1-1 0 0,0 1 1 0 0,0-1 0 0 0,-7 13 0 0 0,14-20-106 0 0,-1 1 0 0 0,1 0 0 0 0,-1-1 0 0 0,1 1 0 0 0,0 0 0 0 0,0 0 0 0 0,0 0 0 0 0,1 0 0 0 0,-1 0 0 0 0,0 5 0 0 0,1-7-84 0 0,0 1-1 0 0,1-1 1 0 0,-1 0-1 0 0,0 0 1 0 0,1 1-1 0 0,-1-1 1 0 0,1 0-1 0 0,0 0 1 0 0,-1 1-1 0 0,1-1 1 0 0,0 0-1 0 0,0 0 1 0 0,0 0-1 0 0,-1 0 1 0 0,1 0 0 0 0,0 0-1 0 0,0 0 1 0 0,1 0-1 0 0,-1-1 1 0 0,0 1-1 0 0,0 0 1 0 0,0-1-1 0 0,0 1 1 0 0,1-1-1 0 0,-1 1 1 0 0,3 0-1 0 0,9 3 39 0 0,1-1 0 0 0,0 0 0 0 0,20 2 0 0 0,-20-4 116 0 0,-1 1 1 0 0,0 0-1 0 0,0 1 1 0 0,18 7 0 0 0,-29-9-140 0 0,1 0 0 0 0,0 0 1 0 0,-1 1-1 0 0,1-1 1 0 0,-1 1-1 0 0,0 0 0 0 0,1 0 1 0 0,-1 0-1 0 0,0 0 1 0 0,0 0-1 0 0,0 0 0 0 0,0 0 1 0 0,-1 1-1 0 0,1-1 1 0 0,0 1-1 0 0,-1 0 0 0 0,0-1 1 0 0,0 1-1 0 0,0 0 1 0 0,0-1-1 0 0,0 1 0 0 0,0 0 1 0 0,-1 0-1 0 0,1 0 1 0 0,-1 0-1 0 0,0 0 0 0 0,0 0 1 0 0,0 0-1 0 0,0 0 1 0 0,-1 0-1 0 0,0 4 0 0 0,-2 4 29 0 0,1 0-1 0 0,-2 0 0 0 0,0-1 0 0 0,0 1 1 0 0,-1-1-1 0 0,-11 19 0 0 0,-4 2-191 0 0,-1-2 0 0 0,-2 0-1 0 0,-1-1 1 0 0,-1-1 0 0 0,-1-1 0 0 0,-31 23 0 0 0,43-35-1808 0 0</inkml:trace>
+</inkml:ink>
+</file>
+
+<file path=ppt/ink/ink16.xml><?xml version="1.0" encoding="utf-8"?>
+<inkml:ink xmlns:inkml="http://www.w3.org/2003/InkML">
+  <inkml:definitions>
+    <inkml:context xml:id="ctx0">
+      <inkml:inkSource xml:id="inkSrc0">
+        <inkml:traceFormat>
+          <inkml:channel name="X" type="integer" min="-2.14748E9" max="2.14748E9" units="cm"/>
+          <inkml:channel name="Y" type="integer" min="-2.14748E9" max="2.14748E9" units="cm"/>
+          <inkml:channel name="F" type="integer" max="32767" units="dev"/>
+          <inkml:channel name="OA" type="integer" max="360" units="deg"/>
+          <inkml:channel name="OE" type="integer" max="90" units="deg"/>
+        </inkml:traceFormat>
+        <inkml:channelProperties>
+          <inkml:channelProperty channel="X" name="resolution" value="1000" units="1/cm"/>
+          <inkml:channelProperty channel="Y" name="resolution" value="1000" units="1/cm"/>
+          <inkml:channelProperty channel="F" name="resolution" value="0" units="1/dev"/>
+          <inkml:channelProperty channel="OA" name="resolution" value="1000" units="1/deg"/>
+          <inkml:channelProperty channel="OE" name="resolution" value="1000" units="1/deg"/>
+        </inkml:channelProperties>
+      </inkml:inkSource>
+      <inkml:timestamp xml:id="ts0" timeString="2020-12-11T18:02:44.397"/>
+    </inkml:context>
+    <inkml:brush xml:id="br0">
+      <inkml:brushProperty name="width" value="0.05" units="cm"/>
+      <inkml:brushProperty name="height" value="0.05" units="cm"/>
+      <inkml:brushProperty name="color" value="#004F8B"/>
+    </inkml:brush>
+  </inkml:definitions>
+  <inkml:trace contextRef="#ctx0" brushRef="#br0">15 29 13504 0 0,'0'0'1224'0'0,"-11"-17"5297"0"0,9 21-3787 0 0,4 15-2782 0 0,0 0 650 0 0,-5 12-205 0 0,1 1 0 0 0,1-1 1 0 0,5 40-1 0 0,-4-69-375 0 0,0 0 0 0 0,0-1 0 0 0,1 1 1 0 0,-1 0-1 0 0,1 0 0 0 0,-1 0 0 0 0,1-1 0 0 0,-1 1 0 0 0,1 0 0 0 0,0-1 1 0 0,0 1-1 0 0,0 0 0 0 0,0-1 0 0 0,0 1 0 0 0,0-1 0 0 0,0 0 1 0 0,1 1-1 0 0,-1-1 0 0 0,0 0 0 0 0,1 0 0 0 0,-1 1 0 0 0,1-1 0 0 0,-1-1 1 0 0,4 3-1 0 0,-3-3 3 0 0,0 0 0 0 0,0 1 0 0 0,-1-1 0 0 0,1 0 0 0 0,0 0 0 0 0,0 0 0 0 0,0 0 0 0 0,0 0 0 0 0,0-1 0 0 0,0 1 0 0 0,-1-1-1 0 0,1 1 1 0 0,0-1 0 0 0,0 0 0 0 0,0 1 0 0 0,-1-1 0 0 0,1 0 0 0 0,-1 0 0 0 0,1 0 0 0 0,0 0 0 0 0,-1-1 0 0 0,0 1 0 0 0,3-2 0 0 0,5-9 138 0 0,1 0 0 0 0,-2 0 0 0 0,13-22 1 0 0,-5 7 14 0 0,-13 22-155 0 0,12-19 187 0 0,1 0-1 0 0,1 1 1 0 0,23-24-1 0 0,-21 23-42 0 0,-18 25-160 0 0,1 0 1 0 0,-1 1 0 0 0,0-1 0 0 0,0 0-1 0 0,0 1 1 0 0,0-1 0 0 0,0 1-1 0 0,1 2 1 0 0,1 3-8 0 0,-1 1 0 0 0,0 0 0 0 0,-1 0 0 0 0,0 0 0 0 0,0 0 0 0 0,-1 0 0 0 0,0 8 0 0 0,0-2-1327 0 0,0 0-1 0 0,4 18 1 0 0,-3-27 906 0 0,0-1 0 0 0,0 0 1 0 0,0 0-1 0 0,1 0 1 0 0,-1 0-1 0 0,1 0 1 0 0,0 0-1 0 0,0 0 1 0 0,1 0-1 0 0,-1-1 1 0 0,5 6-1 0 0</inkml:trace>
+</inkml:ink>
+</file>
+
+<file path=ppt/ink/ink17.xml><?xml version="1.0" encoding="utf-8"?>
+<inkml:ink xmlns:inkml="http://www.w3.org/2003/InkML">
+  <inkml:definitions>
+    <inkml:context xml:id="ctx0">
+      <inkml:inkSource xml:id="inkSrc0">
+        <inkml:traceFormat>
+          <inkml:channel name="X" type="integer" min="-2.14748E9" max="2.14748E9" units="cm"/>
+          <inkml:channel name="Y" type="integer" min="-2.14748E9" max="2.14748E9" units="cm"/>
+          <inkml:channel name="F" type="integer" max="32767" units="dev"/>
+          <inkml:channel name="OA" type="integer" max="360" units="deg"/>
+          <inkml:channel name="OE" type="integer" max="90" units="deg"/>
+        </inkml:traceFormat>
+        <inkml:channelProperties>
+          <inkml:channelProperty channel="X" name="resolution" value="1000" units="1/cm"/>
+          <inkml:channelProperty channel="Y" name="resolution" value="1000" units="1/cm"/>
+          <inkml:channelProperty channel="F" name="resolution" value="0" units="1/dev"/>
+          <inkml:channelProperty channel="OA" name="resolution" value="1000" units="1/deg"/>
+          <inkml:channelProperty channel="OE" name="resolution" value="1000" units="1/deg"/>
+        </inkml:channelProperties>
+      </inkml:inkSource>
+      <inkml:timestamp xml:id="ts0" timeString="2020-12-11T18:02:44.760"/>
+    </inkml:context>
+    <inkml:brush xml:id="br0">
+      <inkml:brushProperty name="width" value="0.05" units="cm"/>
+      <inkml:brushProperty name="height" value="0.05" units="cm"/>
+      <inkml:brushProperty name="color" value="#004F8B"/>
+    </inkml:brush>
+  </inkml:definitions>
+  <inkml:trace contextRef="#ctx0" brushRef="#br0">0 291 5528 0 0,'0'0'15037'0'0,"10"-13"-12669"0"0,14-31 312 0 0,12-21-762 0 0,-31 54-1728 0 0,-4 9-154 0 0,0 0-1 0 0,0 1 1 0 0,0-1-1 0 0,1 0 0 0 0,-1 0 1 0 0,0 0-1 0 0,3-2 0 0 0,3 16 85 0 0,-4-6-116 0 0,-1 1-1 0 0,1-1 0 0 0,1 11 1 0 0,-2-10-5 0 0,0-1 0 0 0,0 1 1 0 0,5 10-1 0 0,-7-16 6 0 0,1 1-1 0 0,0 0 0 0 0,0-1 1 0 0,0 1-1 0 0,0 0 0 0 0,0-1 1 0 0,0 1-1 0 0,0-1 1 0 0,0 0-1 0 0,0 1 0 0 0,1-1 1 0 0,-1 0-1 0 0,1 0 1 0 0,-1 0-1 0 0,1 0 0 0 0,-1 0 1 0 0,1 0-1 0 0,0 0 1 0 0,-1 0-1 0 0,1-1 0 0 0,0 1 1 0 0,0-1-1 0 0,-1 1 1 0 0,1-1-1 0 0,0 0 0 0 0,0 1 1 0 0,0-1-1 0 0,0 0 1 0 0,0 0-1 0 0,-1-1 0 0 0,1 1 1 0 0,0 0-1 0 0,3-1 0 0 0,2-2 22 0 0,-1 1-1 0 0,1-1 0 0 0,-1 0 1 0 0,0-1-1 0 0,0 0 0 0 0,0 0 1 0 0,0 0-1 0 0,-1 0 0 0 0,0-1 0 0 0,0 0 1 0 0,6-7-1 0 0,7-10 46 0 0,21-35 1 0 0,-34 49-60 0 0,13-21-69 0 0,-10 14-491 0 0,16-20 0 0 0,-19 30-259 0 0,-1 0-1 0 0,1 0 1 0 0,-1 1-1 0 0,8-5 1 0 0,-4 4-795 0 0</inkml:trace>
+</inkml:ink>
+</file>
+
+<file path=ppt/ink/ink18.xml><?xml version="1.0" encoding="utf-8"?>
+<inkml:ink xmlns:inkml="http://www.w3.org/2003/InkML">
+  <inkml:definitions>
+    <inkml:context xml:id="ctx0">
+      <inkml:inkSource xml:id="inkSrc0">
+        <inkml:traceFormat>
+          <inkml:channel name="X" type="integer" min="-2.14748E9" max="2.14748E9" units="cm"/>
+          <inkml:channel name="Y" type="integer" min="-2.14748E9" max="2.14748E9" units="cm"/>
+          <inkml:channel name="F" type="integer" max="32767" units="dev"/>
+          <inkml:channel name="OA" type="integer" max="360" units="deg"/>
+          <inkml:channel name="OE" type="integer" max="90" units="deg"/>
+        </inkml:traceFormat>
+        <inkml:channelProperties>
+          <inkml:channelProperty channel="X" name="resolution" value="1000" units="1/cm"/>
+          <inkml:channelProperty channel="Y" name="resolution" value="1000" units="1/cm"/>
+          <inkml:channelProperty channel="F" name="resolution" value="0" units="1/dev"/>
+          <inkml:channelProperty channel="OA" name="resolution" value="1000" units="1/deg"/>
+          <inkml:channelProperty channel="OE" name="resolution" value="1000" units="1/deg"/>
+        </inkml:channelProperties>
+      </inkml:inkSource>
+      <inkml:timestamp xml:id="ts0" timeString="2020-12-11T18:02:45.096"/>
+    </inkml:context>
+    <inkml:brush xml:id="br0">
+      <inkml:brushProperty name="width" value="0.05" units="cm"/>
+      <inkml:brushProperty name="height" value="0.05" units="cm"/>
+      <inkml:brushProperty name="color" value="#004F8B"/>
+    </inkml:brush>
+  </inkml:definitions>
+  <inkml:trace contextRef="#ctx0" brushRef="#br0">87 376 11056 0 0,'-11'13'544'0'0,"-34"47"6099"0"0,40-51-5900 0 0,0-1 0 0 0,0 0 0 0 0,1 1 0 0 0,0 0 0 0 0,-4 15 0 0 0,8-24-726 0 0,0 0 1 0 0,0 1 0 0 0,0-1-1 0 0,0 0 1 0 0,0 0 0 0 0,0 0-1 0 0,0 0 1 0 0,0 0 0 0 0,0 0-1 0 0,0 0 1 0 0,0 0 0 0 0,0 0-1 0 0,0 0 1 0 0,0 0-1 0 0,0 1 1 0 0,0-1 0 0 0,0 0-1 0 0,0 0 1 0 0,0 0 0 0 0,1 0-1 0 0,-1 0 1 0 0,0 0 0 0 0,0 0-1 0 0,0 0 1 0 0,0 0 0 0 0,0 0-1 0 0,0 0 1 0 0,0 0 0 0 0,0 0-1 0 0,0 0 1 0 0,0 0 0 0 0,0 0-1 0 0,0 1 1 0 0,0-1 0 0 0,1 0-1 0 0,-1 0 1 0 0,0 0 0 0 0,0 0-1 0 0,0 0 1 0 0,0 0 0 0 0,0 0-1 0 0,0 0 1 0 0,0 0 0 0 0,0 0-1 0 0,0 0 1 0 0,0 0 0 0 0,1 0-1 0 0,-1-1 1 0 0,0 1 0 0 0,0 0-1 0 0,0 0 1 0 0,0 0-1 0 0,0 0 1 0 0,0 0 0 0 0,0 0-1 0 0,0 0 1 0 0,0 0 0 0 0,0 0-1 0 0,0 0 1 0 0,0 0 0 0 0,0 0-1 0 0,1 0 1 0 0,9-6 368 0 0,10-11 29 0 0,-2-6 33 0 0,-2-2 0 0 0,0 0 0 0 0,19-42 0 0 0,-25 45-272 0 0,3-7 123 0 0,-1-2 0 0 0,-1 1-1 0 0,-2-1 1 0 0,-1-1 0 0 0,7-62 0 0 0,-13 80-137 0 0,0 5 17 0 0,-1-1 0 0 0,-1 1 0 0 0,0-18-1 0 0,0 26-169 0 0,0 0-1 0 0,0 1 0 0 0,0-1 0 0 0,0 0 1 0 0,0 0-1 0 0,0 1 0 0 0,-1-1 0 0 0,1 0 0 0 0,0 1 1 0 0,0-1-1 0 0,-1 0 0 0 0,1 1 0 0 0,0-1 0 0 0,-1 0 1 0 0,1 1-1 0 0,-1-1 0 0 0,1 1 0 0 0,-1-1 0 0 0,1 0 1 0 0,-1 1-1 0 0,1-1 0 0 0,-1 1 0 0 0,0 0 1 0 0,0-1-1 0 0,0 1-4 0 0,1 0 1 0 0,-1 0 0 0 0,1 0 0 0 0,-1 1-1 0 0,1-1 1 0 0,-1 0 0 0 0,1 1-1 0 0,-1-1 1 0 0,1 0 0 0 0,-1 1 0 0 0,1-1-1 0 0,-1 1 1 0 0,1-1 0 0 0,0 1-1 0 0,-1-1 1 0 0,1 0 0 0 0,0 1 0 0 0,-1 0-1 0 0,1-1 1 0 0,0 1 0 0 0,0-1-1 0 0,0 1 1 0 0,-1-1 0 0 0,1 1 0 0 0,0-1-1 0 0,0 1 1 0 0,0 0 0 0 0,0-1-1 0 0,0 2 1 0 0,-5 20-28 0 0,1-9-45 0 0,1 1 1 0 0,1 1-1 0 0,0-1 1 0 0,1 0-1 0 0,0 0 1 0 0,2 24-1 0 0,2-25 95 0 0,-1 1-610 0 0,1 0 0 0 0,4 16 0 0 0,-5-25 230 0 0,1 0-1 0 0,-1 0 1 0 0,0 0-1 0 0,1 0 1 0 0,0 0 0 0 0,0-1-1 0 0,1 1 1 0 0,-1-1 0 0 0,5 4-1 0 0,-3-4-255 0 0,0 1 1 0 0,0-1-1 0 0,0-1 0 0 0,1 1 0 0 0,-1-1 1 0 0,13 5-1 0 0,6 0-4817 0 0,-4-4-702 0 0</inkml:trace>
+</inkml:ink>
+</file>
+
+<file path=ppt/ink/ink19.xml><?xml version="1.0" encoding="utf-8"?>
+<inkml:ink xmlns:inkml="http://www.w3.org/2003/InkML">
+  <inkml:definitions>
+    <inkml:context xml:id="ctx0">
+      <inkml:inkSource xml:id="inkSrc0">
+        <inkml:traceFormat>
+          <inkml:channel name="X" type="integer" min="-2.14748E9" max="2.14748E9" units="cm"/>
+          <inkml:channel name="Y" type="integer" min="-2.14748E9" max="2.14748E9" units="cm"/>
+          <inkml:channel name="F" type="integer" max="32767" units="dev"/>
+          <inkml:channel name="OA" type="integer" max="360" units="deg"/>
+          <inkml:channel name="OE" type="integer" max="90" units="deg"/>
+        </inkml:traceFormat>
+        <inkml:channelProperties>
+          <inkml:channelProperty channel="X" name="resolution" value="1000" units="1/cm"/>
+          <inkml:channelProperty channel="Y" name="resolution" value="1000" units="1/cm"/>
+          <inkml:channelProperty channel="F" name="resolution" value="0" units="1/dev"/>
+          <inkml:channelProperty channel="OA" name="resolution" value="1000" units="1/deg"/>
+          <inkml:channelProperty channel="OE" name="resolution" value="1000" units="1/deg"/>
+        </inkml:channelProperties>
+      </inkml:inkSource>
+      <inkml:timestamp xml:id="ts0" timeString="2020-12-11T18:02:45.429"/>
+    </inkml:context>
+    <inkml:brush xml:id="br0">
+      <inkml:brushProperty name="width" value="0.05" units="cm"/>
+      <inkml:brushProperty name="height" value="0.05" units="cm"/>
+      <inkml:brushProperty name="color" value="#004F8B"/>
+    </inkml:brush>
+  </inkml:definitions>
+  <inkml:trace contextRef="#ctx0" brushRef="#br0">139 0 2304 0 0,'-11'2'700'0'0,"7"-1"1068"0"0,0 0 0 0 0,0 0 0 0 0,0 0 0 0 0,0 1-1 0 0,0-1 1 0 0,-6 4 0 0 0,3 0-106 0 0,0 0-1 0 0,-11 10 0 0 0,10-7-1072 0 0,0 0 0 0 0,1 0 0 0 0,0 0 0 0 0,0 1 0 0 0,-5 11 0 0 0,10-16-478 0 0,0 0 0 0 0,0 1 1 0 0,1-1-1 0 0,-1 1 1 0 0,1-1-1 0 0,0 1 0 0 0,0-1 1 0 0,1 1-1 0 0,-1 0 0 0 0,1 4 1 0 0,0-7-107 0 0,0-1 0 0 0,0 1 1 0 0,1-1-1 0 0,-1 0 0 0 0,0 1 1 0 0,0-1-1 0 0,1 0 1 0 0,-1 1-1 0 0,1-1 0 0 0,-1 0 1 0 0,1 1-1 0 0,0-1 0 0 0,-1 0 1 0 0,1 0-1 0 0,0 0 0 0 0,0 0 1 0 0,0 0-1 0 0,0 0 0 0 0,0 0 1 0 0,0 0-1 0 0,0 0 0 0 0,0 0 1 0 0,0 0-1 0 0,1-1 0 0 0,-1 1 1 0 0,0 0-1 0 0,0-1 0 0 0,1 1 1 0 0,-1-1-1 0 0,0 1 0 0 0,1-1 1 0 0,-1 0-1 0 0,1 0 0 0 0,-1 1 1 0 0,0-1-1 0 0,3-1 0 0 0,4 1-272 0 0,0 0-1 0 0,-1-1 1 0 0,1 0-1 0 0,0-1 1 0 0,-1 0-1 0 0,1 0 1 0 0,-1 0-1 0 0,0-1 1 0 0,0 0-1 0 0,0-1 1 0 0,0 0-1 0 0,-1 0 1 0 0,1 0-1 0 0,-1-1 1 0 0,7-5-1 0 0,4-5-1412 0 0</inkml:trace>
+  <inkml:trace contextRef="#ctx0" brushRef="#br0" timeOffset="1">266 30 13824 0 0,'0'0'629'0'0,"0"8"212"0"0,-2 2-211 0 0,0 1 1 0 0,1-1-1 0 0,1 1 0 0 0,0-1 1 0 0,0 1-1 0 0,1-1 0 0 0,0 1 0 0 0,1-1 1 0 0,0 1-1 0 0,1-1 0 0 0,0 0 0 0 0,1 0 1 0 0,8 17-1 0 0,-9-23-715 0 0,-1 0 0 0 0,1-1 1 0 0,0 1-1 0 0,1-1 0 0 0,-1 0 0 0 0,1 1 0 0 0,-1-1 1 0 0,1-1-1 0 0,0 1 0 0 0,0-1 0 0 0,0 1 1 0 0,0-1-1 0 0,1 0 0 0 0,-1-1 0 0 0,1 1 0 0 0,-1-1 1 0 0,1 0-1 0 0,-1 0 0 0 0,1 0 0 0 0,0-1 0 0 0,8 1 1 0 0,7-1-1434 0 0</inkml:trace>
+</inkml:ink>
+</file>
+
+<file path=ppt/ink/ink2.xml><?xml version="1.0" encoding="utf-8"?>
+<inkml:ink xmlns:inkml="http://www.w3.org/2003/InkML">
+  <inkml:definitions>
+    <inkml:context xml:id="ctx0">
+      <inkml:inkSource xml:id="inkSrc0">
+        <inkml:traceFormat>
+          <inkml:channel name="X" type="integer" min="-2.14748E9" max="2.14748E9" units="cm"/>
+          <inkml:channel name="Y" type="integer" min="-2.14748E9" max="2.14748E9" units="cm"/>
+          <inkml:channel name="F" type="integer" max="32767" units="dev"/>
+          <inkml:channel name="OA" type="integer" max="360" units="deg"/>
+          <inkml:channel name="OE" type="integer" max="90" units="deg"/>
+        </inkml:traceFormat>
+        <inkml:channelProperties>
+          <inkml:channelProperty channel="X" name="resolution" value="1000" units="1/cm"/>
+          <inkml:channelProperty channel="Y" name="resolution" value="1000" units="1/cm"/>
+          <inkml:channelProperty channel="F" name="resolution" value="0" units="1/dev"/>
+          <inkml:channelProperty channel="OA" name="resolution" value="1000" units="1/deg"/>
+          <inkml:channelProperty channel="OE" name="resolution" value="1000" units="1/deg"/>
+        </inkml:channelProperties>
+      </inkml:inkSource>
+      <inkml:timestamp xml:id="ts0" timeString="2020-12-11T18:00:41.161"/>
+    </inkml:context>
+    <inkml:brush xml:id="br0">
+      <inkml:brushProperty name="width" value="0.05" units="cm"/>
+      <inkml:brushProperty name="height" value="0.05" units="cm"/>
+      <inkml:brushProperty name="color" value="#004F8B"/>
+    </inkml:brush>
+  </inkml:definitions>
+  <inkml:trace contextRef="#ctx0" brushRef="#br0">119 30 9184 0 0,'-10'0'410'0'0,"0"0"0"0"0,-1 0-1 0 0,1-1 1 0 0,0-1 0 0 0,0 0 0 0 0,-17-5 0 0 0,-4-10 8166 0 0,48 19-6798 0 0,110 16 816 0 0,124 13-153 0 0,-59-25-1557 0 0,-180-6-846 0 0,377-15 1064 0 0,-246 12-762 0 0,-118 3-7 0 0,-23 0-833 0 0,0 0-300 0 0,1 0-1034 0 0</inkml:trace>
+</inkml:ink>
+</file>
+
+<file path=ppt/ink/ink20.xml><?xml version="1.0" encoding="utf-8"?>
+<inkml:ink xmlns:inkml="http://www.w3.org/2003/InkML">
+  <inkml:definitions>
+    <inkml:context xml:id="ctx0">
+      <inkml:inkSource xml:id="inkSrc0">
+        <inkml:traceFormat>
+          <inkml:channel name="X" type="integer" min="-2.14748E9" max="2.14748E9" units="cm"/>
+          <inkml:channel name="Y" type="integer" min="-2.14748E9" max="2.14748E9" units="cm"/>
+          <inkml:channel name="F" type="integer" max="32767" units="dev"/>
+          <inkml:channel name="OA" type="integer" max="360" units="deg"/>
+          <inkml:channel name="OE" type="integer" max="90" units="deg"/>
+        </inkml:traceFormat>
+        <inkml:channelProperties>
+          <inkml:channelProperty channel="X" name="resolution" value="1000" units="1/cm"/>
+          <inkml:channelProperty channel="Y" name="resolution" value="1000" units="1/cm"/>
+          <inkml:channelProperty channel="F" name="resolution" value="0" units="1/dev"/>
+          <inkml:channelProperty channel="OA" name="resolution" value="1000" units="1/deg"/>
+          <inkml:channelProperty channel="OE" name="resolution" value="1000" units="1/deg"/>
+        </inkml:channelProperties>
+      </inkml:inkSource>
+      <inkml:timestamp xml:id="ts0" timeString="2020-12-11T18:02:45.783"/>
+    </inkml:context>
+    <inkml:brush xml:id="br0">
+      <inkml:brushProperty name="width" value="0.05" units="cm"/>
+      <inkml:brushProperty name="height" value="0.05" units="cm"/>
+      <inkml:brushProperty name="color" value="#004F8B"/>
+    </inkml:brush>
+  </inkml:definitions>
+  <inkml:trace contextRef="#ctx0" brushRef="#br0">389 0 13360 0 0,'-5'7'459'0'0,"0"1"0"0"0,-1-2 0 0 0,-12 13 1 0 0,-7 8 3930 0 0,-38 54 3085 0 0,-26 46-6150 0 0,34-52-1274 0 0,33-47-458 0 0,2 0 0 0 0,0 2 0 0 0,-15 33 0 0 0,21-34-568 0 0,2-1-37 0 0</inkml:trace>
+</inkml:ink>
+</file>
+
+<file path=ppt/ink/ink21.xml><?xml version="1.0" encoding="utf-8"?>
+<inkml:ink xmlns:inkml="http://www.w3.org/2003/InkML">
+  <inkml:definitions>
+    <inkml:context xml:id="ctx0">
+      <inkml:inkSource xml:id="inkSrc0">
+        <inkml:traceFormat>
+          <inkml:channel name="X" type="integer" min="-2.14748E9" max="2.14748E9" units="cm"/>
+          <inkml:channel name="Y" type="integer" min="-2.14748E9" max="2.14748E9" units="cm"/>
+          <inkml:channel name="F" type="integer" max="32767" units="dev"/>
+          <inkml:channel name="OA" type="integer" max="360" units="deg"/>
+          <inkml:channel name="OE" type="integer" max="90" units="deg"/>
+        </inkml:traceFormat>
+        <inkml:channelProperties>
+          <inkml:channelProperty channel="X" name="resolution" value="1000" units="1/cm"/>
+          <inkml:channelProperty channel="Y" name="resolution" value="1000" units="1/cm"/>
+          <inkml:channelProperty channel="F" name="resolution" value="0" units="1/dev"/>
+          <inkml:channelProperty channel="OA" name="resolution" value="1000" units="1/deg"/>
+          <inkml:channelProperty channel="OE" name="resolution" value="1000" units="1/deg"/>
+        </inkml:channelProperties>
+      </inkml:inkSource>
+      <inkml:timestamp xml:id="ts0" timeString="2020-12-11T18:02:36.154"/>
+    </inkml:context>
+    <inkml:brush xml:id="br0">
+      <inkml:brushProperty name="width" value="0.05" units="cm"/>
+      <inkml:brushProperty name="height" value="0.05" units="cm"/>
+      <inkml:brushProperty name="color" value="#004F8B"/>
+    </inkml:brush>
+  </inkml:definitions>
+  <inkml:trace contextRef="#ctx0" brushRef="#br0">79 1 10136 0 0,'-5'0'12577'0'0,"6"22"-11490"0"0,0-3-1266 0 0,-3 30 975 0 0,-13 86 1 0 0,-21 45 298 0 0,25-131-941 0 0,7-34-231 0 0,1-1 0 0 0,1 1 1 0 0,0-1-1 0 0,1 1 0 0 0,1 20 0 0 0,0-34 0 0 0,1 0 0 0 0,-1 0 0 0 0,0 0 0 0 0,0 0 0 0 0,0-1 0 0 0,0 1 1 0 0,1 0-1 0 0,-1 0 0 0 0,0 0 0 0 0,1-1 0 0 0,-1 1 0 0 0,1 0 0 0 0,-1 0 0 0 0,1-1 0 0 0,-1 1 0 0 0,1 0 1 0 0,-1-1-1 0 0,1 1 0 0 0,0-1 0 0 0,-1 1 0 0 0,1-1 0 0 0,0 1 0 0 0,-1-1 0 0 0,1 1 0 0 0,0-1 0 0 0,0 0 1 0 0,-1 1-1 0 0,1-1 0 0 0,0 0 0 0 0,0 0 0 0 0,0 1 0 0 0,0-1 0 0 0,-1 0 0 0 0,1 0 0 0 0,0 0 0 0 0,0 0 1 0 0,0 0-1 0 0,0 0 0 0 0,0 0 0 0 0,-1-1 0 0 0,1 1 0 0 0,0 0 0 0 0,0 0 0 0 0,1-1 0 0 0,3-1-638 0 0,1 0 0 0 0,0 0 0 0 0,0-1 0 0 0,8-5 0 0 0,5-5-948 0 0</inkml:trace>
+</inkml:ink>
+</file>
+
+<file path=ppt/ink/ink22.xml><?xml version="1.0" encoding="utf-8"?>
+<inkml:ink xmlns:inkml="http://www.w3.org/2003/InkML">
+  <inkml:definitions>
+    <inkml:context xml:id="ctx0">
+      <inkml:inkSource xml:id="inkSrc0">
+        <inkml:traceFormat>
+          <inkml:channel name="X" type="integer" min="-2.14748E9" max="2.14748E9" units="cm"/>
+          <inkml:channel name="Y" type="integer" min="-2.14748E9" max="2.14748E9" units="cm"/>
+          <inkml:channel name="F" type="integer" max="32767" units="dev"/>
+          <inkml:channel name="OA" type="integer" max="360" units="deg"/>
+          <inkml:channel name="OE" type="integer" max="90" units="deg"/>
+        </inkml:traceFormat>
+        <inkml:channelProperties>
+          <inkml:channelProperty channel="X" name="resolution" value="1000" units="1/cm"/>
+          <inkml:channelProperty channel="Y" name="resolution" value="1000" units="1/cm"/>
+          <inkml:channelProperty channel="F" name="resolution" value="0" units="1/dev"/>
+          <inkml:channelProperty channel="OA" name="resolution" value="1000" units="1/deg"/>
+          <inkml:channelProperty channel="OE" name="resolution" value="1000" units="1/deg"/>
+        </inkml:channelProperties>
+      </inkml:inkSource>
+      <inkml:timestamp xml:id="ts0" timeString="2020-12-11T18:02:36.509"/>
+    </inkml:context>
+    <inkml:brush xml:id="br0">
+      <inkml:brushProperty name="width" value="0.05" units="cm"/>
+      <inkml:brushProperty name="height" value="0.05" units="cm"/>
+      <inkml:brushProperty name="color" value="#004F8B"/>
+    </inkml:brush>
+  </inkml:definitions>
+  <inkml:trace contextRef="#ctx0" brushRef="#br0">193 21 11520 0 0,'0'-1'54'0'0,"-2"-1"74"0"0,0 0 0 0 0,0 0 1 0 0,-1 1-1 0 0,1-1 0 0 0,0 1 0 0 0,-5-3 0 0 0,6 4-15 0 0,-1-1 0 0 0,0 1 0 0 0,1 0 0 0 0,-1 0 0 0 0,1 0 1 0 0,-1 0-1 0 0,1 0 0 0 0,-1 0 0 0 0,0 1 0 0 0,1-1 0 0 0,-1 0 0 0 0,1 1 0 0 0,-1-1 0 0 0,-1 2 1 0 0,-2 0 487 0 0,1 0 0 0 0,-1 1 1 0 0,1-1-1 0 0,-1 1 1 0 0,1 0-1 0 0,0 1 1 0 0,0-1-1 0 0,0 1 1 0 0,-4 6-1 0 0,-5 6 464 0 0,-11 20 0 0 0,16-25-570 0 0,0 3-34 0 0,0 0-1 0 0,1 1 1 0 0,1 0-1 0 0,0 0 1 0 0,1 0-1 0 0,1 1 1 0 0,0-1-1 0 0,1 1 1 0 0,-2 27 0 0 0,5-39-352 0 0,0 0 1 0 0,0 1 0 0 0,1-1 0 0 0,0 0 0 0 0,-1 0 0 0 0,1 0-1 0 0,0 0 1 0 0,1 0 0 0 0,-1 0 0 0 0,4 6 0 0 0,-4-9-89 0 0,-1 0 0 0 0,1 0 0 0 0,0 0 0 0 0,-1 0 0 0 0,1 0 1 0 0,0 0-1 0 0,0 0 0 0 0,0 0 0 0 0,0 0 0 0 0,0-1 0 0 0,0 1 0 0 0,0 0 0 0 0,0-1 1 0 0,0 1-1 0 0,0 0 0 0 0,0-1 0 0 0,0 0 0 0 0,0 1 0 0 0,0-1 0 0 0,0 0 1 0 0,1 1-1 0 0,-1-1 0 0 0,0 0 0 0 0,0 0 0 0 0,0 0 0 0 0,1 0 0 0 0,-1 0 1 0 0,0 0-1 0 0,0 0 0 0 0,0-1 0 0 0,1 1 0 0 0,-1 0 0 0 0,0-1 0 0 0,0 1 0 0 0,0-1 1 0 0,0 1-1 0 0,0-1 0 0 0,0 0 0 0 0,0 1 0 0 0,0-1 0 0 0,1-1 0 0 0,6-4 5 0 0,-1-1-1 0 0,0 0 1 0 0,-1 0-1 0 0,1-1 1 0 0,-1 0-1 0 0,-1 0 0 0 0,0-1 1 0 0,6-11-1 0 0,6-9-16 0 0,63-87-2093 0 0,-66 99 797 0 0,0 0 0 0 0,1 1 0 0 0,1 1 0 0 0,25-19 0 0 0,-21 22-555 0 0,0 4-128 0 0</inkml:trace>
+</inkml:ink>
+</file>
+
+<file path=ppt/ink/ink23.xml><?xml version="1.0" encoding="utf-8"?>
+<inkml:ink xmlns:inkml="http://www.w3.org/2003/InkML">
+  <inkml:definitions>
+    <inkml:context xml:id="ctx0">
+      <inkml:inkSource xml:id="inkSrc0">
+        <inkml:traceFormat>
+          <inkml:channel name="X" type="integer" min="-2.14748E9" max="2.14748E9" units="cm"/>
+          <inkml:channel name="Y" type="integer" min="-2.14748E9" max="2.14748E9" units="cm"/>
+          <inkml:channel name="F" type="integer" max="32767" units="dev"/>
+          <inkml:channel name="OA" type="integer" max="360" units="deg"/>
+          <inkml:channel name="OE" type="integer" max="90" units="deg"/>
+        </inkml:traceFormat>
+        <inkml:channelProperties>
+          <inkml:channelProperty channel="X" name="resolution" value="1000" units="1/cm"/>
+          <inkml:channelProperty channel="Y" name="resolution" value="1000" units="1/cm"/>
+          <inkml:channelProperty channel="F" name="resolution" value="0" units="1/dev"/>
+          <inkml:channelProperty channel="OA" name="resolution" value="1000" units="1/deg"/>
+          <inkml:channelProperty channel="OE" name="resolution" value="1000" units="1/deg"/>
+        </inkml:channelProperties>
+      </inkml:inkSource>
+      <inkml:timestamp xml:id="ts0" timeString="2020-12-11T18:02:36.861"/>
+    </inkml:context>
+    <inkml:brush xml:id="br0">
+      <inkml:brushProperty name="width" value="0.05" units="cm"/>
+      <inkml:brushProperty name="height" value="0.05" units="cm"/>
+      <inkml:brushProperty name="color" value="#004F8B"/>
+    </inkml:brush>
+  </inkml:definitions>
+  <inkml:trace contextRef="#ctx0" brushRef="#br0">122 0 14832 0 0,'-2'9'312'0'0,"-1"0"1"0"0,1-1-1 0 0,-2 1 1 0 0,1-1 0 0 0,-1 0-1 0 0,0 0 1 0 0,-1 0-1 0 0,0 0 1 0 0,-7 8 0 0 0,-18 31 3522 0 0,23-34-3181 0 0,0 2 1 0 0,1-1 0 0 0,0 1 0 0 0,1-1 0 0 0,1 2-1 0 0,0-1 1 0 0,1 0 0 0 0,-2 27 0 0 0,5-41-595 0 0,0 1 0 0 0,0-1 0 0 0,0 0 0 0 0,0 1 0 0 0,0-1 0 0 0,0 0 1 0 0,1 1-1 0 0,-1-1 0 0 0,0 0 0 0 0,1 1 0 0 0,-1-1 0 0 0,1 0 0 0 0,-1 0 0 0 0,1 1 0 0 0,0-1 1 0 0,0 0-1 0 0,-1 0 0 0 0,1 0 0 0 0,0 0 0 0 0,0 0 0 0 0,0 0 0 0 0,0 0 0 0 0,0 0 0 0 0,2 0 0 0 0,-2 0-26 0 0,1-1-1 0 0,-1 1 1 0 0,1-1-1 0 0,-1 0 1 0 0,0 0-1 0 0,1 0 1 0 0,-1 0 0 0 0,1 0-1 0 0,-1 0 1 0 0,1 0-1 0 0,-1 0 1 0 0,0-1-1 0 0,1 1 1 0 0,-1-1-1 0 0,1 1 1 0 0,-1-1-1 0 0,0 1 1 0 0,1-1-1 0 0,-1 0 1 0 0,0 1-1 0 0,0-1 1 0 0,3-2-1 0 0,10-10-5 0 0,0 0 0 0 0,-1-1 0 0 0,14-19 0 0 0,-17 21-55 0 0,2-6-645 0 0,0 1 0 0 0,-1-1-1 0 0,0-1 1 0 0,-2 0 0 0 0,0-1-1 0 0,10-36 1 0 0,-12 28-915 0 0</inkml:trace>
+</inkml:ink>
+</file>
+
+<file path=ppt/ink/ink24.xml><?xml version="1.0" encoding="utf-8"?>
+<inkml:ink xmlns:inkml="http://www.w3.org/2003/InkML">
+  <inkml:definitions>
+    <inkml:context xml:id="ctx0">
+      <inkml:inkSource xml:id="inkSrc0">
+        <inkml:traceFormat>
+          <inkml:channel name="X" type="integer" min="-2.14748E9" max="2.14748E9" units="cm"/>
+          <inkml:channel name="Y" type="integer" min="-2.14748E9" max="2.14748E9" units="cm"/>
+          <inkml:channel name="F" type="integer" max="32767" units="dev"/>
+          <inkml:channel name="OA" type="integer" max="360" units="deg"/>
+          <inkml:channel name="OE" type="integer" max="90" units="deg"/>
+        </inkml:traceFormat>
+        <inkml:channelProperties>
+          <inkml:channelProperty channel="X" name="resolution" value="1000" units="1/cm"/>
+          <inkml:channelProperty channel="Y" name="resolution" value="1000" units="1/cm"/>
+          <inkml:channelProperty channel="F" name="resolution" value="0" units="1/dev"/>
+          <inkml:channelProperty channel="OA" name="resolution" value="1000" units="1/deg"/>
+          <inkml:channelProperty channel="OE" name="resolution" value="1000" units="1/deg"/>
+        </inkml:channelProperties>
+      </inkml:inkSource>
+      <inkml:timestamp xml:id="ts0" timeString="2020-12-11T18:02:37.207"/>
+    </inkml:context>
+    <inkml:brush xml:id="br0">
+      <inkml:brushProperty name="width" value="0.05" units="cm"/>
+      <inkml:brushProperty name="height" value="0.05" units="cm"/>
+      <inkml:brushProperty name="color" value="#004F8B"/>
+    </inkml:brush>
+  </inkml:definitions>
+  <inkml:trace contextRef="#ctx0" brushRef="#br0">0 59 21079 0 0,'0'0'2114'0'0,"2"0"-1936"0"0,44-6 1105 0 0,0 3-1 0 0,66 3 1 0 0,-5 0 33 0 0,145-8-244 0 0,205-7 1032 0 0,-429 14-2104 0 0,112-8 0 0 0,-10 0 0 0 0,-117 9 0 0 0,6-1 0 0 0,-15-2 0 0 0,-3 0-2187 0 0</inkml:trace>
+</inkml:ink>
+</file>
+
+<file path=ppt/ink/ink25.xml><?xml version="1.0" encoding="utf-8"?>
+<inkml:ink xmlns:inkml="http://www.w3.org/2003/InkML">
+  <inkml:definitions>
+    <inkml:context xml:id="ctx0">
+      <inkml:inkSource xml:id="inkSrc0">
+        <inkml:traceFormat>
+          <inkml:channel name="X" type="integer" min="-2.14748E9" max="2.14748E9" units="cm"/>
+          <inkml:channel name="Y" type="integer" min="-2.14748E9" max="2.14748E9" units="cm"/>
+          <inkml:channel name="F" type="integer" max="32767" units="dev"/>
+          <inkml:channel name="OA" type="integer" max="360" units="deg"/>
+          <inkml:channel name="OE" type="integer" max="90" units="deg"/>
+        </inkml:traceFormat>
+        <inkml:channelProperties>
+          <inkml:channelProperty channel="X" name="resolution" value="1000" units="1/cm"/>
+          <inkml:channelProperty channel="Y" name="resolution" value="1000" units="1/cm"/>
+          <inkml:channelProperty channel="F" name="resolution" value="0" units="1/dev"/>
+          <inkml:channelProperty channel="OA" name="resolution" value="1000" units="1/deg"/>
+          <inkml:channelProperty channel="OE" name="resolution" value="1000" units="1/deg"/>
+        </inkml:channelProperties>
+      </inkml:inkSource>
+      <inkml:timestamp xml:id="ts0" timeString="2020-12-11T18:02:38.908"/>
+    </inkml:context>
+    <inkml:brush xml:id="br0">
+      <inkml:brushProperty name="width" value="0.05" units="cm"/>
+      <inkml:brushProperty name="height" value="0.05" units="cm"/>
+      <inkml:brushProperty name="color" value="#004F8B"/>
+    </inkml:brush>
+  </inkml:definitions>
+  <inkml:trace contextRef="#ctx0" brushRef="#br0">1 136 15344 0 0,'0'0'1393'0'0,"3"-10"-979"0"0,3 4 231 0 0,-1 1 0 0 0,0-1 0 0 0,1 1 0 0 0,0 0 0 0 0,1 1 0 0 0,9-6 0 0 0,46-20 940 0 0,-20 10-397 0 0,-29 14-1027 0 0,1 0 1 0 0,0 1-1 0 0,0 1 0 0 0,0 0 0 0 0,1 0 0 0 0,18-1 0 0 0,-32 5-175 0 0,1 0 0 0 0,-1 0 1 0 0,0-1-1 0 0,1 1 0 0 0,-1 0 0 0 0,1 0 0 0 0,-1 1 0 0 0,0-1 0 0 0,1 0 1 0 0,-1 0-1 0 0,0 1 0 0 0,1-1 0 0 0,-1 1 0 0 0,0-1 0 0 0,1 1 0 0 0,-1-1 0 0 0,0 1 1 0 0,0 0-1 0 0,0 0 0 0 0,0-1 0 0 0,1 1 0 0 0,-1 0 0 0 0,0 0 0 0 0,-1 0 0 0 0,1 0 1 0 0,0 0-1 0 0,0 1 0 0 0,0-1 0 0 0,-1 0 0 0 0,1 0 0 0 0,0 0 0 0 0,-1 1 0 0 0,1-1 1 0 0,-1 0-1 0 0,0 1 0 0 0,1-1 0 0 0,-1 0 0 0 0,0 1 0 0 0,0-1 0 0 0,0 1 1 0 0,0 1-1 0 0,0 7-395 0 0,-1-1 1 0 0,-1 1 0 0 0,1-1-1 0 0,-7 18 1 0 0,5-16-120 0 0,-4 16-829 0 0,-1 0-46 0 0</inkml:trace>
+</inkml:ink>
+</file>
+
+<file path=ppt/ink/ink26.xml><?xml version="1.0" encoding="utf-8"?>
+<inkml:ink xmlns:inkml="http://www.w3.org/2003/InkML">
+  <inkml:definitions>
+    <inkml:context xml:id="ctx0">
+      <inkml:inkSource xml:id="inkSrc0">
+        <inkml:traceFormat>
+          <inkml:channel name="X" type="integer" min="-2.14748E9" max="2.14748E9" units="cm"/>
+          <inkml:channel name="Y" type="integer" min="-2.14748E9" max="2.14748E9" units="cm"/>
+          <inkml:channel name="F" type="integer" max="32767" units="dev"/>
+          <inkml:channel name="OA" type="integer" max="360" units="deg"/>
+          <inkml:channel name="OE" type="integer" max="90" units="deg"/>
+        </inkml:traceFormat>
+        <inkml:channelProperties>
+          <inkml:channelProperty channel="X" name="resolution" value="1000" units="1/cm"/>
+          <inkml:channelProperty channel="Y" name="resolution" value="1000" units="1/cm"/>
+          <inkml:channelProperty channel="F" name="resolution" value="0" units="1/dev"/>
+          <inkml:channelProperty channel="OA" name="resolution" value="1000" units="1/deg"/>
+          <inkml:channelProperty channel="OE" name="resolution" value="1000" units="1/deg"/>
+        </inkml:channelProperties>
+      </inkml:inkSource>
+      <inkml:timestamp xml:id="ts0" timeString="2020-12-11T18:02:39.272"/>
+    </inkml:context>
+    <inkml:brush xml:id="br0">
+      <inkml:brushProperty name="width" value="0.05" units="cm"/>
+      <inkml:brushProperty name="height" value="0.05" units="cm"/>
+      <inkml:brushProperty name="color" value="#004F8B"/>
+    </inkml:brush>
+  </inkml:definitions>
+  <inkml:trace contextRef="#ctx0" brushRef="#br0">6 61 7368 0 0,'-5'9'12679'0'0,"16"-11"-11655"0"0,-3 0-16 0 0,3-3-592 0 0,-5-3-112 0 0,5-2-24 0 0,1-3-8 0 0,1 1-1264 0 0,-1-6-256 0 0</inkml:trace>
+</inkml:ink>
+</file>
+
+<file path=ppt/ink/ink27.xml><?xml version="1.0" encoding="utf-8"?>
+<inkml:ink xmlns:inkml="http://www.w3.org/2003/InkML">
+  <inkml:definitions>
+    <inkml:context xml:id="ctx0">
+      <inkml:inkSource xml:id="inkSrc0">
+        <inkml:traceFormat>
+          <inkml:channel name="X" type="integer" min="-2.14748E9" max="2.14748E9" units="cm"/>
+          <inkml:channel name="Y" type="integer" min="-2.14748E9" max="2.14748E9" units="cm"/>
+          <inkml:channel name="F" type="integer" max="32767" units="dev"/>
+          <inkml:channel name="OA" type="integer" max="360" units="deg"/>
+          <inkml:channel name="OE" type="integer" max="90" units="deg"/>
+        </inkml:traceFormat>
+        <inkml:channelProperties>
+          <inkml:channelProperty channel="X" name="resolution" value="1000" units="1/cm"/>
+          <inkml:channelProperty channel="Y" name="resolution" value="1000" units="1/cm"/>
+          <inkml:channelProperty channel="F" name="resolution" value="0" units="1/dev"/>
+          <inkml:channelProperty channel="OA" name="resolution" value="1000" units="1/deg"/>
+          <inkml:channelProperty channel="OE" name="resolution" value="1000" units="1/deg"/>
+        </inkml:channelProperties>
+      </inkml:inkSource>
+      <inkml:timestamp xml:id="ts0" timeString="2020-12-11T18:02:39.636"/>
+    </inkml:context>
+    <inkml:brush xml:id="br0">
+      <inkml:brushProperty name="width" value="0.05" units="cm"/>
+      <inkml:brushProperty name="height" value="0.05" units="cm"/>
+      <inkml:brushProperty name="color" value="#004F8B"/>
+    </inkml:brush>
+  </inkml:definitions>
+  <inkml:trace contextRef="#ctx0" brushRef="#br0">0 96 16128 0 0,'1'-2'392'0'0,"-1"-1"0"0"0,1 0 1 0 0,-1 1-1 0 0,1-1 0 0 0,0 1 1 0 0,0-1-1 0 0,0 1 1 0 0,0-1-1 0 0,0 1 0 0 0,1 0 1 0 0,-1 0-1 0 0,1-1 1 0 0,-1 1-1 0 0,1 0 0 0 0,0 0 1 0 0,0 1-1 0 0,0-1 1 0 0,0 0-1 0 0,0 0 0 0 0,3-1 1 0 0,5-3 104 0 0,1 0 0 0 0,-1 1-1 0 0,12-4 1 0 0,-17 7-373 0 0,3-2 24 0 0,1 1 0 0 0,0 0 0 0 0,0 0 0 0 0,0 1 0 0 0,12-2 0 0 0,-19 4-187 0 0,1 0-1 0 0,-1 0 1 0 0,0 0-1 0 0,0 0 1 0 0,0 1-1 0 0,1-1 1 0 0,-1 1-1 0 0,0-1 1 0 0,0 1-1 0 0,0 0 1 0 0,0 0-1 0 0,0-1 1 0 0,0 2 0 0 0,0-1-1 0 0,0 0 1 0 0,0 0-1 0 0,-1 1 1 0 0,1-1-1 0 0,0 0 1 0 0,-1 1-1 0 0,1 0 1 0 0,-1-1-1 0 0,0 1 1 0 0,0 0-1 0 0,1 0 1 0 0,-1 0-1 0 0,1 4 1 0 0,0-2-96 0 0,0 1-1 0 0,-1 0 1 0 0,0 0 0 0 0,0 0 0 0 0,0 0-1 0 0,-1 0 1 0 0,0 0 0 0 0,0 0-1 0 0,0 0 1 0 0,-1 8 0 0 0,-3 7-664 0 0,-7 25 1 0 0,8-33 618 0 0,-8 20-294 0 0,0-1 1 0 0,-16 31 0 0 0,-7 16-79 0 0,19-30 321 0 0,15-46 216 0 0,1-1 7 0 0,0 9 308 0 0,16-9 540 0 0,-1-2 1391 0 0,-15 1-2168 0 0,1 0 0 0 0,-1 0-1 0 0,0 0 1 0 0,0 0 0 0 0,1 0 0 0 0,-1 0-1 0 0,0 0 1 0 0,1 0 0 0 0,-1 0 0 0 0,0 0-1 0 0,0 1 1 0 0,1-1 0 0 0,1 1 0 0 0,16 9-4009 0 0</inkml:trace>
+  <inkml:trace contextRef="#ctx0" brushRef="#br0" timeOffset="1">220 434 13360 0 0,'-5'3'1184'0'0,"0"-1"-944"0"0,-5 1-240 0 0,5-1 0 0 0,0 3 384 0 0,2-3 32 0 0</inkml:trace>
+</inkml:ink>
+</file>
+
+<file path=ppt/ink/ink28.xml><?xml version="1.0" encoding="utf-8"?>
+<inkml:ink xmlns:inkml="http://www.w3.org/2003/InkML">
+  <inkml:definitions>
+    <inkml:context xml:id="ctx0">
+      <inkml:inkSource xml:id="inkSrc0">
+        <inkml:traceFormat>
+          <inkml:channel name="X" type="integer" min="-2.14748E9" max="2.14748E9" units="cm"/>
+          <inkml:channel name="Y" type="integer" min="-2.14748E9" max="2.14748E9" units="cm"/>
+          <inkml:channel name="F" type="integer" max="32767" units="dev"/>
+          <inkml:channel name="OA" type="integer" max="360" units="deg"/>
+          <inkml:channel name="OE" type="integer" max="90" units="deg"/>
+        </inkml:traceFormat>
+        <inkml:channelProperties>
+          <inkml:channelProperty channel="X" name="resolution" value="1000" units="1/cm"/>
+          <inkml:channelProperty channel="Y" name="resolution" value="1000" units="1/cm"/>
+          <inkml:channelProperty channel="F" name="resolution" value="0" units="1/dev"/>
+          <inkml:channelProperty channel="OA" name="resolution" value="1000" units="1/deg"/>
+          <inkml:channelProperty channel="OE" name="resolution" value="1000" units="1/deg"/>
+        </inkml:channelProperties>
+      </inkml:inkSource>
+      <inkml:timestamp xml:id="ts0" timeString="2020-12-11T18:03:28.180"/>
+    </inkml:context>
+    <inkml:brush xml:id="br0">
+      <inkml:brushProperty name="width" value="0.05" units="cm"/>
+      <inkml:brushProperty name="height" value="0.05" units="cm"/>
+      <inkml:brushProperty name="color" value="#004F8B"/>
+    </inkml:brush>
+  </inkml:definitions>
+  <inkml:trace contextRef="#ctx0" brushRef="#br0">1 0 18655 0 0,'0'0'1875'0'0,"15"0"-44"0"0,-3 1-1161 0 0,0 0 0 0 0,14 3 0 0 0,20 3 310 0 0,375 15 1523 0 0,-388-20-2332 0 0,2-1 154 0 0,0 2-1 0 0,39 8 1 0 0,-74-11-322 0 0,8 2 216 0 0,-1 0 0 0 0,1 1-1 0 0,8 3 1 0 0,-15-5-170 0 0,1-1 0 0 0,0 1-1 0 0,-1 0 1 0 0,0 0 0 0 0,1 0-1 0 0,-1 0 1 0 0,1 0 0 0 0,-1 0-1 0 0,0 0 1 0 0,0 0 0 0 0,0 1-1 0 0,0-1 1 0 0,0 0 0 0 0,0 1 0 0 0,0-1-1 0 0,0 1 1 0 0,0-1 0 0 0,-1 1-1 0 0,1 0 1 0 0,-1-1 0 0 0,1 3-1 0 0,4 53 276 0 0,-3 1 1 0 0,-7 73-1 0 0,0 6-323 0 0,18 170 32 0 0,15 1-13 0 0,-24-270-20 0 0,32 257 291 0 0,26-4 15 0 0,-52-248-255 0 0,-8-32-16 0 0,0 0 0 0 0,1 0 0 0 0,5 14 0 0 0,-5-14-34 0 0,-1-1-1 0 0,0 0 1 0 0,0 1 0 0 0,-1 0-1 0 0,0 16 1 0 0,-1-23-1 0 0,0 0 0 0 0,-1 0 0 0 0,1 0 0 0 0,-1 0 0 0 0,0 0 0 0 0,0 0 0 0 0,0-1 0 0 0,0 1 0 0 0,-1 0 0 0 0,1-1 0 0 0,-1 1 0 0 0,0-1 0 0 0,0 1 0 0 0,0-1 0 0 0,-1 0 0 0 0,1 0 0 0 0,-1 0 0 0 0,0 0 0 0 0,-4 4 0 0 0,-4 0 0 0 0,0 0 0 0 0,-1 0 0 0 0,0-1 0 0 0,-19 7 0 0 0,23-10 0 0 0,-334 139 0 0 0,320-133 3 0 0,0-1-17 0 0,2 1 1 0 0,-36 20 0 0 0,55-28-29 0 0,1-1 0 0 0,0 0 1 0 0,-1 0-1 0 0,1 0 0 0 0,0 0 0 0 0,0 0 1 0 0,0 1-1 0 0,-1-1 0 0 0,1 0 1 0 0,0 0-1 0 0,0 1 0 0 0,0-1 1 0 0,-1 0-1 0 0,1 0 0 0 0,0 1 0 0 0,0-1 1 0 0,0 0-1 0 0,0 0 0 0 0,0 1 1 0 0,0-1-1 0 0,-1 0 0 0 0,1 1 1 0 0,0-1-1 0 0,0 0 0 0 0,0 0 0 0 0,0 1 1 0 0,0-1-1 0 0,0 0 0 0 0,0 1 1 0 0,1 0-189 0 0,-1-1 0 0 0,1 1 0 0 0,-1-1 0 0 0,0 1 0 0 0,1-1 0 0 0,-1 1 0 0 0,1-1 0 0 0,-1 1 0 0 0,1-1 0 0 0,-1 1 0 0 0,1-1 0 0 0,-1 0 0 0 0,1 1 0 0 0,0-1 0 0 0,-1 0 0 0 0,1 1 0 0 0,-1-1 0 0 0,2 0 0 0 0</inkml:trace>
+</inkml:ink>
+</file>
+
+<file path=ppt/ink/ink29.xml><?xml version="1.0" encoding="utf-8"?>
+<inkml:ink xmlns:inkml="http://www.w3.org/2003/InkML">
+  <inkml:definitions>
+    <inkml:context xml:id="ctx0">
+      <inkml:inkSource xml:id="inkSrc0">
+        <inkml:traceFormat>
+          <inkml:channel name="X" type="integer" min="-2.14748E9" max="2.14748E9" units="cm"/>
+          <inkml:channel name="Y" type="integer" min="-2.14748E9" max="2.14748E9" units="cm"/>
+          <inkml:channel name="F" type="integer" max="32767" units="dev"/>
+          <inkml:channel name="OA" type="integer" max="360" units="deg"/>
+          <inkml:channel name="OE" type="integer" max="90" units="deg"/>
+        </inkml:traceFormat>
+        <inkml:channelProperties>
+          <inkml:channelProperty channel="X" name="resolution" value="1000" units="1/cm"/>
+          <inkml:channelProperty channel="Y" name="resolution" value="1000" units="1/cm"/>
+          <inkml:channelProperty channel="F" name="resolution" value="0" units="1/dev"/>
+          <inkml:channelProperty channel="OA" name="resolution" value="1000" units="1/deg"/>
+          <inkml:channelProperty channel="OE" name="resolution" value="1000" units="1/deg"/>
+        </inkml:channelProperties>
+      </inkml:inkSource>
+      <inkml:timestamp xml:id="ts0" timeString="2020-12-11T18:02:51.579"/>
+    </inkml:context>
+    <inkml:brush xml:id="br0">
+      <inkml:brushProperty name="width" value="0.05" units="cm"/>
+      <inkml:brushProperty name="height" value="0.05" units="cm"/>
+      <inkml:brushProperty name="color" value="#004F8B"/>
+    </inkml:brush>
+  </inkml:definitions>
+  <inkml:trace contextRef="#ctx0" brushRef="#br0">63 65 11056 0 0,'2'-6'120'0'0,"-1"4"-49"0"0,-1 0-1 0 0,1 0 1 0 0,-1 0-1 0 0,1 0 1 0 0,-1 0 0 0 0,0 1-1 0 0,0-1 1 0 0,0 0 0 0 0,0 0-1 0 0,0 0 1 0 0,0 0 0 0 0,-1 0-1 0 0,1 0 1 0 0,-1-3 0 0 0,-10-15 6319 0 0,10 20-6133 0 0,1-1-1 0 0,0 1 1 0 0,0-1 0 0 0,-1 1-1 0 0,1 0 1 0 0,0-1-1 0 0,-1 1 1 0 0,1 0 0 0 0,-1-1-1 0 0,1 1 1 0 0,0 0 0 0 0,-1-1-1 0 0,1 1 1 0 0,-1 0 0 0 0,1 0-1 0 0,-1-1 1 0 0,1 1-1 0 0,-1 0 1 0 0,1 0 0 0 0,-1 0-1 0 0,1 0 1 0 0,-1 0 0 0 0,1 0-1 0 0,-1 0 1 0 0,0 0-163 0 0,0 0 1 0 0,1 1-1 0 0,-1-1 0 0 0,1 0 1 0 0,-1 1-1 0 0,1-1 1 0 0,-1 0-1 0 0,1 1 1 0 0,0-1-1 0 0,-1 1 0 0 0,1-1 1 0 0,-1 1-1 0 0,1-1 1 0 0,0 1-1 0 0,0-1 1 0 0,-1 1-1 0 0,1 0 0 0 0,-2 5-336 0 0,0 0 0 0 0,0-1 0 0 0,-1 10 0 0 0,3-11 682 0 0,-12 76-365 0 0,-1 134 0 0 0,12-193-147 0 0,0 199-275 0 0,4-163 1043 0 0,19 104-1 0 0,-19-148-682 0 0,0 0 0 0 0,1-1 0 0 0,1 1-1 0 0,10 18 1 0 0,-14-29-3 0 0,-1-1 1 0 0,1 1-1 0 0,1-1 0 0 0,-1 0 0 0 0,0 1 1 0 0,0-1-1 0 0,0 0 0 0 0,1 0 0 0 0,-1 0 1 0 0,0 0-1 0 0,1 0 0 0 0,-1 0 0 0 0,1-1 1 0 0,-1 1-1 0 0,1 0 0 0 0,0-1 0 0 0,-1 1 1 0 0,1-1-1 0 0,0 1 0 0 0,-1-1 0 0 0,1 0 0 0 0,0 0 1 0 0,-1 0-1 0 0,1 0 0 0 0,0 0 0 0 0,-1 0 1 0 0,1 0-1 0 0,0-1 0 0 0,-1 1 0 0 0,1 0 1 0 0,0-1-1 0 0,-1 0 0 0 0,1 1 0 0 0,-1-1 1 0 0,1 0-1 0 0,-1 0 0 0 0,1 0 0 0 0,-1 0 1 0 0,1 0-1 0 0,-1 0 0 0 0,0 0 0 0 0,0 0 1 0 0,2-2-1 0 0,5-8 122 0 0,-1-1 0 0 0,0 1 0 0 0,0-2 0 0 0,-1 1-1 0 0,-1-1 1 0 0,5-15 0 0 0,12-27 206 0 0,4 0 0 0 0,-3 2 417 0 0,52-83 0 0 0,-72 131-670 0 0,1 0 0 0 0,-1 0 0 0 0,1 0 0 0 0,1 1 0 0 0,-1-1 0 0 0,0 1 0 0 0,7-5 0 0 0,-10 10-77 0 0,0-1-1 0 0,0 0 1 0 0,0 1-1 0 0,0-1 1 0 0,0 1-1 0 0,-1 0 1 0 0,1-1-1 0 0,0 1 1 0 0,-1 0-1 0 0,1-1 1 0 0,0 1-1 0 0,-1 0 1 0 0,1 0-1 0 0,-1 0 1 0 0,1-1 0 0 0,0 3-1 0 0,2 6-7 0 0,-1 0 0 0 0,0 1 0 0 0,0-1 0 0 0,0 1 0 0 0,-2-1 0 0 0,1 19 0 0 0,-2 26-17 0 0,-1-20-115 0 0,3 1 0 0 0,4 34 0 0 0,-5-67 27 0 0,0 1 0 0 0,1-1 0 0 0,-1 0 0 0 0,1 1 0 0 0,0-1 0 0 0,0 0 0 0 0,0 1 0 0 0,0-1 0 0 0,0 0 0 0 0,0 0 0 0 0,1 0 0 0 0,-1 0 0 0 0,1 0 1 0 0,-1 0-1 0 0,1 0 0 0 0,0 0 0 0 0,-1-1 0 0 0,5 4 0 0 0,-4-5-45 0 0,0 1 1 0 0,0 0-1 0 0,-1-1 1 0 0,1 1-1 0 0,0-1 1 0 0,0 1 0 0 0,0-1-1 0 0,0 0 1 0 0,0 0-1 0 0,0 0 1 0 0,0 0-1 0 0,0 0 1 0 0,0-1-1 0 0,0 1 1 0 0,-1 0-1 0 0,1-1 1 0 0,0 0-1 0 0,0 1 1 0 0,0-1-1 0 0,0 0 1 0 0,-1 0-1 0 0,1 0 1 0 0,2-2 0 0 0,2-1-569 0 0,0-1 1 0 0,-1 0-1 0 0,1 0 1 0 0,6-10 0 0 0,2-1-1606 0 0,7-8-5100 0 0</inkml:trace>
+</inkml:ink>
+</file>
+
+<file path=ppt/ink/ink3.xml><?xml version="1.0" encoding="utf-8"?>
+<inkml:ink xmlns:inkml="http://www.w3.org/2003/InkML">
+  <inkml:definitions>
+    <inkml:context xml:id="ctx0">
+      <inkml:inkSource xml:id="inkSrc0">
+        <inkml:traceFormat>
+          <inkml:channel name="X" type="integer" min="-2.14748E9" max="2.14748E9" units="cm"/>
+          <inkml:channel name="Y" type="integer" min="-2.14748E9" max="2.14748E9" units="cm"/>
+          <inkml:channel name="F" type="integer" max="32767" units="dev"/>
+          <inkml:channel name="OA" type="integer" max="360" units="deg"/>
+          <inkml:channel name="OE" type="integer" max="90" units="deg"/>
+        </inkml:traceFormat>
+        <inkml:channelProperties>
+          <inkml:channelProperty channel="X" name="resolution" value="1000" units="1/cm"/>
+          <inkml:channelProperty channel="Y" name="resolution" value="1000" units="1/cm"/>
+          <inkml:channelProperty channel="F" name="resolution" value="0" units="1/dev"/>
+          <inkml:channelProperty channel="OA" name="resolution" value="1000" units="1/deg"/>
+          <inkml:channelProperty channel="OE" name="resolution" value="1000" units="1/deg"/>
+        </inkml:channelProperties>
+      </inkml:inkSource>
+      <inkml:timestamp xml:id="ts0" timeString="2020-12-11T18:00:45.028"/>
+    </inkml:context>
+    <inkml:brush xml:id="br0">
+      <inkml:brushProperty name="width" value="0.05" units="cm"/>
+      <inkml:brushProperty name="height" value="0.05" units="cm"/>
+      <inkml:brushProperty name="color" value="#004F8B"/>
+    </inkml:brush>
+  </inkml:definitions>
+  <inkml:trace contextRef="#ctx0" brushRef="#br0">65 8 1376 0 0,'0'0'107'0'0,"-1"0"242"0"0,-12 0 10096 0 0,-1 0-5051 0 0,-3-8-3471 0 0,-2 8-2136 0 0</inkml:trace>
+</inkml:ink>
+</file>
+
+<file path=ppt/ink/ink30.xml><?xml version="1.0" encoding="utf-8"?>
+<inkml:ink xmlns:inkml="http://www.w3.org/2003/InkML">
+  <inkml:definitions>
+    <inkml:context xml:id="ctx0">
+      <inkml:inkSource xml:id="inkSrc0">
+        <inkml:traceFormat>
+          <inkml:channel name="X" type="integer" min="-2.14748E9" max="2.14748E9" units="cm"/>
+          <inkml:channel name="Y" type="integer" min="-2.14748E9" max="2.14748E9" units="cm"/>
+          <inkml:channel name="F" type="integer" max="32767" units="dev"/>
+          <inkml:channel name="OA" type="integer" max="360" units="deg"/>
+          <inkml:channel name="OE" type="integer" max="90" units="deg"/>
+        </inkml:traceFormat>
+        <inkml:channelProperties>
+          <inkml:channelProperty channel="X" name="resolution" value="1000" units="1/cm"/>
+          <inkml:channelProperty channel="Y" name="resolution" value="1000" units="1/cm"/>
+          <inkml:channelProperty channel="F" name="resolution" value="0" units="1/dev"/>
+          <inkml:channelProperty channel="OA" name="resolution" value="1000" units="1/deg"/>
+          <inkml:channelProperty channel="OE" name="resolution" value="1000" units="1/deg"/>
+        </inkml:channelProperties>
+      </inkml:inkSource>
+      <inkml:timestamp xml:id="ts0" timeString="2020-12-11T18:02:51.950"/>
+    </inkml:context>
+    <inkml:brush xml:id="br0">
+      <inkml:brushProperty name="width" value="0.05" units="cm"/>
+      <inkml:brushProperty name="height" value="0.05" units="cm"/>
+      <inkml:brushProperty name="color" value="#004F8B"/>
+    </inkml:brush>
+  </inkml:definitions>
+  <inkml:trace contextRef="#ctx0" brushRef="#br0">1 491 13616 0 0,'0'-5'208'0'0,"1"1"0"0"0,0-1 0 0 0,0 1 0 0 0,0-1 0 0 0,0 1 0 0 0,5-9 0 0 0,0-6 6781 0 0,1 64-3733 0 0,-3 40-2770 0 0,-2-31-36 0 0,10 64 0 0 0,-10-110-641 0 0,0 0-1 0 0,0 0 1 0 0,5 11-1 0 0,-6-16 79 0 0,0 0 1 0 0,1 0-1 0 0,0 0 0 0 0,-1-1 0 0 0,1 1 0 0 0,0 0 0 0 0,1-1 1 0 0,-1 1-1 0 0,0-1 0 0 0,1 1 0 0 0,3 1 0 0 0,4 0-2459 0 0</inkml:trace>
+  <inkml:trace contextRef="#ctx0" brushRef="#br0" timeOffset="1">136 94 12896 0 0,'0'-13'1152'0'0,"0"-5"-928"0"0,0 1-224 0 0,-3 2 0 0 0,3 3 1664 0 0,0 1 279 0 0,0 4 2073 0 0,5 9-4832 0 0,2 3 104 0 0,4 6-7511 0 0</inkml:trace>
+</inkml:ink>
+</file>
+
+<file path=ppt/ink/ink31.xml><?xml version="1.0" encoding="utf-8"?>
+<inkml:ink xmlns:inkml="http://www.w3.org/2003/InkML">
+  <inkml:definitions>
+    <inkml:context xml:id="ctx0">
+      <inkml:inkSource xml:id="inkSrc0">
+        <inkml:traceFormat>
+          <inkml:channel name="X" type="integer" min="-2.14748E9" max="2.14748E9" units="cm"/>
+          <inkml:channel name="Y" type="integer" min="-2.14748E9" max="2.14748E9" units="cm"/>
+          <inkml:channel name="F" type="integer" max="32767" units="dev"/>
+          <inkml:channel name="OA" type="integer" max="360" units="deg"/>
+          <inkml:channel name="OE" type="integer" max="90" units="deg"/>
+        </inkml:traceFormat>
+        <inkml:channelProperties>
+          <inkml:channelProperty channel="X" name="resolution" value="1000" units="1/cm"/>
+          <inkml:channelProperty channel="Y" name="resolution" value="1000" units="1/cm"/>
+          <inkml:channelProperty channel="F" name="resolution" value="0" units="1/dev"/>
+          <inkml:channelProperty channel="OA" name="resolution" value="1000" units="1/deg"/>
+          <inkml:channelProperty channel="OE" name="resolution" value="1000" units="1/deg"/>
+        </inkml:channelProperties>
+      </inkml:inkSource>
+      <inkml:timestamp xml:id="ts0" timeString="2020-12-11T18:02:52.303"/>
+    </inkml:context>
+    <inkml:brush xml:id="br0">
+      <inkml:brushProperty name="width" value="0.05" units="cm"/>
+      <inkml:brushProperty name="height" value="0.05" units="cm"/>
+      <inkml:brushProperty name="color" value="#004F8B"/>
+    </inkml:brush>
+  </inkml:definitions>
+  <inkml:trace contextRef="#ctx0" brushRef="#br0">313 1 13360 0 0,'-40'21'-176'0'0,"-22"3"4757"0"0,43-17-2237 0 0,-1 0 0 0 0,1 1 0 0 0,-33 21-1 0 0,41-21-1873 0 0,0 0 0 0 0,-17 17 0 0 0,25-23-395 0 0,1 1 0 0 0,-1 0 1 0 0,1 0-1 0 0,0 0 0 0 0,0 0 1 0 0,0 0-1 0 0,0 1 0 0 0,0-1 0 0 0,1 1 1 0 0,-1-1-1 0 0,1 1 0 0 0,0-1 1 0 0,0 1-1 0 0,-1 7 0 0 0,3-10-68 0 0,-1 1 1 0 0,0-1-1 0 0,0 0 1 0 0,1 1-1 0 0,-1-1 0 0 0,1 0 1 0 0,0 0-1 0 0,-1 1 0 0 0,1-1 1 0 0,0 0-1 0 0,-1 0 0 0 0,1 0 1 0 0,0 0-1 0 0,0 0 0 0 0,0 0 1 0 0,0 0-1 0 0,0 0 1 0 0,0 0-1 0 0,1 0 0 0 0,-1 0 1 0 0,0-1-1 0 0,0 1 0 0 0,0-1 1 0 0,1 1-1 0 0,-1-1 0 0 0,0 1 1 0 0,3 0-1 0 0,4 1 54 0 0,0-1-1 0 0,-1 1 1 0 0,14-1-1 0 0,-8-1 33 0 0,0 0-1 0 0,25-5 0 0 0,-26 3 26 0 0,-1 1 0 0 0,0 0-1 0 0,0 0 1 0 0,20 2-1 0 0,-23 0-33 0 0,-1 0 1 0 0,0 1-1 0 0,0-1 0 0 0,0 2 0 0 0,0-1 0 0 0,12 6 0 0 0,-17-6-76 0 0,0-1 0 0 0,0 0-1 0 0,0 1 1 0 0,0-1 0 0 0,0 1 0 0 0,0 0-1 0 0,0 0 1 0 0,-1 0 0 0 0,1 0 0 0 0,-1 0-1 0 0,1 0 1 0 0,-1 0 0 0 0,0 0 0 0 0,0 0-1 0 0,0 1 1 0 0,0-1 0 0 0,0 0 0 0 0,-1 1-1 0 0,1-1 1 0 0,-1 1 0 0 0,1-1 0 0 0,-1 1-1 0 0,0 3 1 0 0,0 4 1 0 0,-1 0 1 0 0,-1-1-1 0 0,0 1 1 0 0,0 0-1 0 0,0-1 1 0 0,-2 1-1 0 0,-6 14 1 0 0,-37 62 96 0 0,31-59-96 0 0,-76 115-1292 0 0,80-126 1001 0 0,-1-1 1 0 0,-1-1-1 0 0,0 0 0 0 0,-1 0 1 0 0,0-2-1 0 0,-27 18 0 0 0,19-17-1096 0 0</inkml:trace>
+</inkml:ink>
+</file>
+
+<file path=ppt/ink/ink32.xml><?xml version="1.0" encoding="utf-8"?>
+<inkml:ink xmlns:inkml="http://www.w3.org/2003/InkML">
+  <inkml:definitions>
+    <inkml:context xml:id="ctx0">
+      <inkml:inkSource xml:id="inkSrc0">
+        <inkml:traceFormat>
+          <inkml:channel name="X" type="integer" min="-2.14748E9" max="2.14748E9" units="cm"/>
+          <inkml:channel name="Y" type="integer" min="-2.14748E9" max="2.14748E9" units="cm"/>
+          <inkml:channel name="F" type="integer" max="32767" units="dev"/>
+          <inkml:channel name="OA" type="integer" max="360" units="deg"/>
+          <inkml:channel name="OE" type="integer" max="90" units="deg"/>
+        </inkml:traceFormat>
+        <inkml:channelProperties>
+          <inkml:channelProperty channel="X" name="resolution" value="1000" units="1/cm"/>
+          <inkml:channelProperty channel="Y" name="resolution" value="1000" units="1/cm"/>
+          <inkml:channelProperty channel="F" name="resolution" value="0" units="1/dev"/>
+          <inkml:channelProperty channel="OA" name="resolution" value="1000" units="1/deg"/>
+          <inkml:channelProperty channel="OE" name="resolution" value="1000" units="1/deg"/>
+        </inkml:channelProperties>
+      </inkml:inkSource>
+      <inkml:timestamp xml:id="ts0" timeString="2020-12-11T18:02:52.717"/>
+    </inkml:context>
+    <inkml:brush xml:id="br0">
+      <inkml:brushProperty name="width" value="0.05" units="cm"/>
+      <inkml:brushProperty name="height" value="0.05" units="cm"/>
+      <inkml:brushProperty name="color" value="#004F8B"/>
+    </inkml:brush>
+  </inkml:definitions>
+  <inkml:trace contextRef="#ctx0" brushRef="#br0">207 0 13824 0 0,'-27'1'743'0'0,"19"-1"-183"0"0,0 1 0 0 0,-16 4-1 0 0,20-4-320 0 0,1 0-1 0 0,0 0 1 0 0,-1 1-1 0 0,1-1 1 0 0,0 1-1 0 0,0-1 0 0 0,0 1 1 0 0,0 0-1 0 0,0 1 1 0 0,1-1-1 0 0,-1 0 0 0 0,0 1 1 0 0,1-1-1 0 0,0 1 1 0 0,-1 0-1 0 0,-2 5 0 0 0,-6 16 170 0 0,1 2 1 0 0,0-1-1 0 0,2 1 0 0 0,-6 35 0 0 0,5-21-70 0 0,1-6 124 0 0,1-1-1 0 0,2 1 1 0 0,2 0-1 0 0,1 0 1 0 0,5 68-1 0 0,-3-98-375 0 0,1 0 0 0 0,-1 0 0 0 0,1 0 0 0 0,0 0 0 0 0,0 0 0 0 0,1 0 0 0 0,-1 0 0 0 0,1 0-1 0 0,0-1 1 0 0,2 5 0 0 0,-3-7-58 0 0,0 0 0 0 0,0-1 1 0 0,0 1-1 0 0,0 0 0 0 0,0 0 0 0 0,0 0 0 0 0,0-1 0 0 0,1 1 0 0 0,-1-1 0 0 0,0 1 0 0 0,0-1 0 0 0,0 1 0 0 0,1-1 0 0 0,-1 1 1 0 0,0-1-1 0 0,1 0 0 0 0,-1 0 0 0 0,0 0 0 0 0,1 0 0 0 0,-1 0 0 0 0,0 0 0 0 0,1 0 0 0 0,-1 0 0 0 0,0-1 0 0 0,1 1 1 0 0,-1 0-1 0 0,0-1 0 0 0,0 1 0 0 0,0-1 0 0 0,1 1 0 0 0,-1-1 0 0 0,1-1 0 0 0,7-3 97 0 0,-1-1-1 0 0,-1 1 0 0 0,1-2 1 0 0,-1 1-1 0 0,0-1 0 0 0,8-10 1 0 0,11-11 100 0 0,7-5 45 0 0,-1-1 1 0 0,-2-1-1 0 0,27-44 0 0 0,11-18 557 0 0,-66 94-807 0 0,0 1 0 0 0,1-1 0 0 0,-1 1 0 0 0,0-1 1 0 0,1 1-1 0 0,-1 0 0 0 0,1 0 0 0 0,-1 0 0 0 0,1 0 0 0 0,0 0 0 0 0,0 1 0 0 0,6-3 0 0 0,-9 4-17 0 0,1 0-1 0 0,-1 0 0 0 0,1 0 0 0 0,-1 0 1 0 0,1 0-1 0 0,-1 0 0 0 0,1 0 0 0 0,-1 0 1 0 0,1 0-1 0 0,0 0 0 0 0,-1 0 0 0 0,1 0 1 0 0,-1 1-1 0 0,1-1 0 0 0,-1 0 0 0 0,1 0 1 0 0,-1 1-1 0 0,0-1 0 0 0,1 0 0 0 0,-1 1 1 0 0,1-1-1 0 0,-1 0 0 0 0,1 1 0 0 0,-1-1 1 0 0,0 0-1 0 0,1 1 0 0 0,-1-1 0 0 0,0 1 1 0 0,0-1-1 0 0,1 1 0 0 0,-1-1 0 0 0,0 1 1 0 0,0-1-1 0 0,0 1 0 0 0,1 0 0 0 0,4 22 33 0 0,-4-18-19 0 0,2 13-6 0 0,-2 1 0 0 0,1-1 0 0 0,-2 1 0 0 0,-3 25 0 0 0,-15 75 57 0 0,2-13-37 0 0,11-60-662 0 0,3 79 0 0 0,2-122 239 0 0,0-1-1 0 0,0 1 1 0 0,1 0-1 0 0,-1 0 1 0 0,1-1 0 0 0,-1 1-1 0 0,1-1 1 0 0,0 1-1 0 0,0-1 1 0 0,0 1-1 0 0,1-1 1 0 0,2 4 0 0 0</inkml:trace>
+</inkml:ink>
+</file>
+
+<file path=ppt/ink/ink33.xml><?xml version="1.0" encoding="utf-8"?>
+<inkml:ink xmlns:inkml="http://www.w3.org/2003/InkML">
+  <inkml:definitions>
+    <inkml:context xml:id="ctx0">
+      <inkml:inkSource xml:id="inkSrc0">
+        <inkml:traceFormat>
+          <inkml:channel name="X" type="integer" min="-2.14748E9" max="2.14748E9" units="cm"/>
+          <inkml:channel name="Y" type="integer" min="-2.14748E9" max="2.14748E9" units="cm"/>
+          <inkml:channel name="F" type="integer" max="32767" units="dev"/>
+          <inkml:channel name="OA" type="integer" max="360" units="deg"/>
+          <inkml:channel name="OE" type="integer" max="90" units="deg"/>
+        </inkml:traceFormat>
+        <inkml:channelProperties>
+          <inkml:channelProperty channel="X" name="resolution" value="1000" units="1/cm"/>
+          <inkml:channelProperty channel="Y" name="resolution" value="1000" units="1/cm"/>
+          <inkml:channelProperty channel="F" name="resolution" value="0" units="1/dev"/>
+          <inkml:channelProperty channel="OA" name="resolution" value="1000" units="1/deg"/>
+          <inkml:channelProperty channel="OE" name="resolution" value="1000" units="1/deg"/>
+        </inkml:channelProperties>
+      </inkml:inkSource>
+      <inkml:timestamp xml:id="ts0" timeString="2020-12-11T18:02:53.352"/>
+    </inkml:context>
+    <inkml:brush xml:id="br0">
+      <inkml:brushProperty name="width" value="0.05" units="cm"/>
+      <inkml:brushProperty name="height" value="0.05" units="cm"/>
+      <inkml:brushProperty name="color" value="#004F8B"/>
+    </inkml:brush>
+  </inkml:definitions>
+  <inkml:trace contextRef="#ctx0" brushRef="#br0">0 285 21191 0 0,'0'0'1027'0'0,"14"8"254"0"0,-11-8-1240 0 0,-1 1 1 0 0,0-1-1 0 0,0 1 0 0 0,0-1 0 0 0,1 0 0 0 0,-1 0 0 0 0,0 0 0 0 0,0 0 1 0 0,1 0-1 0 0,-1-1 0 0 0,0 1 0 0 0,0-1 0 0 0,0 1 0 0 0,1-1 0 0 0,-1 0 1 0 0,0 0-1 0 0,0 0 0 0 0,0 0 0 0 0,0 0 0 0 0,1-2 0 0 0,6-3 550 0 0,0-1-1 0 0,14-15 0 0 0,-15 14-502 0 0,-5 5-52 0 0,78-83 1013 0 0,-72 75-979 0 0,-1 0 1 0 0,-1 0-1 0 0,0-1 0 0 0,0 0 1 0 0,-1 0-1 0 0,7-23 0 0 0,-12 34-45 0 0,-1-1 0 0 0,1 0-1 0 0,-1 0 1 0 0,0 0 0 0 0,0 0 0 0 0,1 1-1 0 0,-1-1 1 0 0,0 0 0 0 0,0 0 0 0 0,-1 0 0 0 0,0-3-1 0 0,1 4-4 0 0,0 0 1 0 0,-1 0-1 0 0,1 1 0 0 0,-1-1 0 0 0,1 0 0 0 0,-1 1 1 0 0,1-1-1 0 0,-1 0 0 0 0,0 1 0 0 0,1-1 0 0 0,-1 0 1 0 0,0 1-1 0 0,1-1 0 0 0,-1 1 0 0 0,0 0 0 0 0,0-1 1 0 0,0 1-1 0 0,1-1 0 0 0,-1 1 0 0 0,0 0 0 0 0,0 0 0 0 0,0 0 1 0 0,0-1-1 0 0,1 1 0 0 0,-1 0 0 0 0,0 0 0 0 0,0 0 1 0 0,-1 0-1 0 0,-2 1 36 0 0,1-1 1 0 0,-1 1-1 0 0,1 0 1 0 0,0 0-1 0 0,0 0 0 0 0,-1 0 1 0 0,1 0-1 0 0,0 1 1 0 0,0-1-1 0 0,0 1 1 0 0,0 0-1 0 0,1 0 1 0 0,-5 3-1 0 0,-3 5 134 0 0,-17 18-1 0 0,22-22-154 0 0,-2 2-12 0 0,0 2 0 0 0,1-1 1 0 0,0 1-1 0 0,1-1 0 0 0,0 2 1 0 0,0-1-1 0 0,1 0 0 0 0,-5 19 0 0 0,6-15-1 0 0,0 0 0 0 0,1 0-1 0 0,1 1 1 0 0,0-1 0 0 0,1 0-1 0 0,2 20 1 0 0,-2-31-67 0 0,0 0-1 0 0,1 1 1 0 0,0-1-1 0 0,0 0 1 0 0,-1-1-1 0 0,2 1 1 0 0,-1 0-1 0 0,0 0 1 0 0,1 0-1 0 0,-1-1 0 0 0,1 1 1 0 0,0-1-1 0 0,0 1 1 0 0,0-1-1 0 0,0 1 1 0 0,0-1-1 0 0,0 0 1 0 0,4 2-1 0 0,-3-2-46 0 0,0 0-1 0 0,1-1 1 0 0,-1 1-1 0 0,1-1 1 0 0,-1 0-1 0 0,1 0 0 0 0,-1 0 1 0 0,1 0-1 0 0,0-1 1 0 0,-1 0-1 0 0,1 1 1 0 0,0-1-1 0 0,-1 0 0 0 0,8-2 1 0 0,3-1-474 0 0,0-1 0 0 0,0 0 0 0 0,0-1 0 0 0,-1 0 0 0 0,0-1 0 0 0,0-1 0 0 0,0 0 0 0 0,12-10 0 0 0,89-76-7880 0 0,-47 29 1603 0 0,-25 18 5217 0 0,-11 6 4483 0 0,-3-3 5590 0 0,-27 40-7627 0 0,1 1 1 0 0,0 0 0 0 0,0 0-1 0 0,0-1 1 0 0,0 1 0 0 0,0 0-1 0 0,4-2 2041 0 0,5 12-1019 0 0,-6 3-1636 0 0,-1 0 0 0 0,-1-1 0 0 0,0 2-1 0 0,0-1 1 0 0,-1 0 0 0 0,2 17 0 0 0,-3-15-137 0 0,2 23 57 0 0,-2-1 1 0 0,-1 1 0 0 0,-7 47-1 0 0,2-20 177 0 0,-4 12 465 0 0,8-70-494 0 0,1-6 321 0 0,2-11-136 0 0,57-111 95 0 0,-42 89-492 0 0,-7 15-62 0 0,1 1 0 0 0,0 0 0 0 0,1 0 0 0 0,26-27 0 0 0,-30 36 0 0 0,1 1 0 0 0,0 0 0 0 0,0 0 0 0 0,1 1 0 0 0,0 0 0 0 0,0 1 0 0 0,1 0 0 0 0,-1 1 0 0 0,23-8 0 0 0,-30 12-100 0 0,-1 1 0 0 0,1 0-1 0 0,-1 0 1 0 0,1 0 0 0 0,-1 0 0 0 0,1 0-1 0 0,-1 0 1 0 0,1 1 0 0 0,-1-1 0 0 0,1 1 0 0 0,-1 0-1 0 0,1-1 1 0 0,-1 1 0 0 0,0 0 0 0 0,0 1-1 0 0,1-1 1 0 0,-1 0 0 0 0,0 1 0 0 0,0-1 0 0 0,0 1-1 0 0,3 2 1 0 0,0 2-385 0 0,1 0 0 0 0,-1 0 0 0 0,0 1-1 0 0,0-1 1 0 0,5 11 0 0 0,-1-3-935 0 0</inkml:trace>
+</inkml:ink>
+</file>
+
+<file path=ppt/ink/ink34.xml><?xml version="1.0" encoding="utf-8"?>
+<inkml:ink xmlns:inkml="http://www.w3.org/2003/InkML">
+  <inkml:definitions>
+    <inkml:context xml:id="ctx0">
+      <inkml:inkSource xml:id="inkSrc0">
+        <inkml:traceFormat>
+          <inkml:channel name="X" type="integer" min="-2.14748E9" max="2.14748E9" units="cm"/>
+          <inkml:channel name="Y" type="integer" min="-2.14748E9" max="2.14748E9" units="cm"/>
+          <inkml:channel name="F" type="integer" max="32767" units="dev"/>
+          <inkml:channel name="OA" type="integer" max="360" units="deg"/>
+          <inkml:channel name="OE" type="integer" max="90" units="deg"/>
+        </inkml:traceFormat>
+        <inkml:channelProperties>
+          <inkml:channelProperty channel="X" name="resolution" value="1000" units="1/cm"/>
+          <inkml:channelProperty channel="Y" name="resolution" value="1000" units="1/cm"/>
+          <inkml:channelProperty channel="F" name="resolution" value="0" units="1/dev"/>
+          <inkml:channelProperty channel="OA" name="resolution" value="1000" units="1/deg"/>
+          <inkml:channelProperty channel="OE" name="resolution" value="1000" units="1/deg"/>
+        </inkml:channelProperties>
+      </inkml:inkSource>
+      <inkml:timestamp xml:id="ts0" timeString="2020-12-11T18:03:37.275"/>
+    </inkml:context>
+    <inkml:brush xml:id="br0">
+      <inkml:brushProperty name="width" value="0.05" units="cm"/>
+      <inkml:brushProperty name="height" value="0.05" units="cm"/>
+      <inkml:brushProperty name="color" value="#004F8B"/>
+    </inkml:brush>
+  </inkml:definitions>
+  <inkml:trace contextRef="#ctx0" brushRef="#br0">160 369 10592 0 0,'-3'2'143'0'0,"-1"0"1"0"0,1-1-1 0 0,-1 1 1 0 0,0-1-1 0 0,1 0 1 0 0,-1 0-1 0 0,0 0 1 0 0,0-1 0 0 0,-4 1-1 0 0,-38-2 2335 0 0,5 1 419 0 0,35 0-2607 0 0,3 1-47 0 0,0-1 0 0 0,0 0 0 0 0,-1 0-1 0 0,1 0 1 0 0,-7-2 1836 0 0,13 2-1087 0 0,164-5 4332 0 0,-31 0-3555 0 0,-20 2-677 0 0,172-1 486 0 0,476-6-911 0 0,-176 2-307 0 0,69-4-360 0 0,138-1 0 0 0,-636 12 0 0 0,228 4 0 0 0,-250-5 0 0 0,-137 2 0 0 0,0 0 0 0 0,-1 0 0 0 0,1 0 0 0 0,0 0 0 0 0,0 0 0 0 0,0 0 0 0 0,0-1 0 0 0,0 1 0 0 0,0 0 0 0 0,0 0 0 0 0,0 0 0 0 0,0 0 0 0 0,0 0 0 0 0,0 0 0 0 0,-1 0 0 0 0,1-1 0 0 0,0 1 0 0 0,0 0 0 0 0,0 0 0 0 0,0 0 0 0 0,0 0 0 0 0,0 0 0 0 0,0 0 0 0 0,0-1 0 0 0,0 1 0 0 0,0 0 0 0 0,0 0 0 0 0,0 0 0 0 0,0 0 0 0 0,0 0 0 0 0,0 0 0 0 0,1-1 0 0 0,-1 1 0 0 0,0 0 0 0 0,0 0 0 0 0,0 0 0 0 0,0 0 0 0 0,0 0 0 0 0,0 0 0 0 0,0 0 0 0 0,0 0 0 0 0,0-1 0 0 0,0 1 0 0 0,0 0 0 0 0,1 0 0 0 0,-1 0 0 0 0,0 0 0 0 0,0 0 0 0 0,0 0 0 0 0,0 0 0 0 0,0 0 0 0 0,0 0 0 0 0,0 0 0 0 0,1 0 0 0 0,-1 0 0 0 0,0 0 0 0 0,0 0 0 0 0,0 0 0 0 0,0 0 0 0 0,0 0 0 0 0,0 0 0 0 0,1 0 0 0 0,-1 0 0 0 0,0 0 0 0 0,0 0 0 0 0,0 0 0 0 0,0 0 0 0 0,0 0 0 0 0,-7-7 0 0 0,7 7 0 0 0,-1 0 0 0 0,0-1 0 0 0,0 1 0 0 0,0-1 0 0 0,0 1 0 0 0,1-1 0 0 0,-1 1 0 0 0,0-1 0 0 0,0 1 0 0 0,1-1 0 0 0,-1 0 0 0 0,0 0 0 0 0,1 1 0 0 0,-1-1 0 0 0,1 0 0 0 0,-1 0 0 0 0,1 0 0 0 0,-1 0 0 0 0,1 1 0 0 0,-1-3 0 0 0,-2-2 0 0 0,1 2 0 0 0,0 0 0 0 0,1 0 0 0 0,-1 0 0 0 0,1 0 0 0 0,0 0 0 0 0,-1 0 0 0 0,1 0 0 0 0,1-1 0 0 0,-1 1 0 0 0,0 0 0 0 0,1-1 0 0 0,0 1 0 0 0,-1 0 0 0 0,2-1 0 0 0,-1 1 0 0 0,0 0 0 0 0,0-1 0 0 0,3-5 0 0 0,2-2 0 0 0,-4 10 0 0 0,-1 1 0 0 0,0-1 0 0 0,1 1 0 0 0,-1-1 0 0 0,1 1 0 0 0,-1-1 0 0 0,0 0 0 0 0,0 1 0 0 0,1-1 0 0 0,-1 0 0 0 0,0 1 0 0 0,0-1 0 0 0,0 0 0 0 0,1 0 0 0 0,-1-2 0 0 0,0 1 0 0 0,1-1 0 0 0,0 1 0 0 0,-1-1 0 0 0,1 1 0 0 0,0 0 0 0 0,0 0 0 0 0,0-1 0 0 0,1 1 0 0 0,-1 0 0 0 0,0 0 0 0 0,1 0 0 0 0,-1 0 0 0 0,1 0 0 0 0,3-2 0 0 0,9-13 0 0 0,-14 17 0 0 0,0 0 0 0 0,1 0 0 0 0,-1-1 0 0 0,0 1 0 0 0,0 0 0 0 0,0 0 0 0 0,1 0 0 0 0,-1-1 0 0 0,0 1 0 0 0,0 0 0 0 0,0 0 0 0 0,0 0 0 0 0,1-1 0 0 0,-1 1 0 0 0,0 0 0 0 0,0 0 0 0 0,0-1 0 0 0,0 1 0 0 0,0 0 0 0 0,0 0 0 0 0,0-1 0 0 0,0 1 0 0 0,0 0 0 0 0,0 0 0 0 0,0-1 0 0 0,0 1 0 0 0,0 0 0 0 0,0-1 0 0 0,0 1 0 0 0,0 0 0 0 0,0 0 0 0 0,0-1 0 0 0,-1 1 0 0 0,1 0 0 0 0,0-1 0 0 0,0 1 0 0 0,0 0 0 0 0,0 0 0 0 0,0-1 0 0 0,0 1 0 0 0,0 0 0 0 0,0 0 0 0 0,0-1 0 0 0,0 1 0 0 0,0 0 0 0 0,0 0 0 0 0,0-1 0 0 0,0 1 0 0 0,1 0 0 0 0,-1 0 0 0 0,0-1 0 0 0,0 1 0 0 0,0 0 0 0 0,0 0 0 0 0,0 0 0 0 0,0-1 0 0 0,1 1 0 0 0,-1 0 0 0 0,0 0 0 0 0,0 0 0 0 0,0 0 0 0 0,0-1 0 0 0,1 1 0 0 0,-1 0 0 0 0,0 0 0 0 0,0 0 0 0 0,1 0 0 0 0,15-15 0 0 0,-5-1 0 0 0,1-1 0 0 0,-8 12 0 0 0,1 1 0 0 0,-1-1 0 0 0,0 0 0 0 0,-1 0 0 0 0,1 0 0 0 0,-1-1 0 0 0,3-6 0 0 0,-6 11 0 0 0,1 0 1 0 0,-1 0-1 0 0,1 0 0 0 0,-1-1 0 0 0,1 1 1 0 0,-1 0-1 0 0,1 0 0 0 0,0 0 1 0 0,0 0-1 0 0,-1 0 0 0 0,1 0 0 0 0,0 1 1 0 0,0-1-1 0 0,0 0 0 0 0,1-1 0 0 0,18-14-23 0 0,-20 16-73 0 0,-2 0-684 0 0,0 1 261 0 0,0-1 0 0 0,-1 1 0 0 0,1 0 0 0 0,0 0 0 0 0,0 0 0 0 0,-3 2 0 0 0,-4 2-6530 0 0</inkml:trace>
+</inkml:ink>
+</file>
+
+<file path=ppt/ink/ink35.xml><?xml version="1.0" encoding="utf-8"?>
+<inkml:ink xmlns:inkml="http://www.w3.org/2003/InkML">
+  <inkml:definitions>
+    <inkml:context xml:id="ctx0">
+      <inkml:inkSource xml:id="inkSrc0">
+        <inkml:traceFormat>
+          <inkml:channel name="X" type="integer" min="-2.14748E9" max="2.14748E9" units="cm"/>
+          <inkml:channel name="Y" type="integer" min="-2.14748E9" max="2.14748E9" units="cm"/>
+          <inkml:channel name="F" type="integer" max="32767" units="dev"/>
+          <inkml:channel name="OA" type="integer" max="360" units="deg"/>
+          <inkml:channel name="OE" type="integer" max="90" units="deg"/>
+        </inkml:traceFormat>
+        <inkml:channelProperties>
+          <inkml:channelProperty channel="X" name="resolution" value="1000" units="1/cm"/>
+          <inkml:channelProperty channel="Y" name="resolution" value="1000" units="1/cm"/>
+          <inkml:channelProperty channel="F" name="resolution" value="0" units="1/dev"/>
+          <inkml:channelProperty channel="OA" name="resolution" value="1000" units="1/deg"/>
+          <inkml:channelProperty channel="OE" name="resolution" value="1000" units="1/deg"/>
+        </inkml:channelProperties>
+      </inkml:inkSource>
+      <inkml:timestamp xml:id="ts0" timeString="2020-12-11T18:03:38.732"/>
+    </inkml:context>
+    <inkml:brush xml:id="br0">
+      <inkml:brushProperty name="width" value="0.05" units="cm"/>
+      <inkml:brushProperty name="height" value="0.05" units="cm"/>
+      <inkml:brushProperty name="color" value="#004F8B"/>
+    </inkml:brush>
+  </inkml:definitions>
+  <inkml:trace contextRef="#ctx0" brushRef="#br0">112 149 17503 0 0,'-13'-2'910'0'0,"10"2"-740"0"0,0 0 0 0 0,-1 0 1 0 0,1-1-1 0 0,0 1 0 0 0,0-1 0 0 0,0 0 1 0 0,0 0-1 0 0,0 0 0 0 0,0 0 1 0 0,-6-4 4148 0 0,20-2-2623 0 0,8 0-381 0 0,29-6 0 0 0,6-2-660 0 0,1-4 261 0 0,110-23 0 0 0,-133 37-724 0 0,139-19-301 0 0,-142 21 184 0 0,0 2 0 0 0,1 2 0 0 0,53 6 0 0 0,-79-6-49 0 0,-1-1-15 0 0,1 1-1 0 0,0 0 0 0 0,-1 0 0 0 0,1 0 1 0 0,5 2-1 0 0,-7 2-10 0 0,-2-3 0 0 0,0 0 0 0 0,-1-1 0 0 0,1 1 0 0 0,-1-1 0 0 0,1 1 0 0 0,-1 0 0 0 0,0-1 0 0 0,1 1-1 0 0,-1-1 1 0 0,0 0 0 0 0,0 1 0 0 0,0-1 0 0 0,0 0 0 0 0,0 1 0 0 0,-1-1 0 0 0,1 0 0 0 0,0 0 0 0 0,-1 0 0 0 0,1 0 0 0 0,0 0 0 0 0,-2 0 0 0 0,-6 4 15 0 0,0 0 0 0 0,-13 4 0 0 0,14-6 21 0 0,-13 5-10 0 0,0-1 0 0 0,0-2-1 0 0,-38 7 1 0 0,-67-1-122 0 0,79-8 105 0 0,-222-5 206 0 0,189-1-163 0 0,-25 8 588 0 0,364-21-628 0 0,-64 1 21 0 0,-27 16-207 0 0,-140 1 100 0 0,0 2-1 0 0,0 1 1 0 0,52 15-1 0 0,-67-15-98 0 0,8 1 283 0 0,0 2 0 0 0,-1 0 0 0 0,0 1-1 0 0,25 16 1 0 0,-25-16 104 0 0,-12-8-7193 0 0</inkml:trace>
+</inkml:ink>
+</file>
+
+<file path=ppt/ink/ink36.xml><?xml version="1.0" encoding="utf-8"?>
+<inkml:ink xmlns:inkml="http://www.w3.org/2003/InkML">
+  <inkml:definitions>
+    <inkml:context xml:id="ctx0">
+      <inkml:inkSource xml:id="inkSrc0">
+        <inkml:traceFormat>
+          <inkml:channel name="X" type="integer" min="-2.14748E9" max="2.14748E9" units="cm"/>
+          <inkml:channel name="Y" type="integer" min="-2.14748E9" max="2.14748E9" units="cm"/>
+          <inkml:channel name="F" type="integer" max="32767" units="dev"/>
+          <inkml:channel name="OA" type="integer" max="360" units="deg"/>
+          <inkml:channel name="OE" type="integer" max="90" units="deg"/>
+        </inkml:traceFormat>
+        <inkml:channelProperties>
+          <inkml:channelProperty channel="X" name="resolution" value="1000" units="1/cm"/>
+          <inkml:channelProperty channel="Y" name="resolution" value="1000" units="1/cm"/>
+          <inkml:channelProperty channel="F" name="resolution" value="0" units="1/dev"/>
+          <inkml:channelProperty channel="OA" name="resolution" value="1000" units="1/deg"/>
+          <inkml:channelProperty channel="OE" name="resolution" value="1000" units="1/deg"/>
+        </inkml:channelProperties>
+      </inkml:inkSource>
+      <inkml:timestamp xml:id="ts0" timeString="2020-12-11T18:02:09.714"/>
+    </inkml:context>
+    <inkml:brush xml:id="br0">
+      <inkml:brushProperty name="width" value="0.05" units="cm"/>
+      <inkml:brushProperty name="height" value="0.05" units="cm"/>
+      <inkml:brushProperty name="color" value="#004F8B"/>
+    </inkml:brush>
+  </inkml:definitions>
+  <inkml:trace contextRef="#ctx0" brushRef="#br0">150 196 2760 0 0,'-10'-10'49'0'0,"0"-13"4195"0"0,4-21 3643 0 0,4 29-8118 0 0,-1-17 2616 0 0,3 26-1395 0 0,0 0 1 0 0,0 0-1 0 0,-1 0 0 0 0,0 0 0 0 0,0 0 1 0 0,-1 0-1 0 0,0 0 0 0 0,0 0 1 0 0,0 0-1 0 0,-4-5 0 0 0,6 11-446 0 0,-17 6 1364 0 0,14-2-1798 0 0,1 0-1 0 0,-1 1 1 0 0,1 0 0 0 0,0-1 0 0 0,0 1-1 0 0,1 0 1 0 0,-3 10 0 0 0,-2 8 72 0 0,-3 8-61 0 0,1 1 0 0 0,-6 65 1 0 0,9-59-58 0 0,-5 141 120 0 0,8-106-139 0 0,5 222 185 0 0,0-12 43 0 0,-5-182-224 0 0,-2 49 10 0 0,-1 24-59 0 0,0-9 0 0 0,7-89 9 0 0,0-21-55 0 0,19 196-613 0 0,-5-101 387 0 0,-9-69 272 0 0,12 175 0 0 0,-13-108 143 0 0,-1-8 110 0 0,0-40-393 0 0,-4-68-7 0 0,-1 27 873 0 0,-1 20-1259 0 0,1-42 1156 0 0,-3-12-580 0 0,3-25-43 0 0,-1 1 0 0 0,1-1 0 0 0,0 1 0 0 0,0 0 0 0 0,0-1 0 0 0,-1 1 0 0 0,1-1 0 0 0,0 1 0 0 0,-1-1 0 0 0,1 1 0 0 0,0-1 0 0 0,-1 1 0 0 0,1-1 0 0 0,-1 1 0 0 0,1-1 0 0 0,-1 1 0 0 0,1-1 0 0 0,-1 0 0 0 0,1 1 0 0 0,-1-1 0 0 0,1 0 0 0 0,-1 1 0 0 0,0-1 0 0 0,1 0 0 0 0,-1 0 0 0 0,0 0 0 0 0,1 1 0 0 0,-1-1 0 0 0,1 0 0 0 0,-1 0 0 0 0,0 0 0 0 0,-1 0 0 0 0,2 0 0 0 0,-4-1-263 0 0,-1 0 0 0 0,1 0 0 0 0,-1-1 0 0 0,1 0 0 0 0,0 1 0 0 0,0-1 0 0 0,-1-1 0 0 0,1 1 0 0 0,1 0 0 0 0,-1-1 0 0 0,0 0 0 0 0,-4-5 0 0 0,2 1-1462 0 0</inkml:trace>
+</inkml:ink>
+</file>
+
+<file path=ppt/ink/ink37.xml><?xml version="1.0" encoding="utf-8"?>
+<inkml:ink xmlns:inkml="http://www.w3.org/2003/InkML">
+  <inkml:definitions>
+    <inkml:context xml:id="ctx0">
+      <inkml:inkSource xml:id="inkSrc0">
+        <inkml:traceFormat>
+          <inkml:channel name="X" type="integer" min="-2.14748E9" max="2.14748E9" units="cm"/>
+          <inkml:channel name="Y" type="integer" min="-2.14748E9" max="2.14748E9" units="cm"/>
+          <inkml:channel name="F" type="integer" max="32767" units="dev"/>
+          <inkml:channel name="OA" type="integer" max="360" units="deg"/>
+          <inkml:channel name="OE" type="integer" max="90" units="deg"/>
+        </inkml:traceFormat>
+        <inkml:channelProperties>
+          <inkml:channelProperty channel="X" name="resolution" value="1000" units="1/cm"/>
+          <inkml:channelProperty channel="Y" name="resolution" value="1000" units="1/cm"/>
+          <inkml:channelProperty channel="F" name="resolution" value="0" units="1/dev"/>
+          <inkml:channelProperty channel="OA" name="resolution" value="1000" units="1/deg"/>
+          <inkml:channelProperty channel="OE" name="resolution" value="1000" units="1/deg"/>
+        </inkml:channelProperties>
+      </inkml:inkSource>
+      <inkml:timestamp xml:id="ts0" timeString="2020-12-11T18:02:12.028"/>
+    </inkml:context>
+    <inkml:brush xml:id="br0">
+      <inkml:brushProperty name="width" value="0.05" units="cm"/>
+      <inkml:brushProperty name="height" value="0.05" units="cm"/>
+      <inkml:brushProperty name="color" value="#004F8B"/>
+    </inkml:brush>
+  </inkml:definitions>
+  <inkml:trace contextRef="#ctx0" brushRef="#br0">36 0 7600 0 0,'0'0'336'0'0,"-5"2"72"0"0,-1 2-328 0 0,-2-4-80 0 0,6 0 0 0 0,-5-4 0 0 0,2 4 176 0 0,2-2 216 0 0</inkml:trace>
+</inkml:ink>
+</file>
+
+<file path=ppt/ink/ink38.xml><?xml version="1.0" encoding="utf-8"?>
+<inkml:ink xmlns:inkml="http://www.w3.org/2003/InkML">
+  <inkml:definitions>
+    <inkml:context xml:id="ctx0">
+      <inkml:inkSource xml:id="inkSrc0">
+        <inkml:traceFormat>
+          <inkml:channel name="X" type="integer" min="-2.14748E9" max="2.14748E9" units="cm"/>
+          <inkml:channel name="Y" type="integer" min="-2.14748E9" max="2.14748E9" units="cm"/>
+          <inkml:channel name="F" type="integer" max="32767" units="dev"/>
+          <inkml:channel name="OA" type="integer" max="360" units="deg"/>
+          <inkml:channel name="OE" type="integer" max="90" units="deg"/>
+        </inkml:traceFormat>
+        <inkml:channelProperties>
+          <inkml:channelProperty channel="X" name="resolution" value="1000" units="1/cm"/>
+          <inkml:channelProperty channel="Y" name="resolution" value="1000" units="1/cm"/>
+          <inkml:channelProperty channel="F" name="resolution" value="0" units="1/dev"/>
+          <inkml:channelProperty channel="OA" name="resolution" value="1000" units="1/deg"/>
+          <inkml:channelProperty channel="OE" name="resolution" value="1000" units="1/deg"/>
+        </inkml:channelProperties>
+      </inkml:inkSource>
+      <inkml:timestamp xml:id="ts0" timeString="2020-12-11T18:02:12.377"/>
+    </inkml:context>
+    <inkml:brush xml:id="br0">
+      <inkml:brushProperty name="width" value="0.05" units="cm"/>
+      <inkml:brushProperty name="height" value="0.05" units="cm"/>
+      <inkml:brushProperty name="color" value="#004F8B"/>
+    </inkml:brush>
+  </inkml:definitions>
+  <inkml:trace contextRef="#ctx0" brushRef="#br0">0 2 10136 0 0,'0'0'1616'0'0,"7"0"-1056"0"0,-2-2-336 0 0,0 2-224 0 0,4 0-584 0 0</inkml:trace>
+</inkml:ink>
+</file>
+
+<file path=ppt/ink/ink39.xml><?xml version="1.0" encoding="utf-8"?>
+<inkml:ink xmlns:inkml="http://www.w3.org/2003/InkML">
+  <inkml:definitions>
+    <inkml:context xml:id="ctx0">
+      <inkml:inkSource xml:id="inkSrc0">
+        <inkml:traceFormat>
+          <inkml:channel name="X" type="integer" min="-2.14748E9" max="2.14748E9" units="cm"/>
+          <inkml:channel name="Y" type="integer" min="-2.14748E9" max="2.14748E9" units="cm"/>
+          <inkml:channel name="F" type="integer" max="32767" units="dev"/>
+          <inkml:channel name="OA" type="integer" max="360" units="deg"/>
+          <inkml:channel name="OE" type="integer" max="90" units="deg"/>
+        </inkml:traceFormat>
+        <inkml:channelProperties>
+          <inkml:channelProperty channel="X" name="resolution" value="1000" units="1/cm"/>
+          <inkml:channelProperty channel="Y" name="resolution" value="1000" units="1/cm"/>
+          <inkml:channelProperty channel="F" name="resolution" value="0" units="1/dev"/>
+          <inkml:channelProperty channel="OA" name="resolution" value="1000" units="1/deg"/>
+          <inkml:channelProperty channel="OE" name="resolution" value="1000" units="1/deg"/>
+        </inkml:channelProperties>
+      </inkml:inkSource>
+      <inkml:timestamp xml:id="ts0" timeString="2020-12-11T18:02:12.778"/>
+    </inkml:context>
+    <inkml:brush xml:id="br0">
+      <inkml:brushProperty name="width" value="0.05" units="cm"/>
+      <inkml:brushProperty name="height" value="0.05" units="cm"/>
+      <inkml:brushProperty name="color" value="#004F8B"/>
+    </inkml:brush>
+  </inkml:definitions>
+  <inkml:trace contextRef="#ctx0" brushRef="#br0">332 47 5528 0 0,'-1'-8'597'0'0,"2"-9"7810"0"0,8-2-2643 0 0,-8 16-3460 0 0,-6 13-1175 0 0,-4 5-932 0 0,0 0 0 0 0,-1 0 0 0 0,-1-1 1 0 0,0-1-1 0 0,-19 18 0 0 0,7-7-79 0 0,-86 88 251 0 0,80-84-217 0 0,16-15 88 0 0,0 0 0 0 0,0 0 0 0 0,1 1 0 0 0,1 1 0 0 0,0 0 0 0 0,-9 17 0 0 0,20-31-239 0 0,-1-1-1 0 0,1 1 1 0 0,0 0-1 0 0,-1-1 1 0 0,1 1-1 0 0,0 0 0 0 0,0 0 1 0 0,-1-1-1 0 0,1 1 1 0 0,0 0-1 0 0,0 0 1 0 0,0-1-1 0 0,0 1 1 0 0,0 0-1 0 0,0 0 1 0 0,0-1-1 0 0,0 1 1 0 0,1 0-1 0 0,-1 0 1 0 0,0-1-1 0 0,0 1 1 0 0,1 0-1 0 0,-1 0 1 0 0,0-1-1 0 0,1 1 0 0 0,-1 0 1 0 0,0-1-1 0 0,1 1 1 0 0,-1-1-1 0 0,1 1 1 0 0,-1 0-1 0 0,1-1 1 0 0,0 1-1 0 0,-1-1 1 0 0,1 1-1 0 0,-1-1 1 0 0,1 0-1 0 0,0 1 1 0 0,-1-1-1 0 0,1 0 1 0 0,0 1-1 0 0,0-1 1 0 0,-1 0-1 0 0,1 0 0 0 0,0 0 1 0 0,1 1-1 0 0,4 0-34 0 0,1 0-1 0 0,0 0 0 0 0,0-1 1 0 0,8 0-1 0 0,-9 0 90 0 0,35-2-1438 0 0,0-2 0 0 0,66-15 0 0 0,-76 14-84 0 0</inkml:trace>
+</inkml:ink>
+</file>
+
+<file path=ppt/ink/ink4.xml><?xml version="1.0" encoding="utf-8"?>
+<inkml:ink xmlns:inkml="http://www.w3.org/2003/InkML">
+  <inkml:definitions>
+    <inkml:context xml:id="ctx0">
+      <inkml:inkSource xml:id="inkSrc0">
+        <inkml:traceFormat>
+          <inkml:channel name="X" type="integer" min="-2.14748E9" max="2.14748E9" units="cm"/>
+          <inkml:channel name="Y" type="integer" min="-2.14748E9" max="2.14748E9" units="cm"/>
+          <inkml:channel name="F" type="integer" max="32767" units="dev"/>
+          <inkml:channel name="OA" type="integer" max="360" units="deg"/>
+          <inkml:channel name="OE" type="integer" max="90" units="deg"/>
+        </inkml:traceFormat>
+        <inkml:channelProperties>
+          <inkml:channelProperty channel="X" name="resolution" value="1000" units="1/cm"/>
+          <inkml:channelProperty channel="Y" name="resolution" value="1000" units="1/cm"/>
+          <inkml:channelProperty channel="F" name="resolution" value="0" units="1/dev"/>
+          <inkml:channelProperty channel="OA" name="resolution" value="1000" units="1/deg"/>
+          <inkml:channelProperty channel="OE" name="resolution" value="1000" units="1/deg"/>
+        </inkml:channelProperties>
+      </inkml:inkSource>
+      <inkml:timestamp xml:id="ts0" timeString="2020-12-11T18:00:45.834"/>
+    </inkml:context>
+    <inkml:brush xml:id="br0">
+      <inkml:brushProperty name="width" value="0.05" units="cm"/>
+      <inkml:brushProperty name="height" value="0.05" units="cm"/>
+      <inkml:brushProperty name="color" value="#004F8B"/>
+    </inkml:brush>
+  </inkml:definitions>
+  <inkml:trace contextRef="#ctx0" brushRef="#br0">0 39 13104 0 0,'0'0'4593'0'0,"32"12"-1951"0"0,-21-8-2394 0 0,0 0 0 0 0,0-1 0 0 0,1 0-1 0 0,-1 0 1 0 0,20 0 0 0 0,-11-1 94 0 0,0 0 0 0 0,1-2 1 0 0,-1-1-1 0 0,1 0 0 0 0,36-8 0 0 0,5-3 433 0 0,92-4 0 0 0,-11 1-562 0 0,107-1-69 0 0,-147 13 1077 0 0,67 1-929 0 0,-90 3-176 0 0,128 11 246 0 0,-95-4 739 0 0,-25 0-540 0 0,-49-4-303 0 0,-1-1 0 0 0,2-2 0 0 0,44-4 0 0 0,-63-1-181 0 0,15 0 38 0 0,-35 4-135 0 0,-1 0 1 0 0,0 0-1 0 0,0 0 0 0 0,1 0 1 0 0,-1 0-1 0 0,0 0 0 0 0,1 0 0 0 0,-1 0 1 0 0,0 1-1 0 0,1-1 0 0 0,-1 0 1 0 0,0 0-1 0 0,1 0 0 0 0,-1 0 0 0 0,0 1 1 0 0,0-1-1 0 0,1 0 0 0 0,-1 0 1 0 0,0 0-1 0 0,0 1 0 0 0,0-1 1 0 0,1 0-1 0 0,-1 0 0 0 0,0 1 0 0 0,0-1 1 0 0,0 0-1 0 0,0 1 0 0 0,1-1 1 0 0,-1 0-1 0 0,0 0 0 0 0,0 1 1 0 0,0-1-1 0 0,0 0 0 0 0,0 1 0 0 0,0-1 1 0 0,0 0-1 0 0,0 1 0 0 0,0-1 1 0 0,0 0-1 0 0,0 1 0 0 0,0-1 0 0 0,0 1 1 0 0,-5 15-3880 0 0</inkml:trace>
+</inkml:ink>
+</file>
+
+<file path=ppt/ink/ink40.xml><?xml version="1.0" encoding="utf-8"?>
+<inkml:ink xmlns:inkml="http://www.w3.org/2003/InkML">
+  <inkml:definitions>
+    <inkml:context xml:id="ctx0">
+      <inkml:inkSource xml:id="inkSrc0">
+        <inkml:traceFormat>
+          <inkml:channel name="X" type="integer" min="-2.14748E9" max="2.14748E9" units="cm"/>
+          <inkml:channel name="Y" type="integer" min="-2.14748E9" max="2.14748E9" units="cm"/>
+          <inkml:channel name="F" type="integer" max="32767" units="dev"/>
+          <inkml:channel name="OA" type="integer" max="360" units="deg"/>
+          <inkml:channel name="OE" type="integer" max="90" units="deg"/>
+        </inkml:traceFormat>
+        <inkml:channelProperties>
+          <inkml:channelProperty channel="X" name="resolution" value="1000" units="1/cm"/>
+          <inkml:channelProperty channel="Y" name="resolution" value="1000" units="1/cm"/>
+          <inkml:channelProperty channel="F" name="resolution" value="0" units="1/dev"/>
+          <inkml:channelProperty channel="OA" name="resolution" value="1000" units="1/deg"/>
+          <inkml:channelProperty channel="OE" name="resolution" value="1000" units="1/deg"/>
+        </inkml:channelProperties>
+      </inkml:inkSource>
+      <inkml:timestamp xml:id="ts0" timeString="2020-12-11T18:02:13.122"/>
+    </inkml:context>
+    <inkml:brush xml:id="br0">
+      <inkml:brushProperty name="width" value="0.05" units="cm"/>
+      <inkml:brushProperty name="height" value="0.05" units="cm"/>
+      <inkml:brushProperty name="color" value="#004F8B"/>
+    </inkml:brush>
+  </inkml:definitions>
+  <inkml:trace contextRef="#ctx0" brushRef="#br0">66 68 20415 0 0,'-3'0'7'0'0,"-14"0"1101"0"0,-22 3-1 0 0,32-1-485 0 0,16-2-199 0 0,15-2 329 0 0,84-22 528 0 0,29-5-656 0 0,-121 26-812 0 0,63-6-1656 0 0,-56 7 340 0 0,-3-1-59 0 0</inkml:trace>
+</inkml:ink>
+</file>
+
+<file path=ppt/ink/ink41.xml><?xml version="1.0" encoding="utf-8"?>
+<inkml:ink xmlns:inkml="http://www.w3.org/2003/InkML">
+  <inkml:definitions>
+    <inkml:context xml:id="ctx0">
+      <inkml:inkSource xml:id="inkSrc0">
+        <inkml:traceFormat>
+          <inkml:channel name="X" type="integer" min="-2.14748E9" max="2.14748E9" units="cm"/>
+          <inkml:channel name="Y" type="integer" min="-2.14748E9" max="2.14748E9" units="cm"/>
+          <inkml:channel name="F" type="integer" max="32767" units="dev"/>
+          <inkml:channel name="OA" type="integer" max="360" units="deg"/>
+          <inkml:channel name="OE" type="integer" max="90" units="deg"/>
+        </inkml:traceFormat>
+        <inkml:channelProperties>
+          <inkml:channelProperty channel="X" name="resolution" value="1000" units="1/cm"/>
+          <inkml:channelProperty channel="Y" name="resolution" value="1000" units="1/cm"/>
+          <inkml:channelProperty channel="F" name="resolution" value="0" units="1/dev"/>
+          <inkml:channelProperty channel="OA" name="resolution" value="1000" units="1/deg"/>
+          <inkml:channelProperty channel="OE" name="resolution" value="1000" units="1/deg"/>
+        </inkml:channelProperties>
+      </inkml:inkSource>
+      <inkml:timestamp xml:id="ts0" timeString="2020-12-11T18:02:13.457"/>
+    </inkml:context>
+    <inkml:brush xml:id="br0">
+      <inkml:brushProperty name="width" value="0.05" units="cm"/>
+      <inkml:brushProperty name="height" value="0.05" units="cm"/>
+      <inkml:brushProperty name="color" value="#004F8B"/>
+    </inkml:brush>
+  </inkml:definitions>
+  <inkml:trace contextRef="#ctx0" brushRef="#br0">267 1 21191 0 0,'-5'3'82'0'0,"1"0"174"0"0,-1 0-1 0 0,1 1 1 0 0,0 0 0 0 0,0-1-1 0 0,0 2 1 0 0,0-1-1 0 0,-5 7 1 0 0,-59 130 216 0 0,58-119-263 0 0,-122 300 1250 0 0,129-309-2017 0 0,-1-1-1 0 0,2 1 1 0 0,0 0 0 0 0,0 0 0 0 0,1 17 0 0 0,3-13-7479 0 0</inkml:trace>
+</inkml:ink>
+</file>
+
+<file path=ppt/ink/ink42.xml><?xml version="1.0" encoding="utf-8"?>
+<inkml:ink xmlns:inkml="http://www.w3.org/2003/InkML">
+  <inkml:definitions>
+    <inkml:context xml:id="ctx0">
+      <inkml:inkSource xml:id="inkSrc0">
+        <inkml:traceFormat>
+          <inkml:channel name="X" type="integer" min="-2.14748E9" max="2.14748E9" units="cm"/>
+          <inkml:channel name="Y" type="integer" min="-2.14748E9" max="2.14748E9" units="cm"/>
+          <inkml:channel name="F" type="integer" max="32767" units="dev"/>
+          <inkml:channel name="OA" type="integer" max="360" units="deg"/>
+          <inkml:channel name="OE" type="integer" max="90" units="deg"/>
+        </inkml:traceFormat>
+        <inkml:channelProperties>
+          <inkml:channelProperty channel="X" name="resolution" value="1000" units="1/cm"/>
+          <inkml:channelProperty channel="Y" name="resolution" value="1000" units="1/cm"/>
+          <inkml:channelProperty channel="F" name="resolution" value="0" units="1/dev"/>
+          <inkml:channelProperty channel="OA" name="resolution" value="1000" units="1/deg"/>
+          <inkml:channelProperty channel="OE" name="resolution" value="1000" units="1/deg"/>
+        </inkml:channelProperties>
+      </inkml:inkSource>
+      <inkml:timestamp xml:id="ts0" timeString="2020-12-11T18:02:13.909"/>
+    </inkml:context>
+    <inkml:brush xml:id="br0">
+      <inkml:brushProperty name="width" value="0.05" units="cm"/>
+      <inkml:brushProperty name="height" value="0.05" units="cm"/>
+      <inkml:brushProperty name="color" value="#004F8B"/>
+    </inkml:brush>
+  </inkml:definitions>
+  <inkml:trace contextRef="#ctx0" brushRef="#br0">111 50 16208 0 0,'-1'-1'74'0'0,"0"0"1"0"0,-1 0-1 0 0,1 1 1 0 0,0-1-1 0 0,0 0 1 0 0,0 0-1 0 0,0 0 1 0 0,0 0 0 0 0,0 0-1 0 0,0 0 1 0 0,1-1-1 0 0,-1 1 1 0 0,0 0-1 0 0,1 0 1 0 0,-1-1 0 0 0,1 1-1 0 0,-1 0 1 0 0,1-1-1 0 0,-1 1 1 0 0,1 0-1 0 0,0-3 1 0 0,-1 2 42 0 0,1 1-1 0 0,0-1 1 0 0,-1 0 0 0 0,1 1-1 0 0,-1-1 1 0 0,0 0 0 0 0,1 1-1 0 0,-1-1 1 0 0,0 1 0 0 0,0-1-1 0 0,0 1 1 0 0,-2-3 0 0 0,2 4-36 0 0,1 0 1 0 0,-1 0 0 0 0,1 0 0 0 0,-1 0-1 0 0,1 0 1 0 0,-1 0 0 0 0,1 1 0 0 0,-1-1-1 0 0,1 0 1 0 0,-1 0 0 0 0,1 0-1 0 0,-1 0 1 0 0,1 0 0 0 0,-1 1 0 0 0,1-1-1 0 0,0 0 1 0 0,-1 0 0 0 0,1 1 0 0 0,-1-1-1 0 0,1 0 1 0 0,0 1 0 0 0,-1-1-1 0 0,1 1 1 0 0,0-1 0 0 0,-1 0 0 0 0,1 1-1 0 0,0-1 1 0 0,-1 1 0 0 0,1-1 0 0 0,0 1-1 0 0,0-1 1 0 0,-1 1 0 0 0,-8 17 310 0 0,-5 22-260 0 0,1 1 1 0 0,3 0-1 0 0,-9 60 0 0 0,17-84-69 0 0,1 1 0 0 0,0-1 0 0 0,3 22 0 0 0,-1-29 17 0 0,0 1 1 0 0,1-1 0 0 0,0 0-1 0 0,1 1 1 0 0,0-1 0 0 0,7 14-1 0 0,-10-22-59 0 0,1-1 0 0 0,0 1 0 0 0,0-1 0 0 0,0 1 0 0 0,0-1 0 0 0,0 0 0 0 0,0 1 0 0 0,0-1 0 0 0,0 0 0 0 0,1 0 0 0 0,-1 0 0 0 0,1 0-1 0 0,-1 0 1 0 0,0 0 0 0 0,1 0 0 0 0,-1 0 0 0 0,1 0 0 0 0,0-1 0 0 0,3 2 0 0 0,-3-2 10 0 0,1 0 0 0 0,-1 0 1 0 0,1 0-1 0 0,-1 0 0 0 0,1 0 0 0 0,-1-1 0 0 0,0 1 0 0 0,1-1 1 0 0,-1 1-1 0 0,1-1 0 0 0,-1 0 0 0 0,3-2 0 0 0,2-1 42 0 0,0 0 1 0 0,-1 0-1 0 0,0-1 0 0 0,0 1 0 0 0,0-2 0 0 0,-1 1 1 0 0,1-1-1 0 0,4-6 0 0 0,36-53 138 0 0,-6 8 1070 0 0,54-60 0 0 0,-67 93-746 0 0,-26 23-414 0 0,1 2-104 0 0,-1 1 0 0 0,1-1 0 0 0,-1 1 0 0 0,0 0 0 0 0,0-1-1 0 0,0 1 1 0 0,0 0 0 0 0,0 0 0 0 0,0 0 0 0 0,-1 0 0 0 0,2 2 0 0 0,-1 5-1 0 0,1 0 1 0 0,-1 0 0 0 0,-1 0 0 0 0,0 0-1 0 0,0 0 1 0 0,-1 0 0 0 0,0 0-1 0 0,0 0 1 0 0,-4 10 0 0 0,0 7-3 0 0,1 1-1 0 0,-5 37 38 0 0,6-41-134 0 0,2-17-2 0 0,0 1 0 0 0,1 0 0 0 0,-1-1 0 0 0,1 1 0 0 0,1 0 0 0 0,-1-1 0 0 0,1 1 0 0 0,2 10 0 0 0,-1-13-271 0 0,-1 0-1 0 0,1 0 1 0 0,0 0-1 0 0,0 0 1 0 0,4 7-1 0 0,-5-10 173 0 0,-1-1 1 0 0,1 1-1 0 0,0 0 1 0 0,-1-1-1 0 0,1 1 0 0 0,0 0 1 0 0,-1-1-1 0 0,1 1 1 0 0,0-1-1 0 0,-1 0 1 0 0,1 1-1 0 0,0-1 0 0 0,0 1 1 0 0,0-1-1 0 0,0 0 1 0 0,-1 0-1 0 0,1 1 0 0 0,0-1 1 0 0,0 0-1 0 0,0 0 1 0 0,0 0-1 0 0,0 0 0 0 0,-1 0 1 0 0,1 0-1 0 0,0 0 1 0 0,0 0-1 0 0,0-1 0 0 0,0 1 1 0 0,0 0-1 0 0,-1 0 1 0 0,1-1-1 0 0,0 1 0 0 0,0 0 1 0 0,0-1-1 0 0,-1 1 1 0 0,1-1-1 0 0,1 0 0 0 0,3-4-1700 0 0</inkml:trace>
+</inkml:ink>
+</file>
+
+<file path=ppt/ink/ink43.xml><?xml version="1.0" encoding="utf-8"?>
+<inkml:ink xmlns:inkml="http://www.w3.org/2003/InkML">
+  <inkml:definitions>
+    <inkml:context xml:id="ctx0">
+      <inkml:inkSource xml:id="inkSrc0">
+        <inkml:traceFormat>
+          <inkml:channel name="X" type="integer" min="-2.14748E9" max="2.14748E9" units="cm"/>
+          <inkml:channel name="Y" type="integer" min="-2.14748E9" max="2.14748E9" units="cm"/>
+          <inkml:channel name="F" type="integer" max="32767" units="dev"/>
+          <inkml:channel name="OA" type="integer" max="360" units="deg"/>
+          <inkml:channel name="OE" type="integer" max="90" units="deg"/>
+        </inkml:traceFormat>
+        <inkml:channelProperties>
+          <inkml:channelProperty channel="X" name="resolution" value="1000" units="1/cm"/>
+          <inkml:channelProperty channel="Y" name="resolution" value="1000" units="1/cm"/>
+          <inkml:channelProperty channel="F" name="resolution" value="0" units="1/dev"/>
+          <inkml:channelProperty channel="OA" name="resolution" value="1000" units="1/deg"/>
+          <inkml:channelProperty channel="OE" name="resolution" value="1000" units="1/deg"/>
+        </inkml:channelProperties>
+      </inkml:inkSource>
+      <inkml:timestamp xml:id="ts0" timeString="2020-12-11T18:02:14.260"/>
+    </inkml:context>
+    <inkml:brush xml:id="br0">
+      <inkml:brushProperty name="width" value="0.05" units="cm"/>
+      <inkml:brushProperty name="height" value="0.05" units="cm"/>
+      <inkml:brushProperty name="color" value="#004F8B"/>
+    </inkml:brush>
+  </inkml:definitions>
+  <inkml:trace contextRef="#ctx0" brushRef="#br0">0 302 11976 0 0,'0'0'1082'0'0,"9"-3"318"0"0,-1 0-313 0 0,-1 1-1 0 0,1-2 0 0 0,0 1 0 0 0,-1-1 1 0 0,0 0-1 0 0,0 0 0 0 0,12-10 1 0 0,-2 0-711 0 0,-1-1 1 0 0,0-1 0 0 0,0-1-1 0 0,-2 0 1 0 0,0 0 0 0 0,-1-2-1 0 0,-1 0 1 0 0,-1 0 0 0 0,14-33-1 0 0,-23 49-320 0 0,-1-1 1 0 0,-1 1-1 0 0,1-1 0 0 0,0 1 0 0 0,-1-1 1 0 0,0 1-1 0 0,0-1 0 0 0,0 1 0 0 0,-1-6 1 0 0,1 8-41 0 0,0 0 1 0 0,0 0 0 0 0,0 0-1 0 0,-1 1 1 0 0,1-1 0 0 0,0 0-1 0 0,-1 0 1 0 0,1 1-1 0 0,0-1 1 0 0,-1 0 0 0 0,1 1-1 0 0,-1-1 1 0 0,1 0 0 0 0,-1 1-1 0 0,0-1 1 0 0,1 0 0 0 0,-1 1-1 0 0,0-1 1 0 0,0 0-6 0 0,0 1 0 0 0,0 0 0 0 0,0 0 0 0 0,0 0 0 0 0,0-1 0 0 0,0 1 0 0 0,0 0 0 0 0,0 0 0 0 0,0 0 0 0 0,0 1 0 0 0,-1-1 0 0 0,1 0 0 0 0,1 0 0 0 0,-1 0 0 0 0,0 1 0 0 0,0-1 0 0 0,0 0 0 0 0,0 1 0 0 0,-1 0 0 0 0,-6 3 5 0 0,1 1 1 0 0,0 0 0 0 0,0 0-1 0 0,1 0 1 0 0,-1 1 0 0 0,1 0-1 0 0,0 0 1 0 0,1 1 0 0 0,0-1-1 0 0,-7 12 1 0 0,2-2-19 0 0,1 2-1 0 0,0-1 1 0 0,-8 28-1 0 0,13-36-110 0 0,2 0 0 0 0,0-1 0 0 0,0 1 0 0 0,0 0 0 0 0,0 11 0 0 0,2-18-5 0 0,0 0 0 0 0,1 0 0 0 0,-1 0 0 0 0,0 0 1 0 0,0 1-1 0 0,1-1 0 0 0,0 0 0 0 0,-1 0 0 0 0,1-1 0 0 0,0 1 0 0 0,0 0 1 0 0,1 3-1 0 0,-1-4-37 0 0,0 0 1 0 0,0 0-1 0 0,1 0 1 0 0,-1 0-1 0 0,0 0 1 0 0,0 0-1 0 0,0-1 1 0 0,1 1-1 0 0,-1 0 1 0 0,0-1 0 0 0,1 1-1 0 0,-1-1 1 0 0,1 1-1 0 0,-1-1 1 0 0,0 0-1 0 0,1 1 1 0 0,-1-1-1 0 0,1 0 1 0 0,2 0-1 0 0,1 0-355 0 0,1-1 0 0 0,-1 0-1 0 0,0 0 1 0 0,1 0 0 0 0,-1 0-1 0 0,0-1 1 0 0,8-3 0 0 0,6-5-1024 0 0</inkml:trace>
+</inkml:ink>
+</file>
+
+<file path=ppt/ink/ink44.xml><?xml version="1.0" encoding="utf-8"?>
+<inkml:ink xmlns:inkml="http://www.w3.org/2003/InkML">
+  <inkml:definitions>
+    <inkml:context xml:id="ctx0">
+      <inkml:inkSource xml:id="inkSrc0">
+        <inkml:traceFormat>
+          <inkml:channel name="X" type="integer" min="-2.14748E9" max="2.14748E9" units="cm"/>
+          <inkml:channel name="Y" type="integer" min="-2.14748E9" max="2.14748E9" units="cm"/>
+          <inkml:channel name="F" type="integer" max="32767" units="dev"/>
+          <inkml:channel name="OA" type="integer" max="360" units="deg"/>
+          <inkml:channel name="OE" type="integer" max="90" units="deg"/>
+        </inkml:traceFormat>
+        <inkml:channelProperties>
+          <inkml:channelProperty channel="X" name="resolution" value="1000" units="1/cm"/>
+          <inkml:channelProperty channel="Y" name="resolution" value="1000" units="1/cm"/>
+          <inkml:channelProperty channel="F" name="resolution" value="0" units="1/dev"/>
+          <inkml:channelProperty channel="OA" name="resolution" value="1000" units="1/deg"/>
+          <inkml:channelProperty channel="OE" name="resolution" value="1000" units="1/deg"/>
+        </inkml:channelProperties>
+      </inkml:inkSource>
+      <inkml:timestamp xml:id="ts0" timeString="2020-12-11T18:02:14.620"/>
+    </inkml:context>
+    <inkml:brush xml:id="br0">
+      <inkml:brushProperty name="width" value="0.05" units="cm"/>
+      <inkml:brushProperty name="height" value="0.05" units="cm"/>
+      <inkml:brushProperty name="color" value="#004F8B"/>
+    </inkml:brush>
+  </inkml:definitions>
+  <inkml:trace contextRef="#ctx0" brushRef="#br0">105 1 14256 0 0,'-6'0'476'0'0,"0"1"0"0"0,0-1 0 0 0,0 1 0 0 0,0 0 0 0 0,0 1 0 0 0,0 0 0 0 0,0 0 0 0 0,1 0 0 0 0,-10 5 0 0 0,12-5-136 0 0,1-1 0 0 0,-1 1 0 0 0,1-1 0 0 0,0 1 0 0 0,0 0 0 0 0,-1 0 0 0 0,1 0 0 0 0,1 0 0 0 0,-1 0 0 0 0,0 1 0 0 0,0-1 1 0 0,1 0-1 0 0,-1 1 0 0 0,1-1 0 0 0,0 1 0 0 0,0 0 0 0 0,0-1 0 0 0,0 1 0 0 0,0 0 0 0 0,1 0 0 0 0,-1-1 0 0 0,1 6 0 0 0,0-7-256 0 0,0 0 1 0 0,1 1 0 0 0,-1-1 0 0 0,1 1 0 0 0,0-1 0 0 0,-1 0 0 0 0,1 1 0 0 0,0-1-1 0 0,-1 0 1 0 0,1 0 0 0 0,0 0 0 0 0,0 0 0 0 0,0 1 0 0 0,0-1 0 0 0,0-1 0 0 0,2 2 0 0 0,20 15 631 0 0,-9-9-485 0 0,-6-3-154 0 0,-1-1 1 0 0,1 1-1 0 0,-1 1 1 0 0,0-1-1 0 0,8 9 0 0 0,-14-12-71 0 0,1 0-1 0 0,-1 0 0 0 0,1 0 1 0 0,-1 0-1 0 0,0 0 1 0 0,0 0-1 0 0,0 0 0 0 0,0 0 1 0 0,0 1-1 0 0,-1-1 0 0 0,1 0 1 0 0,-1 1-1 0 0,1-1 1 0 0,-1 0-1 0 0,0 1 0 0 0,0-1 1 0 0,0 1-1 0 0,0-1 0 0 0,0 0 1 0 0,0 1-1 0 0,-1-1 1 0 0,0 0-1 0 0,1 1 0 0 0,-1-1 1 0 0,-1 2-1 0 0,2-2-138 0 0,-1-1 0 0 0,0 1 0 0 0,1-1 0 0 0,-1 1 0 0 0,0-1 0 0 0,0 0 0 0 0,0 0 0 0 0,0 1 0 0 0,0-1 0 0 0,0 0 0 0 0,0 0 0 0 0,0 0 0 0 0,0 0 0 0 0,-1 0 0 0 0,1 0 0 0 0,0 0 0 0 0,-1-1 0 0 0,1 1 0 0 0,-1 0 0 0 0,1-1-1 0 0,-1 1 1 0 0,1-1 0 0 0,-1 1 0 0 0,1-1 0 0 0,-1 0 0 0 0,1 0 0 0 0,-1 0 0 0 0,1 0 0 0 0,-1 0 0 0 0,-1 0 0 0 0,-6-3-1751 0 0</inkml:trace>
+</inkml:ink>
+</file>
+
+<file path=ppt/ink/ink45.xml><?xml version="1.0" encoding="utf-8"?>
+<inkml:ink xmlns:inkml="http://www.w3.org/2003/InkML">
+  <inkml:definitions>
+    <inkml:context xml:id="ctx0">
+      <inkml:inkSource xml:id="inkSrc0">
+        <inkml:traceFormat>
+          <inkml:channel name="X" type="integer" min="-2.14748E9" max="2.14748E9" units="cm"/>
+          <inkml:channel name="Y" type="integer" min="-2.14748E9" max="2.14748E9" units="cm"/>
+          <inkml:channel name="F" type="integer" max="32767" units="dev"/>
+          <inkml:channel name="OA" type="integer" max="360" units="deg"/>
+          <inkml:channel name="OE" type="integer" max="90" units="deg"/>
+        </inkml:traceFormat>
+        <inkml:channelProperties>
+          <inkml:channelProperty channel="X" name="resolution" value="1000" units="1/cm"/>
+          <inkml:channelProperty channel="Y" name="resolution" value="1000" units="1/cm"/>
+          <inkml:channelProperty channel="F" name="resolution" value="0" units="1/dev"/>
+          <inkml:channelProperty channel="OA" name="resolution" value="1000" units="1/deg"/>
+          <inkml:channelProperty channel="OE" name="resolution" value="1000" units="1/deg"/>
+        </inkml:channelProperties>
+      </inkml:inkSource>
+      <inkml:timestamp xml:id="ts0" timeString="2020-12-11T18:02:15.008"/>
+    </inkml:context>
+    <inkml:brush xml:id="br0">
+      <inkml:brushProperty name="width" value="0.05" units="cm"/>
+      <inkml:brushProperty name="height" value="0.05" units="cm"/>
+      <inkml:brushProperty name="color" value="#004F8B"/>
+    </inkml:brush>
+  </inkml:definitions>
+  <inkml:trace contextRef="#ctx0" brushRef="#br0">208 176 13824 0 0,'-15'11'5567'0'0,"-11"4"-3342"0"0,-17 10-406 0 0,31-17-1498 0 0,1 0 0 0 0,0 1 0 0 0,1 1 0 0 0,-1 0 0 0 0,-12 16 0 0 0,17-18-237 0 0,1 0-1 0 0,0 1 0 0 0,0-1 1 0 0,0 1-1 0 0,1 0 0 0 0,1 0 1 0 0,-1 0-1 0 0,-3 17 0 0 0,7-24-96 0 0,0 0-1 0 0,-1 0 1 0 0,1 0-1 0 0,0 0 1 0 0,0 0-1 0 0,0 0 1 0 0,0 0-1 0 0,0 0 1 0 0,1 0-1 0 0,-1 0 1 0 0,0 0-1 0 0,1 0 1 0 0,0 0-1 0 0,-1 0 1 0 0,1 0-1 0 0,0 0 1 0 0,0-1-1 0 0,1 3 1 0 0,0-2 22 0 0,-1-1 1 0 0,1 0-1 0 0,-1 0 0 0 0,1 0 1 0 0,-1 0-1 0 0,1 0 1 0 0,0 0-1 0 0,-1 0 1 0 0,1 0-1 0 0,0 0 0 0 0,0-1 1 0 0,0 1-1 0 0,-1-1 1 0 0,1 0-1 0 0,0 1 1 0 0,0-1-1 0 0,0 0 0 0 0,3 0 1 0 0,2-1 55 0 0,1 0 0 0 0,-1 0 0 0 0,1 0 0 0 0,-1-1 0 0 0,1 0 1 0 0,-1-1-1 0 0,0 0 0 0 0,0 0 0 0 0,0 0 0 0 0,-1-1 0 0 0,1 0 0 0 0,-1 0 0 0 0,0-1 1 0 0,0 1-1 0 0,8-10 0 0 0,-2 2 39 0 0,0-1 1 0 0,-2-1-1 0 0,1 0 1 0 0,-2 0 0 0 0,15-29-1 0 0,14-53 492 0 0,-33 82-476 0 0,34-124 1340 0 0,-32 110-807 0 0,-7 28-643 0 0,0 0 0 0 0,0 0 0 0 0,0 0 0 0 0,0 0-1 0 0,0-1 1 0 0,0 1 0 0 0,0 0 0 0 0,0 0 0 0 0,0 0 0 0 0,0 0-1 0 0,0 0 1 0 0,0 0 0 0 0,0 0 0 0 0,0 0 0 0 0,0-1 0 0 0,0 1-1 0 0,0 0 1 0 0,1 0 0 0 0,-1 0 0 0 0,0 0 0 0 0,0 0-1 0 0,0 0 1 0 0,-1 0 0 0 0,1 0 0 0 0,0-1 0 0 0,0 1 0 0 0,0 0-1 0 0,0 0 1 0 0,0 0 0 0 0,0 0 0 0 0,0 0 0 0 0,0 0 0 0 0,0 0-1 0 0,0 0 1 0 0,0-1 0 0 0,0 1 0 0 0,0 0 0 0 0,0 0 0 0 0,0 0-1 0 0,0 0 1 0 0,0 0 0 0 0,-1 0 0 0 0,1 0 0 0 0,0 0 0 0 0,0 0-1 0 0,0 0 1 0 0,0 0 0 0 0,0 0 0 0 0,0 0 0 0 0,0 0 0 0 0,0 0-1 0 0,-1 0 1 0 0,1 0 0 0 0,-7 13 374 0 0,-1 10-436 0 0,2 1 0 0 0,0 0 0 0 0,2-1 0 0 0,0 2 0 0 0,0 37 0 0 0,3-50-244 0 0,1 1 0 0 0,1-1-1 0 0,0 0 1 0 0,0 0 0 0 0,1 0 0 0 0,1 0 0 0 0,5 17-1 0 0,-7-25 177 0 0,1 0 0 0 0,0 0 0 0 0,0 0-1 0 0,0-1 1 0 0,1 1 0 0 0,-1 0-1 0 0,1-1 1 0 0,0 0 0 0 0,0 0-1 0 0,0 0 1 0 0,0 0 0 0 0,1 0 0 0 0,-1-1-1 0 0,1 1 1 0 0,0-1 0 0 0,-1 0-1 0 0,1 0 1 0 0,0 0 0 0 0,0-1-1 0 0,0 1 1 0 0,1-1 0 0 0,-1 0-1 0 0,0 0 1 0 0,5 0 0 0 0,29 2-2505 0 0,-12-7-3877 0 0,-6-5-689 0 0</inkml:trace>
+</inkml:ink>
+</file>
+
+<file path=ppt/ink/ink46.xml><?xml version="1.0" encoding="utf-8"?>
+<inkml:ink xmlns:inkml="http://www.w3.org/2003/InkML">
+  <inkml:definitions>
+    <inkml:context xml:id="ctx0">
+      <inkml:inkSource xml:id="inkSrc0">
+        <inkml:traceFormat>
+          <inkml:channel name="X" type="integer" min="-2.14748E9" max="2.14748E9" units="cm"/>
+          <inkml:channel name="Y" type="integer" min="-2.14748E9" max="2.14748E9" units="cm"/>
+          <inkml:channel name="F" type="integer" max="32767" units="dev"/>
+          <inkml:channel name="OA" type="integer" max="360" units="deg"/>
+          <inkml:channel name="OE" type="integer" max="90" units="deg"/>
+        </inkml:traceFormat>
+        <inkml:channelProperties>
+          <inkml:channelProperty channel="X" name="resolution" value="1000" units="1/cm"/>
+          <inkml:channelProperty channel="Y" name="resolution" value="1000" units="1/cm"/>
+          <inkml:channelProperty channel="F" name="resolution" value="0" units="1/dev"/>
+          <inkml:channelProperty channel="OA" name="resolution" value="1000" units="1/deg"/>
+          <inkml:channelProperty channel="OE" name="resolution" value="1000" units="1/deg"/>
+        </inkml:channelProperties>
+      </inkml:inkSource>
+      <inkml:timestamp xml:id="ts0" timeString="2020-12-11T18:02:15.361"/>
+    </inkml:context>
+    <inkml:brush xml:id="br0">
+      <inkml:brushProperty name="width" value="0.05" units="cm"/>
+      <inkml:brushProperty name="height" value="0.05" units="cm"/>
+      <inkml:brushProperty name="color" value="#004F8B"/>
+    </inkml:brush>
+  </inkml:definitions>
+  <inkml:trace contextRef="#ctx0" brushRef="#br0">129 10 7368 0 0,'-14'0'1113'0'0,"11"1"-400"0"0,0-1-1 0 0,0 1 1 0 0,0 0-1 0 0,1 0 1 0 0,-1 0-1 0 0,0 0 1 0 0,0 0-1 0 0,0 1 1 0 0,1-1-1 0 0,-1 1 1 0 0,1 0-1 0 0,-1 0 1 0 0,1 0-1 0 0,-3 3 1 0 0,-1 1-2 0 0,0 0 0 0 0,1 0 0 0 0,0 0-1 0 0,-5 10 1 0 0,2-2 187 0 0,0 0 1 0 0,-7 24-1 0 0,13-34-839 0 0,0 1 0 0 0,1 0 0 0 0,0 0 0 0 0,0 0 0 0 0,0 0 0 0 0,0 0 0 0 0,1 0 0 0 0,0 0 0 0 0,0 1 0 0 0,1-1 0 0 0,-1 0 0 0 0,2 5 0 0 0,-2-9-29 0 0,1 1 0 0 0,-1-1 1 0 0,0 1-1 0 0,1-1 1 0 0,-1 0-1 0 0,1 1 1 0 0,0-1-1 0 0,-1 0 0 0 0,1 0 1 0 0,0 1-1 0 0,0-1 1 0 0,0 0-1 0 0,0 0 1 0 0,0 0-1 0 0,0 0 0 0 0,0 0 1 0 0,0 0-1 0 0,0-1 1 0 0,0 1-1 0 0,1 0 1 0 0,-1 0-1 0 0,0-1 0 0 0,0 1 1 0 0,1-1-1 0 0,-1 1 1 0 0,1-1-1 0 0,-1 1 1 0 0,0-1-1 0 0,1 0 1 0 0,-1 0-1 0 0,1 0 0 0 0,-1 0 1 0 0,0 0-1 0 0,1 0 1 0 0,-1 0-1 0 0,1 0 1 0 0,-1-1-1 0 0,0 1 0 0 0,1 0 1 0 0,-1-1-1 0 0,1 1 1 0 0,-1-1-1 0 0,2-1 1 0 0,3-1 15 0 0,-1 0-1 0 0,0 0 1 0 0,0 0 0 0 0,0-1 0 0 0,-1 0 0 0 0,1 0 0 0 0,-1 0 0 0 0,0-1 0 0 0,4-4 0 0 0,0-3 70 0 0,-1-1-1 0 0,0 0 0 0 0,-1 0 1 0 0,0 0-1 0 0,-1-1 1 0 0,7-25-1 0 0,-12 39-109 0 0,0 0 0 0 0,0-1 1 0 0,0 1-1 0 0,0 0 0 0 0,1 0 0 0 0,-1-1 0 0 0,0 1 0 0 0,0 0 1 0 0,0-1-1 0 0,0 1 0 0 0,0 0 0 0 0,0-1 0 0 0,0 1 0 0 0,0 0 0 0 0,0-1 1 0 0,0 1-1 0 0,0 0 0 0 0,0-1 0 0 0,0 1 0 0 0,0 0 0 0 0,0-1 1 0 0,0 1-1 0 0,0 0 0 0 0,0 0 0 0 0,0-1 0 0 0,-1 1 0 0 0,1 0 0 0 0,0-1 1 0 0,0 1-1 0 0,0 0 0 0 0,-1 0 0 0 0,1-1 0 0 0,0 1 0 0 0,0 0 1 0 0,-1 0-1 0 0,1-1 0 0 0,0 1 0 0 0,-1 0 0 0 0,1 0 3 0 0,-1 0-1 0 0,1 1 1 0 0,-1-1 0 0 0,1 0 0 0 0,0 1-1 0 0,-1-1 1 0 0,1 0 0 0 0,-1 1-1 0 0,1-1 1 0 0,0 1 0 0 0,-1-1-1 0 0,1 1 1 0 0,0-1 0 0 0,0 1 0 0 0,-1-1-1 0 0,1 1 1 0 0,0-1 0 0 0,0 1-1 0 0,0-1 1 0 0,0 1 0 0 0,0-1-1 0 0,-1 2 1 0 0,0 4-49 0 0,1-1-1 0 0,-1 1 1 0 0,1 0-1 0 0,0 0 0 0 0,0 0 1 0 0,3 10-1 0 0,-3-13 18 0 0,1-1 0 0 0,0 1-1 0 0,0-1 1 0 0,0 1-1 0 0,0-1 1 0 0,0 1-1 0 0,1-1 1 0 0,-1 0 0 0 0,1 1-1 0 0,-1-1 1 0 0,1 0-1 0 0,0 0 1 0 0,0 0-1 0 0,0 0 1 0 0,0-1 0 0 0,0 1-1 0 0,3 1 1 0 0,-3-2-109 0 0,1 0 0 0 0,-1 0 1 0 0,1 0-1 0 0,-1-1 0 0 0,1 1 1 0 0,-1-1-1 0 0,1 0 0 0 0,0 0 1 0 0,-1 0-1 0 0,1 0 0 0 0,0 0 0 0 0,-1 0 1 0 0,1-1-1 0 0,-1 1 0 0 0,1-1 1 0 0,-1 0-1 0 0,1 0 0 0 0,-1 0 1 0 0,1 0-1 0 0,-1 0 0 0 0,0 0 1 0 0,1-1-1 0 0,2-1 0 0 0,6-5-1225 0 0,-1 0 0 0 0,1-1 0 0 0,9-10 0 0 0,37-39-2247 0 0,-53 53 3292 0 0,0 1 0 0 0,1-1 0 0 0,-1 1 0 0 0,1 0 0 0 0,0 0 0 0 0,9-5 0 0 0,-3 1 413 0 0,-8 6 108 0 0,-1 1-1 0 0,0-1 1 0 0,0 1-1 0 0,0 0 0 0 0,1 0 1 0 0,3-2-1 0 0,-6 3-95 0 0,1 0 0 0 0,0 0-1 0 0,-1 0 1 0 0,1 0 0 0 0,0 0-1 0 0,-1 0 1 0 0,1 0 0 0 0,-1 0-1 0 0,1 0 1 0 0,0 0 0 0 0,-1 0-1 0 0,1 1 1 0 0,0-1 0 0 0,-1 0-1 0 0,1 0 1 0 0,-1 1 0 0 0,1-1-1 0 0,0 0 1 0 0,-1 1 0 0 0,1-1-1 0 0,-1 1 1 0 0,1-1 0 0 0,-1 0-1 0 0,1 1 1 0 0,-1-1 0 0 0,0 1-1 0 0,1 0 1 0 0,-1-1 0 0 0,0 1-1 0 0,1 0 1 0 0,12 30 4800 0 0,-10-22-3779 0 0,-2-7-980 0 0,-1 1 0 0 0,1 0 0 0 0,-1 0 0 0 0,0 0 1 0 0,0-1-1 0 0,0 1 0 0 0,0 4 0 0 0,-1-4-73 0 0,1 0-1 0 0,0 1 1 0 0,0-1-1 0 0,0 0 0 0 0,1 0 1 0 0,-1 0-1 0 0,2 4 1 0 0,-1-4-67 0 0,0-1 0 0 0,0 0 0 0 0,0 0 0 0 0,0 0 1 0 0,0 0-1 0 0,1 0 0 0 0,-1 0 0 0 0,1 0 0 0 0,-1 0 0 0 0,1-1 0 0 0,0 1 0 0 0,0 0 1 0 0,-1-1-1 0 0,1 0 0 0 0,0 1 0 0 0,1-1 0 0 0,-1 0 0 0 0,0 0 0 0 0,0 0 0 0 0,0 0 1 0 0,1-1-1 0 0,-1 1 0 0 0,0 0 0 0 0,5-1 0 0 0,5 4-250 0 0,14 1-125 0 0,-8-3-4415 0 0</inkml:trace>
+</inkml:ink>
+</file>
+
+<file path=ppt/ink/ink47.xml><?xml version="1.0" encoding="utf-8"?>
+<inkml:ink xmlns:inkml="http://www.w3.org/2003/InkML">
+  <inkml:definitions>
+    <inkml:context xml:id="ctx0">
+      <inkml:inkSource xml:id="inkSrc0">
+        <inkml:traceFormat>
+          <inkml:channel name="X" type="integer" min="-2.14748E9" max="2.14748E9" units="cm"/>
+          <inkml:channel name="Y" type="integer" min="-2.14748E9" max="2.14748E9" units="cm"/>
+          <inkml:channel name="F" type="integer" max="32767" units="dev"/>
+          <inkml:channel name="OA" type="integer" max="360" units="deg"/>
+          <inkml:channel name="OE" type="integer" max="90" units="deg"/>
+        </inkml:traceFormat>
+        <inkml:channelProperties>
+          <inkml:channelProperty channel="X" name="resolution" value="1000" units="1/cm"/>
+          <inkml:channelProperty channel="Y" name="resolution" value="1000" units="1/cm"/>
+          <inkml:channelProperty channel="F" name="resolution" value="0" units="1/dev"/>
+          <inkml:channelProperty channel="OA" name="resolution" value="1000" units="1/deg"/>
+          <inkml:channelProperty channel="OE" name="resolution" value="1000" units="1/deg"/>
+        </inkml:channelProperties>
+      </inkml:inkSource>
+      <inkml:timestamp xml:id="ts0" timeString="2020-12-11T18:02:15.708"/>
+    </inkml:context>
+    <inkml:brush xml:id="br0">
+      <inkml:brushProperty name="width" value="0.05" units="cm"/>
+      <inkml:brushProperty name="height" value="0.05" units="cm"/>
+      <inkml:brushProperty name="color" value="#004F8B"/>
+    </inkml:brush>
+  </inkml:definitions>
+  <inkml:trace contextRef="#ctx0" brushRef="#br0">28 1 22719 0 0,'-2'1'211'0'0,"0"0"0"0"0,0 1 0 0 0,0-1 0 0 0,0 1 0 0 0,0 0-1 0 0,0-1 1 0 0,1 1 0 0 0,-1 0 0 0 0,1 0 0 0 0,-1 0 0 0 0,1 0-1 0 0,0 0 1 0 0,-2 4 0 0 0,2-3 30 0 0,0 0-1 0 0,1 0 0 0 0,0 0 1 0 0,-1 0-1 0 0,1 0 0 0 0,0 0 1 0 0,0 0-1 0 0,1 0 0 0 0,-1 0 1 0 0,2 6-1 0 0,3 17 511 0 0,-3-17-632 0 0,-1 1-1 0 0,2-1 1 0 0,-1 0 0 0 0,1 0-1 0 0,7 14 1 0 0,-2-9 191 0 0,15 22 1 0 0,-3-14-1936 0 0,-17-19 436 0 0,0-1 0 0 0,0 0 0 0 0,0 0 0 0 0,0-1 0 0 0,0 1 0 0 0,4 1 0 0 0,4 0-7614 0 0</inkml:trace>
+</inkml:ink>
+</file>
+
+<file path=ppt/ink/ink48.xml><?xml version="1.0" encoding="utf-8"?>
+<inkml:ink xmlns:inkml="http://www.w3.org/2003/InkML">
+  <inkml:definitions>
+    <inkml:context xml:id="ctx0">
+      <inkml:inkSource xml:id="inkSrc0">
+        <inkml:traceFormat>
+          <inkml:channel name="X" type="integer" min="-2.14748E9" max="2.14748E9" units="cm"/>
+          <inkml:channel name="Y" type="integer" min="-2.14748E9" max="2.14748E9" units="cm"/>
+          <inkml:channel name="F" type="integer" max="32767" units="dev"/>
+          <inkml:channel name="OA" type="integer" max="360" units="deg"/>
+          <inkml:channel name="OE" type="integer" max="90" units="deg"/>
+        </inkml:traceFormat>
+        <inkml:channelProperties>
+          <inkml:channelProperty channel="X" name="resolution" value="1000" units="1/cm"/>
+          <inkml:channelProperty channel="Y" name="resolution" value="1000" units="1/cm"/>
+          <inkml:channelProperty channel="F" name="resolution" value="0" units="1/dev"/>
+          <inkml:channelProperty channel="OA" name="resolution" value="1000" units="1/deg"/>
+          <inkml:channelProperty channel="OE" name="resolution" value="1000" units="1/deg"/>
+        </inkml:channelProperties>
+      </inkml:inkSource>
+      <inkml:timestamp xml:id="ts0" timeString="2020-12-11T18:02:16.059"/>
+    </inkml:context>
+    <inkml:brush xml:id="br0">
+      <inkml:brushProperty name="width" value="0.05" units="cm"/>
+      <inkml:brushProperty name="height" value="0.05" units="cm"/>
+      <inkml:brushProperty name="color" value="#004F8B"/>
+    </inkml:brush>
+  </inkml:definitions>
+  <inkml:trace contextRef="#ctx0" brushRef="#br0">476 1 15664 0 0,'0'0'718'0'0,"-3"0"231"0"0,0-1-590 0 0,1 1 0 0 0,-1 0 0 0 0,0 0 0 0 0,0 0 0 0 0,0 1 1 0 0,0-1-1 0 0,0 1 0 0 0,0-1 0 0 0,0 1 0 0 0,1 0 0 0 0,-1 0 0 0 0,0 1 0 0 0,1-1 0 0 0,-1 0 0 0 0,1 1 0 0 0,-1-1 0 0 0,1 1 0 0 0,0 0 0 0 0,-3 2 0 0 0,-6 7 880 0 0,1-1 0 0 0,-15 21 0 0 0,14-17-1574 0 0,-110 151 1063 0 0,46-59-703 0 0,64-92-413 0 0,-76 108 538 0 0,61-79-2783 0 0,2 0-3632 0 0,9-12-2134 0 0</inkml:trace>
+</inkml:ink>
+</file>
+
+<file path=ppt/ink/ink49.xml><?xml version="1.0" encoding="utf-8"?>
+<inkml:ink xmlns:inkml="http://www.w3.org/2003/InkML">
+  <inkml:definitions>
+    <inkml:context xml:id="ctx0">
+      <inkml:inkSource xml:id="inkSrc0">
+        <inkml:traceFormat>
+          <inkml:channel name="X" type="integer" min="-2.14748E9" max="2.14748E9" units="cm"/>
+          <inkml:channel name="Y" type="integer" min="-2.14748E9" max="2.14748E9" units="cm"/>
+          <inkml:channel name="F" type="integer" max="32767" units="dev"/>
+          <inkml:channel name="OA" type="integer" max="360" units="deg"/>
+          <inkml:channel name="OE" type="integer" max="90" units="deg"/>
+        </inkml:traceFormat>
+        <inkml:channelProperties>
+          <inkml:channelProperty channel="X" name="resolution" value="1000" units="1/cm"/>
+          <inkml:channelProperty channel="Y" name="resolution" value="1000" units="1/cm"/>
+          <inkml:channelProperty channel="F" name="resolution" value="0" units="1/dev"/>
+          <inkml:channelProperty channel="OA" name="resolution" value="1000" units="1/deg"/>
+          <inkml:channelProperty channel="OE" name="resolution" value="1000" units="1/deg"/>
+        </inkml:channelProperties>
+      </inkml:inkSource>
+      <inkml:timestamp xml:id="ts0" timeString="2020-12-11T18:02:16.627"/>
+    </inkml:context>
+    <inkml:brush xml:id="br0">
+      <inkml:brushProperty name="width" value="0.05" units="cm"/>
+      <inkml:brushProperty name="height" value="0.05" units="cm"/>
+      <inkml:brushProperty name="color" value="#004F8B"/>
+    </inkml:brush>
+  </inkml:definitions>
+  <inkml:trace contextRef="#ctx0" brushRef="#br0">71 69 8952 0 0,'0'0'433'0'0,"14"4"70"0"0,-10-3-417 0 0,0-1 0 0 0,-1 1 1 0 0,1-1-1 0 0,0 0 1 0 0,-1 0-1 0 0,1 0 0 0 0,-1-1 1 0 0,1 1-1 0 0,0-1 1 0 0,-1 0-1 0 0,0 0 0 0 0,1 0 1 0 0,-1-1-1 0 0,7-3 1 0 0,-5 2 245 0 0,0 0 0 0 0,0 0 0 0 0,12-4 0 0 0,3-2 550 0 0,32-20 2879 0 0,-52 29-3670 0 0,0 0-1 0 0,0 0 0 0 0,0 0 0 0 0,0 0 0 0 0,0 0 0 0 0,0 0 0 0 0,1 0 0 0 0,0-1 1171 0 0,-1 0-1171 0 0,0 1 0 0 0,0 0 0 0 0,0 0 0 0 0,0 0 0 0 0,0 0 0 0 0,0 0 0 0 0,0 0 0 0 0,1 0 0 0 0,-1-1 0 0 0,0 1 0 0 0,0 0 1 0 0,0 0-1 0 0,0 0 0 0 0,0 0 0 0 0,0 0 0 0 0,0-1 0 0 0,0 1 0 0 0,0 0 0 0 0,0 0 0 0 0,-1 0 0 0 0,1 0 0 0 0,-1-2 1171 0 0,1 2-1171 0 0,0 0 0 0 0,0 0 0 0 0,-13-3 1632 0 0,-17 4-630 0 0,19 1-891 0 0,1 1 0 0 0,0 0-1 0 0,0 1 1 0 0,0 0 0 0 0,-10 7-1 0 0,-45 30 748 0 0,53-32-948 0 0,-17 15 0 0 0,26-21 0 0 0,0 0 0 0 0,0 1 0 0 0,0-1 0 0 0,0 0 0 0 0,1 1 0 0 0,0-1 0 0 0,0 1 0 0 0,0 0 0 0 0,0 0 0 0 0,-2 5 0 0 0,4 4 0 0 0,0-13 0 0 0,0 1 0 0 0,0-1 0 0 0,0 0 0 0 0,0 1 0 0 0,0-1 0 0 0,0 0 0 0 0,0 1 0 0 0,0-1 0 0 0,0 0 0 0 0,0 1 0 0 0,0-1 0 0 0,0 1 0 0 0,1-1 0 0 0,-1 0 0 0 0,0 0 0 0 0,0 1 0 0 0,0-1 0 0 0,0 0 0 0 0,1 1 0 0 0,-1-1 0 0 0,0 0 0 0 0,0 1 0 0 0,1-1 0 0 0,-1 0 0 0 0,0 0 0 0 0,0 0 0 0 0,1 1 0 0 0,-1-1 0 0 0,0 0 0 0 0,1 0 0 0 0,-1 0 0 0 0,0 0 0 0 0,1 1 0 0 0,-1-1 0 0 0,0 0 0 0 0,1 0 0 0 0,-1 0 0 0 0,1 0 0 0 0,0 0 0 0 0,4 2 170 0 0,2 0 1 0 0,-1 0-1 0 0,0 0 0 0 0,0-1 0 0 0,0 0 1 0 0,10 0-1 0 0,15 3 521 0 0,-19-1-666 0 0,-1 0 1 0 0,0 0 0 0 0,0 1 0 0 0,0 1-1 0 0,-1 0 1 0 0,16 9 0 0 0,-22-10-27 0 0,1-1 0 0 0,-1 1 0 0 0,1 0 0 0 0,-1 0 0 0 0,-1 0 0 0 0,1 0 0 0 0,-1 1 0 0 0,1-1 0 0 0,-1 1 1 0 0,0 0-1 0 0,-1 0 0 0 0,1 0 0 0 0,-1 0 0 0 0,0 1 0 0 0,2 8 0 0 0,-3-7 1 0 0,0 0 0 0 0,0 0 0 0 0,-1 1 0 0 0,0-1 0 0 0,0 0 0 0 0,-1 0 0 0 0,0 0 0 0 0,0 1 0 0 0,-1-1 0 0 0,1 0 0 0 0,-2 0 0 0 0,1-1 0 0 0,-1 1 0 0 0,0 0 0 0 0,0-1 0 0 0,-1 0 0 0 0,1 0 0 0 0,-2 0 0 0 0,1 0 0 0 0,-5 5 0 0 0,8-10 0 0 0,0 0 0 0 0,-1 0-1 0 0,1 0 1 0 0,0-1 0 0 0,0 1 0 0 0,0 0-1 0 0,0 0 1 0 0,-1-1 0 0 0,1 1 0 0 0,0-1-1 0 0,-1 1 1 0 0,1-1 0 0 0,0 0-1 0 0,-1 1 1 0 0,1-1 0 0 0,0 0 0 0 0,-1 0-1 0 0,1 0 1 0 0,-1 0 0 0 0,1 0 0 0 0,0 0-1 0 0,-1-1 1 0 0,1 1 0 0 0,-1 0 0 0 0,1-1-1 0 0,0 1 1 0 0,-1-1 0 0 0,1 1 0 0 0,0-1-1 0 0,0 0 1 0 0,0 1 0 0 0,-1-1 0 0 0,1 0-1 0 0,0 0 1 0 0,0 0 0 0 0,0 0-1 0 0,0 0 1 0 0,0 0 0 0 0,0 0 0 0 0,0-2-1 0 0,-6-11-35 0 0,5 11 26 0 0,0 0 0 0 0,1 0 0 0 0,0 0 0 0 0,-1 0 0 0 0,1 0 0 0 0,0-1 0 0 0,1 1-1 0 0,-1 0 1 0 0,1-1 0 0 0,-1 1 0 0 0,1-6 0 0 0,0 4 11 0 0,1-10 25 0 0,0 1 1 0 0,1-1-1 0 0,0 1 0 0 0,5-17 0 0 0,1 6-10 0 0,-4 11-6 0 0,1 0 0 0 0,0 0 0 0 0,1 0 0 0 0,0 1 0 0 0,15-22 0 0 0,-5 12-980 0 0,2 2 0 0 0,1 0 0 0 0,0 1 0 0 0,2 1 0 0 0,23-17 0 0 0,-27 25-682 0 0</inkml:trace>
+</inkml:ink>
+</file>
+
+<file path=ppt/ink/ink5.xml><?xml version="1.0" encoding="utf-8"?>
+<inkml:ink xmlns:inkml="http://www.w3.org/2003/InkML">
+  <inkml:definitions>
+    <inkml:context xml:id="ctx0">
+      <inkml:inkSource xml:id="inkSrc0">
+        <inkml:traceFormat>
+          <inkml:channel name="X" type="integer" min="-2.14748E9" max="2.14748E9" units="cm"/>
+          <inkml:channel name="Y" type="integer" min="-2.14748E9" max="2.14748E9" units="cm"/>
+          <inkml:channel name="F" type="integer" max="32767" units="dev"/>
+          <inkml:channel name="OA" type="integer" max="360" units="deg"/>
+          <inkml:channel name="OE" type="integer" max="90" units="deg"/>
+        </inkml:traceFormat>
+        <inkml:channelProperties>
+          <inkml:channelProperty channel="X" name="resolution" value="1000" units="1/cm"/>
+          <inkml:channelProperty channel="Y" name="resolution" value="1000" units="1/cm"/>
+          <inkml:channelProperty channel="F" name="resolution" value="0" units="1/dev"/>
+          <inkml:channelProperty channel="OA" name="resolution" value="1000" units="1/deg"/>
+          <inkml:channelProperty channel="OE" name="resolution" value="1000" units="1/deg"/>
+        </inkml:channelProperties>
+      </inkml:inkSource>
+      <inkml:timestamp xml:id="ts0" timeString="2020-12-11T18:00:51.264"/>
+    </inkml:context>
+    <inkml:brush xml:id="br0">
+      <inkml:brushProperty name="width" value="0.05" units="cm"/>
+      <inkml:brushProperty name="height" value="0.05" units="cm"/>
+      <inkml:brushProperty name="color" value="#004F8B"/>
+    </inkml:brush>
+  </inkml:definitions>
+  <inkml:trace contextRef="#ctx0" brushRef="#br0">98 49 8696 0 0,'-11'-6'928'0'0,"4"3"-184"0"0,-1 0 0 0 0,0 1 0 0 0,0 0 0 0 0,0 0 0 0 0,-12-1 0 0 0,4 10 1575 0 0,15-7-2143 0 0,1 1 0 0 0,-1-1 0 0 0,0 1 0 0 0,0-1 0 0 0,0 1 0 0 0,1-1 0 0 0,-1 1 0 0 0,0 0 0 0 0,1-1 0 0 0,-1 1 0 0 0,1 0 0 0 0,-1 0 0 0 0,1 0 0 0 0,-1-1 0 0 0,1 1 0 0 0,-1 0 0 0 0,1 0 0 0 0,-1 1 464 0 0,10 7 664 0 0,-6-8-1189 0 0,-1 0 0 0 0,1 0 1 0 0,0 0-1 0 0,-1 0 0 0 0,1-1 0 0 0,0 1 0 0 0,0-1 0 0 0,-1 0 0 0 0,1 1 0 0 0,0-1 0 0 0,3-1 0 0 0,34-5 681 0 0,-13 2-43 0 0,201-12 1169 0 0,-162 15-1471 0 0,93 10 0 0 0,-113-4-430 0 0,177 18 176 0 0,0-19-65 0 0,177-21 764 0 0,-74 24 269 0 0,-164 1-1166 0 0,-53-6 146 0 0,48 2 90 0 0,-8-10 805 0 0,-81 3-697 0 0,45-4-78 0 0,10-5-193 0 0,-118 11-75 0 0,0 1-1 0 0,0 0 1 0 0,0 0 0 0 0,10 2-1 0 0,10 1 5 0 0,-23-3-1 0 0,13 0-47 0 0,-15 0 26 0 0,0 0 1 0 0,1 0-1 0 0,-1 0 1 0 0,0 0-1 0 0,1 0 0 0 0,-1 0 1 0 0,0-1-1 0 0,0 1 1 0 0,1 0-1 0 0,-1 0 1 0 0,0 0-1 0 0,1 0 1 0 0,-1 0-1 0 0,0 0 1 0 0,0-1-1 0 0,1 1 0 0 0,-1 0 1 0 0,0 0-1 0 0,0 0 1 0 0,1-1-1 0 0,-1 1 1 0 0,0 0-1 0 0,0 0 1 0 0,0 0-1 0 0,1-1 1 0 0,-1 1-1 0 0,0 0 1 0 0,0-1-1 0 0,0 1 0 0 0,0 0 1 0 0,0 0-1 0 0,1-1 1 0 0,-1 1-1 0 0,0 0 1 0 0,0-1-1 0 0,0 1 1 0 0,0 0-1 0 0,0-1 1 0 0,0 1-1 0 0,0 0 0 0 0,0-1 1 0 0,0 1-1 0 0,-3-7-772 0 0,0 1 0 0 0,0-1 0 0 0,0 1 0 0 0,-5-7 0 0 0,0 4-231 0 0</inkml:trace>
+</inkml:ink>
+</file>
+
+<file path=ppt/ink/ink50.xml><?xml version="1.0" encoding="utf-8"?>
+<inkml:ink xmlns:inkml="http://www.w3.org/2003/InkML">
+  <inkml:definitions>
+    <inkml:context xml:id="ctx0">
+      <inkml:inkSource xml:id="inkSrc0">
+        <inkml:traceFormat>
+          <inkml:channel name="X" type="integer" min="-2.14748E9" max="2.14748E9" units="cm"/>
+          <inkml:channel name="Y" type="integer" min="-2.14748E9" max="2.14748E9" units="cm"/>
+          <inkml:channel name="F" type="integer" max="32767" units="dev"/>
+          <inkml:channel name="OA" type="integer" max="360" units="deg"/>
+          <inkml:channel name="OE" type="integer" max="90" units="deg"/>
+        </inkml:traceFormat>
+        <inkml:channelProperties>
+          <inkml:channelProperty channel="X" name="resolution" value="1000" units="1/cm"/>
+          <inkml:channelProperty channel="Y" name="resolution" value="1000" units="1/cm"/>
+          <inkml:channelProperty channel="F" name="resolution" value="0" units="1/dev"/>
+          <inkml:channelProperty channel="OA" name="resolution" value="1000" units="1/deg"/>
+          <inkml:channelProperty channel="OE" name="resolution" value="1000" units="1/deg"/>
+        </inkml:channelProperties>
+      </inkml:inkSource>
+      <inkml:timestamp xml:id="ts0" timeString="2020-12-11T18:02:16.999"/>
+    </inkml:context>
+    <inkml:brush xml:id="br0">
+      <inkml:brushProperty name="width" value="0.05" units="cm"/>
+      <inkml:brushProperty name="height" value="0.05" units="cm"/>
+      <inkml:brushProperty name="color" value="#004F8B"/>
+    </inkml:brush>
+  </inkml:definitions>
+  <inkml:trace contextRef="#ctx0" brushRef="#br0">0 45 2304 0 0,'1'0'5167'0'0,"6"0"-2248"0"0,23-4 7199 0 0,-1-5-6307 0 0,-20 5-3379 0 0,-1 2-1 0 0,1-1 0 0 0,-1 1 0 0 0,13-1 0 0 0,-16 3-270 0 0,1-1-1 0 0,-1 0 0 0 0,1 0 1 0 0,-1-1-1 0 0,0 1 0 0 0,11-5 1 0 0,-14 5-161 0 0,0 0 1 0 0,0 0-1 0 0,1 0 1 0 0,-1 1-1 0 0,0-1 0 0 0,1 1 1 0 0,-1 0-1 0 0,0 0 1 0 0,1 0-1 0 0,-1 0 1 0 0,1 0-1 0 0,-1 0 0 0 0,0 0 1 0 0,1 1-1 0 0,-1-1 1 0 0,0 1-1 0 0,1 0 1 0 0,-1 0-1 0 0,0 0 0 0 0,0 0 1 0 0,0 0-1 0 0,0 0 1 0 0,0 0-1 0 0,0 1 1 0 0,0-1-1 0 0,0 1 1 0 0,0 0-1 0 0,-1-1 0 0 0,1 1 1 0 0,-1 0-1 0 0,1 0 1 0 0,-1 0-1 0 0,0 0 1 0 0,1 0-1 0 0,-1 0 0 0 0,0 0 1 0 0,0 1-1 0 0,-1-1 1 0 0,2 4-1 0 0,0 6 104 0 0,0-1 0 0 0,0 0 0 0 0,-1 0 0 0 0,0 1-1 0 0,-1-1 1 0 0,-1 1 0 0 0,0-1 0 0 0,-4 18 0 0 0,-3 6 443 0 0,-19 46-1 0 0,22-67-526 0 0,3-7-20 0 0,0 0 0 0 0,1 0 0 0 0,-1 0 0 0 0,1 0 0 0 0,0 0 0 0 0,1 0 0 0 0,0 0 0 0 0,0 0 0 0 0,0 0 0 0 0,1 0 0 0 0,0 0 0 0 0,1 0 0 0 0,1 7 0 0 0,-1-12-3 0 0,-1 0 0 0 0,0-1 0 0 0,0 1 0 0 0,0 0 0 0 0,1-1 0 0 0,-1 1-1 0 0,1 0 1 0 0,-1-1 0 0 0,1 0 0 0 0,0 1 0 0 0,0-1 0 0 0,-1 0 0 0 0,1 0 0 0 0,0 0 0 0 0,0 0 0 0 0,0 0 0 0 0,0-1-1 0 0,0 1 1 0 0,0-1 0 0 0,0 1 0 0 0,0-1 0 0 0,1 0 0 0 0,-1 1 0 0 0,0-1 0 0 0,4-1 0 0 0,3 1-196 0 0,-1-1 0 0 0,0 0 1 0 0,1-1-1 0 0,-1 0 1 0 0,10-3-1 0 0,18-12-1843 0 0,-16 7 332 0 0</inkml:trace>
+</inkml:ink>
+</file>
+
+<file path=ppt/ink/ink51.xml><?xml version="1.0" encoding="utf-8"?>
+<inkml:ink xmlns:inkml="http://www.w3.org/2003/InkML">
+  <inkml:definitions>
+    <inkml:context xml:id="ctx0">
+      <inkml:inkSource xml:id="inkSrc0">
+        <inkml:traceFormat>
+          <inkml:channel name="X" type="integer" min="-2.14748E9" max="2.14748E9" units="cm"/>
+          <inkml:channel name="Y" type="integer" min="-2.14748E9" max="2.14748E9" units="cm"/>
+          <inkml:channel name="F" type="integer" max="32767" units="dev"/>
+          <inkml:channel name="OA" type="integer" max="360" units="deg"/>
+          <inkml:channel name="OE" type="integer" max="90" units="deg"/>
+        </inkml:traceFormat>
+        <inkml:channelProperties>
+          <inkml:channelProperty channel="X" name="resolution" value="1000" units="1/cm"/>
+          <inkml:channelProperty channel="Y" name="resolution" value="1000" units="1/cm"/>
+          <inkml:channelProperty channel="F" name="resolution" value="0" units="1/dev"/>
+          <inkml:channelProperty channel="OA" name="resolution" value="1000" units="1/deg"/>
+          <inkml:channelProperty channel="OE" name="resolution" value="1000" units="1/deg"/>
+        </inkml:channelProperties>
+      </inkml:inkSource>
+      <inkml:timestamp xml:id="ts0" timeString="2020-12-11T18:02:17.379"/>
+    </inkml:context>
+    <inkml:brush xml:id="br0">
+      <inkml:brushProperty name="width" value="0.05" units="cm"/>
+      <inkml:brushProperty name="height" value="0.05" units="cm"/>
+      <inkml:brushProperty name="color" value="#004F8B"/>
+    </inkml:brush>
+  </inkml:definitions>
+  <inkml:trace contextRef="#ctx0" brushRef="#br0">25 332 16959 0 0,'-1'0'94'0'0,"0"0"-1"0"0,0 0 1 0 0,0 0-1 0 0,-1 0 0 0 0,1 0 1 0 0,0 0-1 0 0,0-1 1 0 0,0 1-1 0 0,0 0 0 0 0,0 0 1 0 0,0-1-1 0 0,0 1 1 0 0,0-1-1 0 0,0 1 1 0 0,0-1-1 0 0,0 0 0 0 0,0 1 1 0 0,0-1-1 0 0,0 0 1 0 0,1 1-1 0 0,-1-1 0 0 0,-1-1 1 0 0,2 1 43 0 0,0 0-1 0 0,0 0 1 0 0,-1 0 0 0 0,1 0 0 0 0,0 1 0 0 0,0-1-1 0 0,0 0 1 0 0,0 0 0 0 0,0 0 0 0 0,0 0 0 0 0,1 0 0 0 0,-1 0-1 0 0,0 0 1 0 0,0 0 0 0 0,1 0 0 0 0,-1 1 0 0 0,0-1 0 0 0,1 0-1 0 0,-1 0 1 0 0,1 0 0 0 0,-1 1 0 0 0,1-1 0 0 0,-1 0-1 0 0,1 0 1 0 0,0 1 0 0 0,0-2 0 0 0,5-3 273 0 0,-1 0-1 0 0,1 1 1 0 0,0-1 0 0 0,0 1 0 0 0,0 0-1 0 0,1 1 1 0 0,-1 0 0 0 0,1 0-1 0 0,14-4 1 0 0,6 0 279 0 0,35-5 0 0 0,-35 7-335 0 0,2 0-117 0 0,344-55 2479 0 0,-147 29-2588 0 0,40-6-100 0 0,-175 27 358 0 0,259-17 40 0 0,-289 28-456 0 0,-27 1 92 0 0,0-2-1 0 0,0-1 0 0 0,45-9 0 0 0,-69 8-133 0 0,-1 0 1 0 0,0-1 0 0 0,-1-1-1 0 0,1 0 1 0 0,0 0-1 0 0,-1 0 1 0 0,12-10-1 0 0,-15 12 207 0 0,-4 1-136 0 0,-1 1 0 0 0,1 0-1 0 0,0 0 1 0 0,-1-1 0 0 0,1 1 0 0 0,0-1 0 0 0,-1 1 0 0 0,1-1 0 0 0,-1 1 0 0 0,1-1 0 0 0,-1 1 0 0 0,1-1 0 0 0,-1 1 0 0 0,1-1 0 0 0,-1 1 0 0 0,1-1 0 0 0,-1 0 0 0 0,0 1 0 0 0,1-1 0 0 0,-1 0 0 0 0,0-1 0 0 0,0 2-251 0 0</inkml:trace>
+</inkml:ink>
+</file>
+
+<file path=ppt/ink/ink52.xml><?xml version="1.0" encoding="utf-8"?>
+<inkml:ink xmlns:inkml="http://www.w3.org/2003/InkML">
+  <inkml:definitions>
+    <inkml:context xml:id="ctx0">
+      <inkml:inkSource xml:id="inkSrc0">
+        <inkml:traceFormat>
+          <inkml:channel name="X" type="integer" min="-2.14748E9" max="2.14748E9" units="cm"/>
+          <inkml:channel name="Y" type="integer" min="-2.14748E9" max="2.14748E9" units="cm"/>
+          <inkml:channel name="F" type="integer" max="32767" units="dev"/>
+          <inkml:channel name="OA" type="integer" max="360" units="deg"/>
+          <inkml:channel name="OE" type="integer" max="90" units="deg"/>
+        </inkml:traceFormat>
+        <inkml:channelProperties>
+          <inkml:channelProperty channel="X" name="resolution" value="1000" units="1/cm"/>
+          <inkml:channelProperty channel="Y" name="resolution" value="1000" units="1/cm"/>
+          <inkml:channelProperty channel="F" name="resolution" value="0" units="1/dev"/>
+          <inkml:channelProperty channel="OA" name="resolution" value="1000" units="1/deg"/>
+          <inkml:channelProperty channel="OE" name="resolution" value="1000" units="1/deg"/>
+        </inkml:channelProperties>
+      </inkml:inkSource>
+      <inkml:timestamp xml:id="ts0" timeString="2020-12-11T18:02:18.763"/>
+    </inkml:context>
+    <inkml:brush xml:id="br0">
+      <inkml:brushProperty name="width" value="0.05" units="cm"/>
+      <inkml:brushProperty name="height" value="0.05" units="cm"/>
+      <inkml:brushProperty name="color" value="#004F8B"/>
+    </inkml:brush>
+  </inkml:definitions>
+  <inkml:trace contextRef="#ctx0" brushRef="#br0">32 542 15144 0 0,'-4'3'109'0'0,"3"-2"-26"0"0,0 0 0 0 0,0 0 0 0 0,0 0 0 0 0,0 0 0 0 0,0 0 0 0 0,0 0 0 0 0,0 0 0 0 0,0 0 0 0 0,0 1 0 0 0,1-1 0 0 0,-1 0 0 0 0,1 0 0 0 0,-1 1 0 0 0,1-1 0 0 0,-1 1 0 0 0,1-1 0 0 0,0 0 0 0 0,-1 1 0 0 0,1 4 4166 0 0,2-7-2835 0 0,23-10 243 0 0,-6 3-1638 0 0,0-1 0 0 0,29-18 0 0 0,-37 17-1411 0 0</inkml:trace>
+</inkml:ink>
+</file>
+
+<file path=ppt/ink/ink53.xml><?xml version="1.0" encoding="utf-8"?>
+<inkml:ink xmlns:inkml="http://www.w3.org/2003/InkML">
+  <inkml:definitions>
+    <inkml:context xml:id="ctx0">
+      <inkml:inkSource xml:id="inkSrc0">
+        <inkml:traceFormat>
+          <inkml:channel name="X" type="integer" min="-2.14748E9" max="2.14748E9" units="cm"/>
+          <inkml:channel name="Y" type="integer" min="-2.14748E9" max="2.14748E9" units="cm"/>
+          <inkml:channel name="F" type="integer" max="32767" units="dev"/>
+          <inkml:channel name="OA" type="integer" max="360" units="deg"/>
+          <inkml:channel name="OE" type="integer" max="90" units="deg"/>
+        </inkml:traceFormat>
+        <inkml:channelProperties>
+          <inkml:channelProperty channel="X" name="resolution" value="1000" units="1/cm"/>
+          <inkml:channelProperty channel="Y" name="resolution" value="1000" units="1/cm"/>
+          <inkml:channelProperty channel="F" name="resolution" value="0" units="1/dev"/>
+          <inkml:channelProperty channel="OA" name="resolution" value="1000" units="1/deg"/>
+          <inkml:channelProperty channel="OE" name="resolution" value="1000" units="1/deg"/>
+        </inkml:channelProperties>
+      </inkml:inkSource>
+      <inkml:timestamp xml:id="ts0" timeString="2020-12-11T18:02:23.228"/>
+    </inkml:context>
+    <inkml:brush xml:id="br0">
+      <inkml:brushProperty name="width" value="0.05" units="cm"/>
+      <inkml:brushProperty name="height" value="0.05" units="cm"/>
+      <inkml:brushProperty name="color" value="#004F8B"/>
+    </inkml:brush>
+  </inkml:definitions>
+  <inkml:trace contextRef="#ctx0" brushRef="#br0">0 140 11144 0 0,'20'-26'2847'0'0,"-17"22"-2320"0"0,0 0 0 0 0,0-1 0 0 0,0 1 0 0 0,0 1 0 0 0,5-5 0 0 0,3 0 415 0 0,-1 0 0 0 0,2 1 0 0 0,-1 0 1 0 0,24-9-1 0 0,52-14 1539 0 0,-73 25-2044 0 0,-10 4-341 0 0,0 0 1 0 0,-1 0-1 0 0,1 1 1 0 0,0-1-1 0 0,0 1 1 0 0,0 0-1 0 0,0 0 1 0 0,0 0-1 0 0,5 1 1 0 0,-8-1-75 0 0,0 0 1 0 0,1 1-1 0 0,-1-1 1 0 0,0 1 0 0 0,0-1-1 0 0,1 1 1 0 0,-1-1-1 0 0,0 1 1 0 0,0 0 0 0 0,0 0-1 0 0,0-1 1 0 0,0 1-1 0 0,0 0 1 0 0,0 0 0 0 0,0 0-1 0 0,0 0 1 0 0,0 0-1 0 0,0 1 1 0 0,-1-1 0 0 0,1 0-1 0 0,0 0 1 0 0,-1 0-1 0 0,1 1 1 0 0,-1-1 0 0 0,0 0-1 0 0,1 1 1 0 0,-1-1-1 0 0,0 0 1 0 0,0 1 0 0 0,1 1-1 0 0,-1 8 34 0 0,-1-1 1 0 0,1 0-1 0 0,-1 1 0 0 0,-1-1 0 0 0,0 1 0 0 0,-1-1 1 0 0,0 0-1 0 0,-5 12 0 0 0,-7 11-259 0 0,-19 32-1 0 0,16-33-580 0 0,6-11-1409 0 0,2-5-3291 0 0,1 2-2305 0 0</inkml:trace>
+</inkml:ink>
+</file>
+
+<file path=ppt/ink/ink54.xml><?xml version="1.0" encoding="utf-8"?>
+<inkml:ink xmlns:inkml="http://www.w3.org/2003/InkML">
+  <inkml:definitions>
+    <inkml:context xml:id="ctx0">
+      <inkml:inkSource xml:id="inkSrc0">
+        <inkml:traceFormat>
+          <inkml:channel name="X" type="integer" min="-2.14748E9" max="2.14748E9" units="cm"/>
+          <inkml:channel name="Y" type="integer" min="-2.14748E9" max="2.14748E9" units="cm"/>
+          <inkml:channel name="F" type="integer" max="32767" units="dev"/>
+          <inkml:channel name="OA" type="integer" max="360" units="deg"/>
+          <inkml:channel name="OE" type="integer" max="90" units="deg"/>
+        </inkml:traceFormat>
+        <inkml:channelProperties>
+          <inkml:channelProperty channel="X" name="resolution" value="1000" units="1/cm"/>
+          <inkml:channelProperty channel="Y" name="resolution" value="1000" units="1/cm"/>
+          <inkml:channelProperty channel="F" name="resolution" value="0" units="1/dev"/>
+          <inkml:channelProperty channel="OA" name="resolution" value="1000" units="1/deg"/>
+          <inkml:channelProperty channel="OE" name="resolution" value="1000" units="1/deg"/>
+        </inkml:channelProperties>
+      </inkml:inkSource>
+      <inkml:timestamp xml:id="ts0" timeString="2020-12-11T18:02:23.573"/>
+    </inkml:context>
+    <inkml:brush xml:id="br0">
+      <inkml:brushProperty name="width" value="0.05" units="cm"/>
+      <inkml:brushProperty name="height" value="0.05" units="cm"/>
+      <inkml:brushProperty name="color" value="#004F8B"/>
+    </inkml:brush>
+  </inkml:definitions>
+  <inkml:trace contextRef="#ctx0" brushRef="#br0">17 0 7832 0 0,'0'0'760'0'0,"-3"5"-672"0"0,3 1-88 0 0,-13 9 12791 0 0,16-20-13415 0 0,2 0-144 0 0,3-3-32 0 0</inkml:trace>
+</inkml:ink>
+</file>
+
+<file path=ppt/ink/ink55.xml><?xml version="1.0" encoding="utf-8"?>
+<inkml:ink xmlns:inkml="http://www.w3.org/2003/InkML">
+  <inkml:definitions>
+    <inkml:context xml:id="ctx0">
+      <inkml:inkSource xml:id="inkSrc0">
+        <inkml:traceFormat>
+          <inkml:channel name="X" type="integer" min="-2.14748E9" max="2.14748E9" units="cm"/>
+          <inkml:channel name="Y" type="integer" min="-2.14748E9" max="2.14748E9" units="cm"/>
+          <inkml:channel name="F" type="integer" max="32767" units="dev"/>
+          <inkml:channel name="OA" type="integer" max="360" units="deg"/>
+          <inkml:channel name="OE" type="integer" max="90" units="deg"/>
+        </inkml:traceFormat>
+        <inkml:channelProperties>
+          <inkml:channelProperty channel="X" name="resolution" value="1000" units="1/cm"/>
+          <inkml:channelProperty channel="Y" name="resolution" value="1000" units="1/cm"/>
+          <inkml:channelProperty channel="F" name="resolution" value="0" units="1/dev"/>
+          <inkml:channelProperty channel="OA" name="resolution" value="1000" units="1/deg"/>
+          <inkml:channelProperty channel="OE" name="resolution" value="1000" units="1/deg"/>
+        </inkml:channelProperties>
+      </inkml:inkSource>
+      <inkml:timestamp xml:id="ts0" timeString="2020-12-11T18:02:23.944"/>
+    </inkml:context>
+    <inkml:brush xml:id="br0">
+      <inkml:brushProperty name="width" value="0.05" units="cm"/>
+      <inkml:brushProperty name="height" value="0.05" units="cm"/>
+      <inkml:brushProperty name="color" value="#004F8B"/>
+    </inkml:brush>
+  </inkml:definitions>
+  <inkml:trace contextRef="#ctx0" brushRef="#br0">0 79 6448 0 0,'12'-19'594'0'0,"-10"16"532"0"0,1 0 0 0 0,0 0 0 0 0,0 0-1 0 0,0 1 1 0 0,6-5 0 0 0,1 2 2736 0 0,0 0 1 0 0,19-6-1 0 0,-8 3-4579 0 0,-16 6 837 0 0,0 0 1 0 0,0 1-1 0 0,0-1 0 0 0,0 1 0 0 0,0 1 0 0 0,0-1 0 0 0,0 1 1 0 0,0-1-1 0 0,0 2 0 0 0,0-1 0 0 0,1 0 0 0 0,-1 1 1 0 0,0 0-1 0 0,8 3 0 0 0,-12-4-111 0 0,0 1 0 0 0,0 0 0 0 0,1 0 0 0 0,-1 0 0 0 0,0 0-1 0 0,0 0 1 0 0,0 0 0 0 0,0 0 0 0 0,0 0 0 0 0,0 0 0 0 0,-1 1 0 0 0,1-1 0 0 0,0 0 0 0 0,0 1 0 0 0,-1-1 0 0 0,1 0 0 0 0,-1 1 0 0 0,0-1 0 0 0,1 1 0 0 0,-1-1-1 0 0,0 1 1 0 0,0-1 0 0 0,0 1 0 0 0,0 1 0 0 0,0 6 32 0 0,0 0-1 0 0,-1-1 1 0 0,-2 10-1 0 0,1-9-2 0 0,-2 13-21 0 0,-1 0 0 0 0,-1 0 0 0 0,0-1 0 0 0,-16 33 0 0 0,16-42-1129 0 0,-1 1 1 0 0,-13 16-1 0 0,12-19-4782 0 0,3 2-1759 0 0</inkml:trace>
+  <inkml:trace contextRef="#ctx0" brushRef="#br0" timeOffset="1">85 615 2304 0 0,'8'-4'17805'0'0,"-8"-8"-12700"0"0,1 10-4898 0 0,0-1 0 0 0,0 1 1 0 0,0 0-1 0 0,0 0 0 0 0,0-1 0 0 0,1 1 0 0 0,-1 0 1 0 0,1 0-1 0 0,2-2 0 0 0,9-5-3131 0 0,-7 8 1393 0 0</inkml:trace>
+</inkml:ink>
+</file>
+
+<file path=ppt/ink/ink56.xml><?xml version="1.0" encoding="utf-8"?>
+<inkml:ink xmlns:inkml="http://www.w3.org/2003/InkML">
+  <inkml:definitions>
+    <inkml:context xml:id="ctx0">
+      <inkml:inkSource xml:id="inkSrc0">
+        <inkml:traceFormat>
+          <inkml:channel name="X" type="integer" min="-2.14748E9" max="2.14748E9" units="cm"/>
+          <inkml:channel name="Y" type="integer" min="-2.14748E9" max="2.14748E9" units="cm"/>
+          <inkml:channel name="F" type="integer" max="32767" units="dev"/>
+          <inkml:channel name="OA" type="integer" max="360" units="deg"/>
+          <inkml:channel name="OE" type="integer" max="90" units="deg"/>
+        </inkml:traceFormat>
+        <inkml:channelProperties>
+          <inkml:channelProperty channel="X" name="resolution" value="1000" units="1/cm"/>
+          <inkml:channelProperty channel="Y" name="resolution" value="1000" units="1/cm"/>
+          <inkml:channelProperty channel="F" name="resolution" value="0" units="1/dev"/>
+          <inkml:channelProperty channel="OA" name="resolution" value="1000" units="1/deg"/>
+          <inkml:channelProperty channel="OE" name="resolution" value="1000" units="1/deg"/>
+        </inkml:channelProperties>
+      </inkml:inkSource>
+      <inkml:timestamp xml:id="ts0" timeString="2020-12-11T18:03:20.989"/>
+    </inkml:context>
+    <inkml:brush xml:id="br0">
+      <inkml:brushProperty name="width" value="0.05" units="cm"/>
+      <inkml:brushProperty name="height" value="0.05" units="cm"/>
+      <inkml:brushProperty name="color" value="#004F8B"/>
+    </inkml:brush>
+  </inkml:definitions>
+  <inkml:trace contextRef="#ctx0" brushRef="#br0">22 206 12440 0 0,'-4'-2'1330'0'0,"-13"-4"4494"0"0,19 4-5419 0 0,5-4 440 0 0,0 0 1 0 0,0 1-1 0 0,15-8 1 0 0,273-127 815 0 0,-290 137-2274 0 0,0 1-1 0 0,0-1 1 0 0,8-6 0 0 0,-2 1-7544 0 0</inkml:trace>
+</inkml:ink>
+</file>
+
+<file path=ppt/ink/ink57.xml><?xml version="1.0" encoding="utf-8"?>
+<inkml:ink xmlns:inkml="http://www.w3.org/2003/InkML">
+  <inkml:definitions>
+    <inkml:context xml:id="ctx0">
+      <inkml:inkSource xml:id="inkSrc0">
+        <inkml:traceFormat>
+          <inkml:channel name="X" type="integer" min="-2.14748E9" max="2.14748E9" units="cm"/>
+          <inkml:channel name="Y" type="integer" min="-2.14748E9" max="2.14748E9" units="cm"/>
+          <inkml:channel name="F" type="integer" max="32767" units="dev"/>
+          <inkml:channel name="OA" type="integer" max="360" units="deg"/>
+          <inkml:channel name="OE" type="integer" max="90" units="deg"/>
+        </inkml:traceFormat>
+        <inkml:channelProperties>
+          <inkml:channelProperty channel="X" name="resolution" value="1000" units="1/cm"/>
+          <inkml:channelProperty channel="Y" name="resolution" value="1000" units="1/cm"/>
+          <inkml:channelProperty channel="F" name="resolution" value="0" units="1/dev"/>
+          <inkml:channelProperty channel="OA" name="resolution" value="1000" units="1/deg"/>
+          <inkml:channelProperty channel="OE" name="resolution" value="1000" units="1/deg"/>
+        </inkml:channelProperties>
+      </inkml:inkSource>
+      <inkml:timestamp xml:id="ts0" timeString="2020-12-11T18:03:21.335"/>
+    </inkml:context>
+    <inkml:brush xml:id="br0">
+      <inkml:brushProperty name="width" value="0.05" units="cm"/>
+      <inkml:brushProperty name="height" value="0.05" units="cm"/>
+      <inkml:brushProperty name="color" value="#004F8B"/>
+    </inkml:brush>
+  </inkml:definitions>
+  <inkml:trace contextRef="#ctx0" brushRef="#br0">381 1 12440 0 0,'-5'8'353'0'0,"1"0"0"0"0,0 0 0 0 0,1 1 1 0 0,0 0-1 0 0,0 0 0 0 0,1 0 1 0 0,-3 18-1 0 0,2 5 1862 0 0,2 31 0 0 0,0 3-816 0 0,-5 37-404 0 0,-33 320 96 0 0,-123 270 33 0 0,125-576-524 0 0,-3 14 214 0 0,-8 65 789 0 0,44-176-1312 0 0,1-10 65 0 0,0 1 1 0 0,1 0-1 0 0,0 17 1 0 0,2-27-325 0 0,0 0 0 0 0,0 0 0 0 0,0 0 0 0 0,0 0 0 0 0,1 0 0 0 0,-1-1 0 0 0,0 1 0 0 0,1 0 0 0 0,-1 0 0 0 0,0 0 0 0 0,1-1 1 0 0,-1 1-1 0 0,1 0 0 0 0,0 0 0 0 0,-1-1 0 0 0,1 1 0 0 0,-1 0 0 0 0,1-1 0 0 0,0 1 0 0 0,0-1 0 0 0,-1 1 0 0 0,1-1 0 0 0,0 1 0 0 0,0-1 0 0 0,-1 0 0 0 0,1 1 0 0 0,0-1 0 0 0,1 1 0 0 0,29 4 519 0 0,-22-4-394 0 0,216 24-1590 0 0,-191-20 277 0 0</inkml:trace>
+</inkml:ink>
+</file>
+
+<file path=ppt/ink/ink58.xml><?xml version="1.0" encoding="utf-8"?>
+<inkml:ink xmlns:inkml="http://www.w3.org/2003/InkML">
+  <inkml:definitions>
+    <inkml:context xml:id="ctx0">
+      <inkml:inkSource xml:id="inkSrc0">
+        <inkml:traceFormat>
+          <inkml:channel name="X" type="integer" min="-2.14748E9" max="2.14748E9" units="cm"/>
+          <inkml:channel name="Y" type="integer" min="-2.14748E9" max="2.14748E9" units="cm"/>
+          <inkml:channel name="F" type="integer" max="32767" units="dev"/>
+          <inkml:channel name="OA" type="integer" max="360" units="deg"/>
+          <inkml:channel name="OE" type="integer" max="90" units="deg"/>
+        </inkml:traceFormat>
+        <inkml:channelProperties>
+          <inkml:channelProperty channel="X" name="resolution" value="1000" units="1/cm"/>
+          <inkml:channelProperty channel="Y" name="resolution" value="1000" units="1/cm"/>
+          <inkml:channelProperty channel="F" name="resolution" value="0" units="1/dev"/>
+          <inkml:channelProperty channel="OA" name="resolution" value="1000" units="1/deg"/>
+          <inkml:channelProperty channel="OE" name="resolution" value="1000" units="1/deg"/>
+        </inkml:channelProperties>
+      </inkml:inkSource>
+      <inkml:timestamp xml:id="ts0" timeString="2020-12-11T18:03:43.319"/>
+    </inkml:context>
+    <inkml:brush xml:id="br0">
+      <inkml:brushProperty name="width" value="0.05" units="cm"/>
+      <inkml:brushProperty name="height" value="0.05" units="cm"/>
+      <inkml:brushProperty name="color" value="#004F8B"/>
+    </inkml:brush>
+  </inkml:definitions>
+  <inkml:trace contextRef="#ctx0" brushRef="#br0">108 23 2304 0 0,'0'0'1804'0'0,"-7"-11"6352"0"0,2 5-6598 0 0,1 4-878 0 0,0 1 0 0 0,0 0 0 0 0,0 0 0 0 0,0 1-1 0 0,-1-1 1 0 0,1 1 0 0 0,0 0 0 0 0,0 0 0 0 0,-1 1 0 0 0,1-1-1 0 0,0 1 1 0 0,0 0 0 0 0,0 0 0 0 0,-7 3 0 0 0,10-4-674 0 0,-13 8 968 0 0,3-1 985 0 0,12-6-1777 0 0,4 1-18 0 0,0 1 0 0 0,0-1 0 0 0,0 0 1 0 0,1 0-1 0 0,-1-1 0 0 0,0 1 1 0 0,12 0-1 0 0,42 0 563 0 0,-20-1-359 0 0,337 39 1465 0 0,-283-33-1314 0 0,-43-5-167 0 0,-42-1-374 0 0,0-2 0 0 0,0 1 0 0 0,-1-1 1 0 0,1 0-1 0 0,-1 0 0 0 0,1-1 0 0 0,-1 0 0 0 0,12-5 1 0 0,-19 7 49 0 0,-9 3-1403 0 0,-2 9-8634 0 0,0-4 1083 0 0</inkml:trace>
+</inkml:ink>
+</file>
+
+<file path=ppt/ink/ink6.xml><?xml version="1.0" encoding="utf-8"?>
+<inkml:ink xmlns:inkml="http://www.w3.org/2003/InkML">
+  <inkml:definitions>
+    <inkml:context xml:id="ctx0">
+      <inkml:inkSource xml:id="inkSrc0">
+        <inkml:traceFormat>
+          <inkml:channel name="X" type="integer" min="-2.14748E9" max="2.14748E9" units="cm"/>
+          <inkml:channel name="Y" type="integer" min="-2.14748E9" max="2.14748E9" units="cm"/>
+          <inkml:channel name="F" type="integer" max="32767" units="dev"/>
+          <inkml:channel name="OA" type="integer" max="360" units="deg"/>
+          <inkml:channel name="OE" type="integer" max="90" units="deg"/>
+        </inkml:traceFormat>
+        <inkml:channelProperties>
+          <inkml:channelProperty channel="X" name="resolution" value="1000" units="1/cm"/>
+          <inkml:channelProperty channel="Y" name="resolution" value="1000" units="1/cm"/>
+          <inkml:channelProperty channel="F" name="resolution" value="0" units="1/dev"/>
+          <inkml:channelProperty channel="OA" name="resolution" value="1000" units="1/deg"/>
+          <inkml:channelProperty channel="OE" name="resolution" value="1000" units="1/deg"/>
+        </inkml:channelProperties>
+      </inkml:inkSource>
+      <inkml:timestamp xml:id="ts0" timeString="2020-12-11T18:00:52.584"/>
+    </inkml:context>
+    <inkml:brush xml:id="br0">
+      <inkml:brushProperty name="width" value="0.05" units="cm"/>
+      <inkml:brushProperty name="height" value="0.05" units="cm"/>
+      <inkml:brushProperty name="color" value="#004F8B"/>
+    </inkml:brush>
+  </inkml:definitions>
+  <inkml:trace contextRef="#ctx0" brushRef="#br0">10 33 15664 0 0,'0'0'35'0'0,"-1"0"1"0"0,1 0-1 0 0,0 0 1 0 0,0 0-1 0 0,0-1 1 0 0,0 1-1 0 0,-1 0 1 0 0,1 0-1 0 0,0 0 1 0 0,0 0 0 0 0,0 0-1 0 0,-1 0 1 0 0,1 0-1 0 0,0 0 1 0 0,0 0-1 0 0,0-1 1 0 0,-1 1-1 0 0,1 0 1 0 0,0 0 0 0 0,0 0-1 0 0,-1 0 1 0 0,1 0-1 0 0,0 0 1 0 0,0 0-1 0 0,0 1 1 0 0,-1-1-1 0 0,1 0 1 0 0,0 0-1 0 0,0 0 1 0 0,0 0 0 0 0,-1 0-1 0 0,1 0 1 0 0,0 0-1 0 0,0 0 1 0 0,0 0-1 0 0,-1 1 1 0 0,1-1-1 0 0,0 0 1 0 0,0 0 0 0 0,0 0-1 0 0,0 0 1 0 0,-1 1-1 0 0,1-1 1 0 0,0 0-1 0 0,0 0 1 0 0,0 0-1 0 0,0 0 1 0 0,0 1-1 0 0,0-1 1 0 0,0 0 0 0 0,0 0-1 0 0,0 1 1 0 0,0-1-1 0 0,0 0 1 0 0,0 0-1 0 0,0 0 1 0 0,0 1-1 0 0,0-1 1 0 0,0 0 0 0 0,0 0-1 0 0,0 0 1 0 0,0 1-1 0 0,0-1 1 0 0,0 0-1 0 0,0 0 1 0 0,0 1-1 0 0,0-1 1 0 0,0 0 0 0 0,0 4 1477 0 0,7 0 928 0 0,-5-3-2239 0 0,1 0 0 0 0,0 0 0 0 0,0-1 0 0 0,0 1 0 0 0,0-1 0 0 0,0 0 0 0 0,0 0 0 0 0,1 0 0 0 0,-1 0 0 0 0,0-1 0 0 0,0 1 0 0 0,4-2 0 0 0,39-14 1091 0 0,-30 10-1012 0 0,2 0-47 0 0,34-5-1 0 0,-22 6-228 0 0,-18 3-526 0 0,1 1-1 0 0,22 0 1 0 0,-24 1-935 0 0</inkml:trace>
+</inkml:ink>
+</file>
+
+<file path=ppt/ink/ink7.xml><?xml version="1.0" encoding="utf-8"?>
+<inkml:ink xmlns:inkml="http://www.w3.org/2003/InkML">
+  <inkml:definitions>
+    <inkml:context xml:id="ctx0">
+      <inkml:inkSource xml:id="inkSrc0">
+        <inkml:traceFormat>
+          <inkml:channel name="X" type="integer" min="-2.14748E9" max="2.14748E9" units="cm"/>
+          <inkml:channel name="Y" type="integer" min="-2.14748E9" max="2.14748E9" units="cm"/>
+          <inkml:channel name="F" type="integer" max="32767" units="dev"/>
+          <inkml:channel name="OA" type="integer" max="360" units="deg"/>
+          <inkml:channel name="OE" type="integer" max="90" units="deg"/>
+        </inkml:traceFormat>
+        <inkml:channelProperties>
+          <inkml:channelProperty channel="X" name="resolution" value="1000" units="1/cm"/>
+          <inkml:channelProperty channel="Y" name="resolution" value="1000" units="1/cm"/>
+          <inkml:channelProperty channel="F" name="resolution" value="0" units="1/dev"/>
+          <inkml:channelProperty channel="OA" name="resolution" value="1000" units="1/deg"/>
+          <inkml:channelProperty channel="OE" name="resolution" value="1000" units="1/deg"/>
+        </inkml:channelProperties>
+      </inkml:inkSource>
+      <inkml:timestamp xml:id="ts0" timeString="2020-12-11T18:00:52.975"/>
+    </inkml:context>
+    <inkml:brush xml:id="br0">
+      <inkml:brushProperty name="width" value="0.05" units="cm"/>
+      <inkml:brushProperty name="height" value="0.05" units="cm"/>
+      <inkml:brushProperty name="color" value="#004F8B"/>
+    </inkml:brush>
+  </inkml:definitions>
+  <inkml:trace contextRef="#ctx0" brushRef="#br0">267 0 19351 0 0,'-26'3'1943'0'0,"25"-2"-1873"0"0,1-1-1 0 0,-1 1 1 0 0,0 0-1 0 0,0-1 1 0 0,1 1-1 0 0,-1 0 1 0 0,0-1 0 0 0,1 1-1 0 0,-1 0 1 0 0,0 0-1 0 0,1 0 1 0 0,-1-1-1 0 0,1 1 1 0 0,0 0 0 0 0,-1 0-1 0 0,1 0 1 0 0,0 0-1 0 0,-1 0 1 0 0,1 1-1 0 0,0 0 157 0 0,-3 7 252 0 0,1 0 1 0 0,1 1-1 0 0,-2 15 0 0 0,0 6 100 0 0,-42 174-406 0 0,-16-4-177 0 0,-6 26 3 0 0,57-192 153 0 0,1-5 229 0 0,2 0-1 0 0,0 0 0 0 0,2 1 1 0 0,-1 31-1 0 0,6-41-321 0 0,-1-12 39 0 0,1-1 0 0 0,0 1 0 0 0,1-1 0 0 0,0 1 0 0 0,0-1 0 0 0,1 0 0 0 0,-1 1 0 0 0,6 10 0 0 0,-7-19-60 0 0,14 29 1004 0 0,-13-28-1039 0 0,0 0 0 0 0,0 0 0 0 0,0 0-1 0 0,0 1 1 0 0,0-1 0 0 0,0 0 0 0 0,0-1 0 0 0,0 1 0 0 0,0 0 0 0 0,0 0-1 0 0,0 0 1 0 0,1-1 0 0 0,-1 1 0 0 0,0-1 0 0 0,0 1 0 0 0,1-1 0 0 0,-1 1 0 0 0,0-1-1 0 0,1 0 1 0 0,1 1 0 0 0,5-2 56 0 0,0-1-1 0 0,1 1 0 0 0,-1-1 1 0 0,0-1-1 0 0,0 1 1 0 0,-1-1-1 0 0,1-1 1 0 0,0 0-1 0 0,11-7 1 0 0,13-7 83 0 0,-1 4-313 0 0,-1 0 0 0 0,2 2 0 0 0,0 2 0 0 0,58-12 0 0 0,-64 18-577 0 0,0 1-1 0 0,0 1 1 0 0,47 3 0 0 0,-47 2-526 0 0</inkml:trace>
+</inkml:ink>
+</file>
+
+<file path=ppt/ink/ink8.xml><?xml version="1.0" encoding="utf-8"?>
+<inkml:ink xmlns:inkml="http://www.w3.org/2003/InkML">
+  <inkml:definitions>
+    <inkml:context xml:id="ctx0">
+      <inkml:inkSource xml:id="inkSrc0">
+        <inkml:traceFormat>
+          <inkml:channel name="X" type="integer" min="-2.14748E9" max="2.14748E9" units="cm"/>
+          <inkml:channel name="Y" type="integer" min="-2.14748E9" max="2.14748E9" units="cm"/>
+          <inkml:channel name="F" type="integer" max="32767" units="dev"/>
+          <inkml:channel name="OA" type="integer" max="360" units="deg"/>
+          <inkml:channel name="OE" type="integer" max="90" units="deg"/>
+        </inkml:traceFormat>
+        <inkml:channelProperties>
+          <inkml:channelProperty channel="X" name="resolution" value="1000" units="1/cm"/>
+          <inkml:channelProperty channel="Y" name="resolution" value="1000" units="1/cm"/>
+          <inkml:channelProperty channel="F" name="resolution" value="0" units="1/dev"/>
+          <inkml:channelProperty channel="OA" name="resolution" value="1000" units="1/deg"/>
+          <inkml:channelProperty channel="OE" name="resolution" value="1000" units="1/deg"/>
+        </inkml:channelProperties>
+      </inkml:inkSource>
+      <inkml:timestamp xml:id="ts0" timeString="2020-12-11T18:00:57.194"/>
+    </inkml:context>
+    <inkml:brush xml:id="br0">
+      <inkml:brushProperty name="width" value="0.05" units="cm"/>
+      <inkml:brushProperty name="height" value="0.05" units="cm"/>
+      <inkml:brushProperty name="color" value="#004F8B"/>
+    </inkml:brush>
+  </inkml:definitions>
+  <inkml:trace contextRef="#ctx0" brushRef="#br0">58 23 2760 0 0,'0'0'125'0'0,"-15"-6"299"0"0,8 1 2696 0 0,5 4-2500 0 0,0-1-1 0 0,0 1 1 0 0,0 0 0 0 0,1 0 0 0 0,-1 0 0 0 0,0 0 0 0 0,0 0 0 0 0,0 1 0 0 0,-1-1 0 0 0,1 1 0 0 0,0-1 0 0 0,0 1 0 0 0,-4-1 0 0 0,6 1-537 0 0,0 0 1 0 0,0 0 0 0 0,0 0 0 0 0,0 0 0 0 0,-1 0 0 0 0,1 0 0 0 0,0 0-1 0 0,0 0 1 0 0,0 0 0 0 0,0 0 0 0 0,0 0 0 0 0,-1 1 0 0 0,1-1 0 0 0,0 0-1 0 0,0 0 1 0 0,0 0 0 0 0,0 0 0 0 0,0 0 0 0 0,0 0 0 0 0,-1 0 0 0 0,1 0-1 0 0,0 0 1 0 0,0 0 0 0 0,0 0 0 0 0,0 1 0 0 0,0-1 0 0 0,0 0 0 0 0,0 0-1 0 0,0 0 1 0 0,0 0 0 0 0,0 0 0 0 0,0 0 0 0 0,-1 1 0 0 0,1-1 0 0 0,0 0 0 0 0,0 0-1 0 0,0 0 1 0 0,0 0 0 0 0,0 0 0 0 0,0 1 0 0 0,0-1 0 0 0,0 0 0 0 0,0 0-1 0 0,0 0 1 0 0,0 0 0 0 0,0 0 0 0 0,0 1 0 0 0,1-1 0 0 0,-1 0 0 0 0,0 0-1 0 0,0 0 1 0 0,0 0 0 0 0,0 0 0 0 0,0 1 0 0 0,0-1 0 0 0,0 0 0 0 0,0 0-1 0 0,0 0 1 0 0,0 0 0 0 0,0 0 0 0 0,1 0 0 0 0,-1 0 0 0 0,0 0 0 0 0,0 0-1 0 0,0 1 1 0 0,0-1 0 0 0,0 0 0 0 0,0 0 0 0 0,1 0 0 0 0,10 9 1745 0 0,1-3-1288 0 0,1 0 0 0 0,0-1 0 0 0,0 0 0 0 0,0-1 0 0 0,27 4 0 0 0,74 3 738 0 0,-39-6-647 0 0,55 11 703 0 0,257 18 533 0 0,-320-30-1602 0 0,-31-2 25 0 0,72-3 0 0 0,56-20-14 0 0,-86 12-122 0 0,-72 8-109 0 0,-1 0-1 0 0,1 1 1 0 0,0 0-1 0 0,0 0 1 0 0,0 0-1 0 0,7 2 1 0 0,-10-2-45 0 0,8 3 7 0 0,-9-1-20 0 0,-1-1-20 0 0,0 0-155 0 0</inkml:trace>
+</inkml:ink>
+</file>
+
+<file path=ppt/ink/ink9.xml><?xml version="1.0" encoding="utf-8"?>
+<inkml:ink xmlns:inkml="http://www.w3.org/2003/InkML">
+  <inkml:definitions>
+    <inkml:context xml:id="ctx0">
+      <inkml:inkSource xml:id="inkSrc0">
+        <inkml:traceFormat>
+          <inkml:channel name="X" type="integer" min="-2.14748E9" max="2.14748E9" units="cm"/>
+          <inkml:channel name="Y" type="integer" min="-2.14748E9" max="2.14748E9" units="cm"/>
+          <inkml:channel name="F" type="integer" max="32767" units="dev"/>
+          <inkml:channel name="OA" type="integer" max="360" units="deg"/>
+          <inkml:channel name="OE" type="integer" max="90" units="deg"/>
+        </inkml:traceFormat>
+        <inkml:channelProperties>
+          <inkml:channelProperty channel="X" name="resolution" value="1000" units="1/cm"/>
+          <inkml:channelProperty channel="Y" name="resolution" value="1000" units="1/cm"/>
+          <inkml:channelProperty channel="F" name="resolution" value="0" units="1/dev"/>
+          <inkml:channelProperty channel="OA" name="resolution" value="1000" units="1/deg"/>
+          <inkml:channelProperty channel="OE" name="resolution" value="1000" units="1/deg"/>
+        </inkml:channelProperties>
+      </inkml:inkSource>
+      <inkml:timestamp xml:id="ts0" timeString="2020-12-11T18:00:58.946"/>
+    </inkml:context>
+    <inkml:brush xml:id="br0">
+      <inkml:brushProperty name="width" value="0.05" units="cm"/>
+      <inkml:brushProperty name="height" value="0.05" units="cm"/>
+      <inkml:brushProperty name="color" value="#004F8B"/>
+    </inkml:brush>
+  </inkml:definitions>
+  <inkml:trace contextRef="#ctx0" brushRef="#br0">109 51 11976 0 0,'-1'1'546'0'0,"-7"1"-373"0"0,1 0 0 0 0,-1-1 0 0 0,1 0 0 0 0,-15 1 0 0 0,8-1 781 0 0,11-1-537 0 0,0 0 0 0 0,1 0 1 0 0,-1 0-1 0 0,0 0 0 0 0,1 0 0 0 0,-1-1 0 0 0,0 0 1 0 0,1 1-1 0 0,-1-1 0 0 0,1 0 0 0 0,-1 0 1 0 0,1 0-1 0 0,-4-3 1041 0 0,5-10 1757 0 0,1 13-3123 0 0,0 0 1 0 0,1-1-1 0 0,-1 1 1 0 0,1 0-1 0 0,-1 0 0 0 0,1 0 1 0 0,-1 0-1 0 0,1 0 1 0 0,0 0-1 0 0,0 0 1 0 0,-1 0-1 0 0,1 1 0 0 0,0-1 1 0 0,0 0-1 0 0,0 0 1 0 0,0 1-1 0 0,0-1 1 0 0,0 0-1 0 0,0 1 0 0 0,1-1 1 0 0,27-8 657 0 0,-16 5-360 0 0,-8 2-373 0 0,1 1 1 0 0,-1 1-1 0 0,0-1 0 0 0,0 1 0 0 0,0 0 1 0 0,0 0-1 0 0,1 0 0 0 0,-1 1 0 0 0,0 0 0 0 0,9 2 1 0 0,19 3-8 0 0,60 8-10 0 0,-67-8 0 0 0,0-2 0 0 0,40 2 0 0 0,58-4 328 0 0,-115-1-1000 0 0,0 0-1 0 0,1 1 1 0 0,-1 0-1 0 0,0 1 1 0 0,0 0-1 0 0,0 0 1 0 0,10 6-1 0 0,14 4-2943 0 0,-19-8 2116 0 0</inkml:trace>
+</inkml:ink>
 </file>
 
 <file path=ppt/notesMasters/notesMaster1.xml><?xml version="1.0" encoding="utf-8"?>
@@ -4192,6 +6052,3090 @@
           </a:p>
         </p:txBody>
       </p:sp>
+      <mc:AlternateContent xmlns:mc="http://schemas.openxmlformats.org/markup-compatibility/2006">
+        <mc:Choice xmlns:p14="http://schemas.microsoft.com/office/powerpoint/2010/main" Requires="p14">
+          <p:contentPart p14:bwMode="auto" r:id="rId2">
+            <p14:nvContentPartPr>
+              <p14:cNvPr id="4" name="Ink 3">
+                <a:extLst>
+                  <a:ext uri="{FF2B5EF4-FFF2-40B4-BE49-F238E27FC236}">
+                    <a16:creationId xmlns:a16="http://schemas.microsoft.com/office/drawing/2014/main" id="{A07BC6BD-189A-4E70-95F4-03EC22F2CEE9}"/>
+                  </a:ext>
+                </a:extLst>
+              </p14:cNvPr>
+              <p14:cNvContentPartPr/>
+              <p14:nvPr/>
+            </p14:nvContentPartPr>
+            <p14:xfrm>
+              <a:off x="817849" y="1731139"/>
+              <a:ext cx="1047960" cy="48240"/>
+            </p14:xfrm>
+          </p:contentPart>
+        </mc:Choice>
+        <mc:Fallback>
+          <p:pic>
+            <p:nvPicPr>
+              <p:cNvPr id="4" name="Ink 3">
+                <a:extLst>
+                  <a:ext uri="{FF2B5EF4-FFF2-40B4-BE49-F238E27FC236}">
+                    <a16:creationId xmlns:a16="http://schemas.microsoft.com/office/drawing/2014/main" id="{A07BC6BD-189A-4E70-95F4-03EC22F2CEE9}"/>
+                  </a:ext>
+                </a:extLst>
+              </p:cNvPr>
+              <p:cNvPicPr/>
+              <p:nvPr/>
+            </p:nvPicPr>
+            <p:blipFill>
+              <a:blip r:embed="rId3"/>
+              <a:stretch>
+                <a:fillRect/>
+              </a:stretch>
+            </p:blipFill>
+            <p:spPr>
+              <a:xfrm>
+                <a:off x="809209" y="1722499"/>
+                <a:ext cx="1065600" cy="65880"/>
+              </a:xfrm>
+              <a:prstGeom prst="rect">
+                <a:avLst/>
+              </a:prstGeom>
+            </p:spPr>
+          </p:pic>
+        </mc:Fallback>
+      </mc:AlternateContent>
+      <mc:AlternateContent xmlns:mc="http://schemas.openxmlformats.org/markup-compatibility/2006">
+        <mc:Choice xmlns:p14="http://schemas.microsoft.com/office/powerpoint/2010/main" Requires="p14">
+          <p:contentPart p14:bwMode="auto" r:id="rId4">
+            <p14:nvContentPartPr>
+              <p14:cNvPr id="5" name="Ink 4">
+                <a:extLst>
+                  <a:ext uri="{FF2B5EF4-FFF2-40B4-BE49-F238E27FC236}">
+                    <a16:creationId xmlns:a16="http://schemas.microsoft.com/office/drawing/2014/main" id="{61353D1B-6D82-4256-BBB7-FD85BCDAC8C9}"/>
+                  </a:ext>
+                </a:extLst>
+              </p14:cNvPr>
+              <p14:cNvContentPartPr/>
+              <p14:nvPr/>
+            </p14:nvContentPartPr>
+            <p14:xfrm>
+              <a:off x="823249" y="2172139"/>
+              <a:ext cx="418680" cy="20880"/>
+            </p14:xfrm>
+          </p:contentPart>
+        </mc:Choice>
+        <mc:Fallback>
+          <p:pic>
+            <p:nvPicPr>
+              <p:cNvPr id="5" name="Ink 4">
+                <a:extLst>
+                  <a:ext uri="{FF2B5EF4-FFF2-40B4-BE49-F238E27FC236}">
+                    <a16:creationId xmlns:a16="http://schemas.microsoft.com/office/drawing/2014/main" id="{61353D1B-6D82-4256-BBB7-FD85BCDAC8C9}"/>
+                  </a:ext>
+                </a:extLst>
+              </p:cNvPr>
+              <p:cNvPicPr/>
+              <p:nvPr/>
+            </p:nvPicPr>
+            <p:blipFill>
+              <a:blip r:embed="rId5"/>
+              <a:stretch>
+                <a:fillRect/>
+              </a:stretch>
+            </p:blipFill>
+            <p:spPr>
+              <a:xfrm>
+                <a:off x="814249" y="2163499"/>
+                <a:ext cx="436320" cy="38520"/>
+              </a:xfrm>
+              <a:prstGeom prst="rect">
+                <a:avLst/>
+              </a:prstGeom>
+            </p:spPr>
+          </p:pic>
+        </mc:Fallback>
+      </mc:AlternateContent>
+      <mc:AlternateContent xmlns:mc="http://schemas.openxmlformats.org/markup-compatibility/2006">
+        <mc:Choice xmlns:p14="http://schemas.microsoft.com/office/powerpoint/2010/main" Requires="p14">
+          <p:contentPart p14:bwMode="auto" r:id="rId6">
+            <p14:nvContentPartPr>
+              <p14:cNvPr id="6" name="Ink 5">
+                <a:extLst>
+                  <a:ext uri="{FF2B5EF4-FFF2-40B4-BE49-F238E27FC236}">
+                    <a16:creationId xmlns:a16="http://schemas.microsoft.com/office/drawing/2014/main" id="{8E301B4B-B75E-4D7B-B177-D674D0B504B0}"/>
+                  </a:ext>
+                </a:extLst>
+              </p14:cNvPr>
+              <p14:cNvContentPartPr/>
+              <p14:nvPr/>
+            </p14:nvContentPartPr>
+            <p14:xfrm>
+              <a:off x="902089" y="2738059"/>
+              <a:ext cx="23760" cy="3240"/>
+            </p14:xfrm>
+          </p:contentPart>
+        </mc:Choice>
+        <mc:Fallback>
+          <p:pic>
+            <p:nvPicPr>
+              <p:cNvPr id="6" name="Ink 5">
+                <a:extLst>
+                  <a:ext uri="{FF2B5EF4-FFF2-40B4-BE49-F238E27FC236}">
+                    <a16:creationId xmlns:a16="http://schemas.microsoft.com/office/drawing/2014/main" id="{8E301B4B-B75E-4D7B-B177-D674D0B504B0}"/>
+                  </a:ext>
+                </a:extLst>
+              </p:cNvPr>
+              <p:cNvPicPr/>
+              <p:nvPr/>
+            </p:nvPicPr>
+            <p:blipFill>
+              <a:blip r:embed="rId7"/>
+              <a:stretch>
+                <a:fillRect/>
+              </a:stretch>
+            </p:blipFill>
+            <p:spPr>
+              <a:xfrm>
+                <a:off x="893449" y="2729059"/>
+                <a:ext cx="41400" cy="20880"/>
+              </a:xfrm>
+              <a:prstGeom prst="rect">
+                <a:avLst/>
+              </a:prstGeom>
+            </p:spPr>
+          </p:pic>
+        </mc:Fallback>
+      </mc:AlternateContent>
+      <mc:AlternateContent xmlns:mc="http://schemas.openxmlformats.org/markup-compatibility/2006">
+        <mc:Choice xmlns:p14="http://schemas.microsoft.com/office/powerpoint/2010/main" Requires="p14">
+          <p:contentPart p14:bwMode="auto" r:id="rId8">
+            <p14:nvContentPartPr>
+              <p14:cNvPr id="7" name="Ink 6">
+                <a:extLst>
+                  <a:ext uri="{FF2B5EF4-FFF2-40B4-BE49-F238E27FC236}">
+                    <a16:creationId xmlns:a16="http://schemas.microsoft.com/office/drawing/2014/main" id="{105B8359-B810-4E21-8A48-AD616BD4C967}"/>
+                  </a:ext>
+                </a:extLst>
+              </p14:cNvPr>
+              <p14:cNvContentPartPr/>
+              <p14:nvPr/>
+            </p14:nvContentPartPr>
+            <p14:xfrm>
+              <a:off x="897049" y="2551219"/>
+              <a:ext cx="689760" cy="27000"/>
+            </p14:xfrm>
+          </p:contentPart>
+        </mc:Choice>
+        <mc:Fallback>
+          <p:pic>
+            <p:nvPicPr>
+              <p:cNvPr id="7" name="Ink 6">
+                <a:extLst>
+                  <a:ext uri="{FF2B5EF4-FFF2-40B4-BE49-F238E27FC236}">
+                    <a16:creationId xmlns:a16="http://schemas.microsoft.com/office/drawing/2014/main" id="{105B8359-B810-4E21-8A48-AD616BD4C967}"/>
+                  </a:ext>
+                </a:extLst>
+              </p:cNvPr>
+              <p:cNvPicPr/>
+              <p:nvPr/>
+            </p:nvPicPr>
+            <p:blipFill>
+              <a:blip r:embed="rId9"/>
+              <a:stretch>
+                <a:fillRect/>
+              </a:stretch>
+            </p:blipFill>
+            <p:spPr>
+              <a:xfrm>
+                <a:off x="888049" y="2542219"/>
+                <a:ext cx="707400" cy="44640"/>
+              </a:xfrm>
+              <a:prstGeom prst="rect">
+                <a:avLst/>
+              </a:prstGeom>
+            </p:spPr>
+          </p:pic>
+        </mc:Fallback>
+      </mc:AlternateContent>
+      <mc:AlternateContent xmlns:mc="http://schemas.openxmlformats.org/markup-compatibility/2006">
+        <mc:Choice xmlns:p14="http://schemas.microsoft.com/office/powerpoint/2010/main" Requires="p14">
+          <p:contentPart p14:bwMode="auto" r:id="rId10">
+            <p14:nvContentPartPr>
+              <p14:cNvPr id="10" name="Ink 9">
+                <a:extLst>
+                  <a:ext uri="{FF2B5EF4-FFF2-40B4-BE49-F238E27FC236}">
+                    <a16:creationId xmlns:a16="http://schemas.microsoft.com/office/drawing/2014/main" id="{DF944CDC-E4A9-4629-8288-8FC7039B1F21}"/>
+                  </a:ext>
+                </a:extLst>
+              </p14:cNvPr>
+              <p14:cNvContentPartPr/>
+              <p14:nvPr/>
+            </p14:nvContentPartPr>
+            <p14:xfrm>
+              <a:off x="1917289" y="2568499"/>
+              <a:ext cx="989640" cy="29520"/>
+            </p14:xfrm>
+          </p:contentPart>
+        </mc:Choice>
+        <mc:Fallback>
+          <p:pic>
+            <p:nvPicPr>
+              <p:cNvPr id="10" name="Ink 9">
+                <a:extLst>
+                  <a:ext uri="{FF2B5EF4-FFF2-40B4-BE49-F238E27FC236}">
+                    <a16:creationId xmlns:a16="http://schemas.microsoft.com/office/drawing/2014/main" id="{DF944CDC-E4A9-4629-8288-8FC7039B1F21}"/>
+                  </a:ext>
+                </a:extLst>
+              </p:cNvPr>
+              <p:cNvPicPr/>
+              <p:nvPr/>
+            </p:nvPicPr>
+            <p:blipFill>
+              <a:blip r:embed="rId11"/>
+              <a:stretch>
+                <a:fillRect/>
+              </a:stretch>
+            </p:blipFill>
+            <p:spPr>
+              <a:xfrm>
+                <a:off x="1908289" y="2559859"/>
+                <a:ext cx="1007280" cy="47160"/>
+              </a:xfrm>
+              <a:prstGeom prst="rect">
+                <a:avLst/>
+              </a:prstGeom>
+            </p:spPr>
+          </p:pic>
+        </mc:Fallback>
+      </mc:AlternateContent>
+      <p:grpSp>
+        <p:nvGrpSpPr>
+          <p:cNvPr id="13" name="Group 12">
+            <a:extLst>
+              <a:ext uri="{FF2B5EF4-FFF2-40B4-BE49-F238E27FC236}">
+                <a16:creationId xmlns:a16="http://schemas.microsoft.com/office/drawing/2014/main" id="{FBBE6EAE-D01F-43FF-AC41-320B26376098}"/>
+              </a:ext>
+            </a:extLst>
+          </p:cNvPr>
+          <p:cNvGrpSpPr/>
+          <p:nvPr/>
+        </p:nvGrpSpPr>
+        <p:grpSpPr>
+          <a:xfrm>
+            <a:off x="897769" y="2754259"/>
+            <a:ext cx="204480" cy="437400"/>
+            <a:chOff x="897769" y="2754259"/>
+            <a:chExt cx="204480" cy="437400"/>
+          </a:xfrm>
+        </p:grpSpPr>
+        <mc:AlternateContent xmlns:mc="http://schemas.openxmlformats.org/markup-compatibility/2006">
+          <mc:Choice xmlns:p14="http://schemas.microsoft.com/office/powerpoint/2010/main" Requires="p14">
+            <p:contentPart p14:bwMode="auto" r:id="rId12">
+              <p14:nvContentPartPr>
+                <p14:cNvPr id="11" name="Ink 10">
+                  <a:extLst>
+                    <a:ext uri="{FF2B5EF4-FFF2-40B4-BE49-F238E27FC236}">
+                      <a16:creationId xmlns:a16="http://schemas.microsoft.com/office/drawing/2014/main" id="{E428EFCA-771E-4A4E-A57B-55FCE0AD107A}"/>
+                    </a:ext>
+                  </a:extLst>
+                </p14:cNvPr>
+                <p14:cNvContentPartPr/>
+                <p14:nvPr/>
+              </p14:nvContentPartPr>
+              <p14:xfrm>
+                <a:off x="998209" y="2754259"/>
+                <a:ext cx="102240" cy="18720"/>
+              </p14:xfrm>
+            </p:contentPart>
+          </mc:Choice>
+          <mc:Fallback>
+            <p:pic>
+              <p:nvPicPr>
+                <p:cNvPr id="11" name="Ink 10">
+                  <a:extLst>
+                    <a:ext uri="{FF2B5EF4-FFF2-40B4-BE49-F238E27FC236}">
+                      <a16:creationId xmlns:a16="http://schemas.microsoft.com/office/drawing/2014/main" id="{E428EFCA-771E-4A4E-A57B-55FCE0AD107A}"/>
+                    </a:ext>
+                  </a:extLst>
+                </p:cNvPr>
+                <p:cNvPicPr/>
+                <p:nvPr/>
+              </p:nvPicPr>
+              <p:blipFill>
+                <a:blip r:embed="rId13"/>
+                <a:stretch>
+                  <a:fillRect/>
+                </a:stretch>
+              </p:blipFill>
+              <p:spPr>
+                <a:xfrm>
+                  <a:off x="989569" y="2745259"/>
+                  <a:ext cx="119880" cy="36360"/>
+                </a:xfrm>
+                <a:prstGeom prst="rect">
+                  <a:avLst/>
+                </a:prstGeom>
+              </p:spPr>
+            </p:pic>
+          </mc:Fallback>
+        </mc:AlternateContent>
+        <mc:AlternateContent xmlns:mc="http://schemas.openxmlformats.org/markup-compatibility/2006">
+          <mc:Choice xmlns:p14="http://schemas.microsoft.com/office/powerpoint/2010/main" Requires="p14">
+            <p:contentPart p14:bwMode="auto" r:id="rId14">
+              <p14:nvContentPartPr>
+                <p14:cNvPr id="12" name="Ink 11">
+                  <a:extLst>
+                    <a:ext uri="{FF2B5EF4-FFF2-40B4-BE49-F238E27FC236}">
+                      <a16:creationId xmlns:a16="http://schemas.microsoft.com/office/drawing/2014/main" id="{4AB7E80D-3484-49E5-B76F-3417DB53BBDF}"/>
+                    </a:ext>
+                  </a:extLst>
+                </p14:cNvPr>
+                <p14:cNvContentPartPr/>
+                <p14:nvPr/>
+              </p14:nvContentPartPr>
+              <p14:xfrm>
+                <a:off x="897769" y="2792059"/>
+                <a:ext cx="204480" cy="399600"/>
+              </p14:xfrm>
+            </p:contentPart>
+          </mc:Choice>
+          <mc:Fallback>
+            <p:pic>
+              <p:nvPicPr>
+                <p:cNvPr id="12" name="Ink 11">
+                  <a:extLst>
+                    <a:ext uri="{FF2B5EF4-FFF2-40B4-BE49-F238E27FC236}">
+                      <a16:creationId xmlns:a16="http://schemas.microsoft.com/office/drawing/2014/main" id="{4AB7E80D-3484-49E5-B76F-3417DB53BBDF}"/>
+                    </a:ext>
+                  </a:extLst>
+                </p:cNvPr>
+                <p:cNvPicPr/>
+                <p:nvPr/>
+              </p:nvPicPr>
+              <p:blipFill>
+                <a:blip r:embed="rId15"/>
+                <a:stretch>
+                  <a:fillRect/>
+                </a:stretch>
+              </p:blipFill>
+              <p:spPr>
+                <a:xfrm>
+                  <a:off x="888769" y="2783059"/>
+                  <a:ext cx="222120" cy="417240"/>
+                </a:xfrm>
+                <a:prstGeom prst="rect">
+                  <a:avLst/>
+                </a:prstGeom>
+              </p:spPr>
+            </p:pic>
+          </mc:Fallback>
+        </mc:AlternateContent>
+      </p:grpSp>
+      <mc:AlternateContent xmlns:mc="http://schemas.openxmlformats.org/markup-compatibility/2006">
+        <mc:Choice xmlns:p14="http://schemas.microsoft.com/office/powerpoint/2010/main" Requires="p14">
+          <p:contentPart p14:bwMode="auto" r:id="rId16">
+            <p14:nvContentPartPr>
+              <p14:cNvPr id="14" name="Ink 13">
+                <a:extLst>
+                  <a:ext uri="{FF2B5EF4-FFF2-40B4-BE49-F238E27FC236}">
+                    <a16:creationId xmlns:a16="http://schemas.microsoft.com/office/drawing/2014/main" id="{9DD9CFFE-998B-4C52-856A-181859CBFAE4}"/>
+                  </a:ext>
+                </a:extLst>
+              </p14:cNvPr>
+              <p14:cNvContentPartPr/>
+              <p14:nvPr/>
+            </p14:nvContentPartPr>
+            <p14:xfrm>
+              <a:off x="1234369" y="3565339"/>
+              <a:ext cx="483480" cy="44280"/>
+            </p14:xfrm>
+          </p:contentPart>
+        </mc:Choice>
+        <mc:Fallback>
+          <p:pic>
+            <p:nvPicPr>
+              <p:cNvPr id="14" name="Ink 13">
+                <a:extLst>
+                  <a:ext uri="{FF2B5EF4-FFF2-40B4-BE49-F238E27FC236}">
+                    <a16:creationId xmlns:a16="http://schemas.microsoft.com/office/drawing/2014/main" id="{9DD9CFFE-998B-4C52-856A-181859CBFAE4}"/>
+                  </a:ext>
+                </a:extLst>
+              </p:cNvPr>
+              <p:cNvPicPr/>
+              <p:nvPr/>
+            </p:nvPicPr>
+            <p:blipFill>
+              <a:blip r:embed="rId17"/>
+              <a:stretch>
+                <a:fillRect/>
+              </a:stretch>
+            </p:blipFill>
+            <p:spPr>
+              <a:xfrm>
+                <a:off x="1225369" y="3556339"/>
+                <a:ext cx="501120" cy="61920"/>
+              </a:xfrm>
+              <a:prstGeom prst="rect">
+                <a:avLst/>
+              </a:prstGeom>
+            </p:spPr>
+          </p:pic>
+        </mc:Fallback>
+      </mc:AlternateContent>
+      <mc:AlternateContent xmlns:mc="http://schemas.openxmlformats.org/markup-compatibility/2006">
+        <mc:Choice xmlns:p14="http://schemas.microsoft.com/office/powerpoint/2010/main" Requires="p14">
+          <p:contentPart p14:bwMode="auto" r:id="rId18">
+            <p14:nvContentPartPr>
+              <p14:cNvPr id="15" name="Ink 14">
+                <a:extLst>
+                  <a:ext uri="{FF2B5EF4-FFF2-40B4-BE49-F238E27FC236}">
+                    <a16:creationId xmlns:a16="http://schemas.microsoft.com/office/drawing/2014/main" id="{5BD1FFAF-9DBC-4724-85D7-AE2DAE1A7BFF}"/>
+                  </a:ext>
+                </a:extLst>
+              </p14:cNvPr>
+              <p14:cNvContentPartPr/>
+              <p14:nvPr/>
+            </p14:nvContentPartPr>
+            <p14:xfrm>
+              <a:off x="2559169" y="3525379"/>
+              <a:ext cx="224280" cy="31320"/>
+            </p14:xfrm>
+          </p:contentPart>
+        </mc:Choice>
+        <mc:Fallback>
+          <p:pic>
+            <p:nvPicPr>
+              <p:cNvPr id="15" name="Ink 14">
+                <a:extLst>
+                  <a:ext uri="{FF2B5EF4-FFF2-40B4-BE49-F238E27FC236}">
+                    <a16:creationId xmlns:a16="http://schemas.microsoft.com/office/drawing/2014/main" id="{5BD1FFAF-9DBC-4724-85D7-AE2DAE1A7BFF}"/>
+                  </a:ext>
+                </a:extLst>
+              </p:cNvPr>
+              <p:cNvPicPr/>
+              <p:nvPr/>
+            </p:nvPicPr>
+            <p:blipFill>
+              <a:blip r:embed="rId19"/>
+              <a:stretch>
+                <a:fillRect/>
+              </a:stretch>
+            </p:blipFill>
+            <p:spPr>
+              <a:xfrm>
+                <a:off x="2550529" y="3516739"/>
+                <a:ext cx="241920" cy="48960"/>
+              </a:xfrm>
+              <a:prstGeom prst="rect">
+                <a:avLst/>
+              </a:prstGeom>
+            </p:spPr>
+          </p:pic>
+        </mc:Fallback>
+      </mc:AlternateContent>
+      <mc:AlternateContent xmlns:mc="http://schemas.openxmlformats.org/markup-compatibility/2006">
+        <mc:Choice xmlns:p14="http://schemas.microsoft.com/office/powerpoint/2010/main" Requires="p14">
+          <p:contentPart p14:bwMode="auto" r:id="rId20">
+            <p14:nvContentPartPr>
+              <p14:cNvPr id="16" name="Ink 15">
+                <a:extLst>
+                  <a:ext uri="{FF2B5EF4-FFF2-40B4-BE49-F238E27FC236}">
+                    <a16:creationId xmlns:a16="http://schemas.microsoft.com/office/drawing/2014/main" id="{33F918C2-85F7-4DD8-8F06-9E64403B14BC}"/>
+                  </a:ext>
+                </a:extLst>
+              </p14:cNvPr>
+              <p14:cNvContentPartPr/>
+              <p14:nvPr/>
+            </p14:nvContentPartPr>
+            <p14:xfrm>
+              <a:off x="4060369" y="3571099"/>
+              <a:ext cx="594360" cy="48240"/>
+            </p14:xfrm>
+          </p:contentPart>
+        </mc:Choice>
+        <mc:Fallback>
+          <p:pic>
+            <p:nvPicPr>
+              <p:cNvPr id="16" name="Ink 15">
+                <a:extLst>
+                  <a:ext uri="{FF2B5EF4-FFF2-40B4-BE49-F238E27FC236}">
+                    <a16:creationId xmlns:a16="http://schemas.microsoft.com/office/drawing/2014/main" id="{33F918C2-85F7-4DD8-8F06-9E64403B14BC}"/>
+                  </a:ext>
+                </a:extLst>
+              </p:cNvPr>
+              <p:cNvPicPr/>
+              <p:nvPr/>
+            </p:nvPicPr>
+            <p:blipFill>
+              <a:blip r:embed="rId21"/>
+              <a:stretch>
+                <a:fillRect/>
+              </a:stretch>
+            </p:blipFill>
+            <p:spPr>
+              <a:xfrm>
+                <a:off x="4051729" y="3562099"/>
+                <a:ext cx="612000" cy="65880"/>
+              </a:xfrm>
+              <a:prstGeom prst="rect">
+                <a:avLst/>
+              </a:prstGeom>
+            </p:spPr>
+          </p:pic>
+        </mc:Fallback>
+      </mc:AlternateContent>
+      <mc:AlternateContent xmlns:mc="http://schemas.openxmlformats.org/markup-compatibility/2006">
+        <mc:Choice xmlns:p14="http://schemas.microsoft.com/office/powerpoint/2010/main" Requires="p14">
+          <p:contentPart p14:bwMode="auto" r:id="rId22">
+            <p14:nvContentPartPr>
+              <p14:cNvPr id="17" name="Ink 16">
+                <a:extLst>
+                  <a:ext uri="{FF2B5EF4-FFF2-40B4-BE49-F238E27FC236}">
+                    <a16:creationId xmlns:a16="http://schemas.microsoft.com/office/drawing/2014/main" id="{EB6872AF-5F41-4340-BB3F-647A566F2AC2}"/>
+                  </a:ext>
+                </a:extLst>
+              </p14:cNvPr>
+              <p14:cNvContentPartPr/>
+              <p14:nvPr/>
+            </p14:nvContentPartPr>
+            <p14:xfrm>
+              <a:off x="1643329" y="3842899"/>
+              <a:ext cx="759600" cy="27360"/>
+            </p14:xfrm>
+          </p:contentPart>
+        </mc:Choice>
+        <mc:Fallback>
+          <p:pic>
+            <p:nvPicPr>
+              <p:cNvPr id="17" name="Ink 16">
+                <a:extLst>
+                  <a:ext uri="{FF2B5EF4-FFF2-40B4-BE49-F238E27FC236}">
+                    <a16:creationId xmlns:a16="http://schemas.microsoft.com/office/drawing/2014/main" id="{EB6872AF-5F41-4340-BB3F-647A566F2AC2}"/>
+                  </a:ext>
+                </a:extLst>
+              </p:cNvPr>
+              <p:cNvPicPr/>
+              <p:nvPr/>
+            </p:nvPicPr>
+            <p:blipFill>
+              <a:blip r:embed="rId23"/>
+              <a:stretch>
+                <a:fillRect/>
+              </a:stretch>
+            </p:blipFill>
+            <p:spPr>
+              <a:xfrm>
+                <a:off x="1634329" y="3834259"/>
+                <a:ext cx="777240" cy="45000"/>
+              </a:xfrm>
+              <a:prstGeom prst="rect">
+                <a:avLst/>
+              </a:prstGeom>
+            </p:spPr>
+          </p:pic>
+        </mc:Fallback>
+      </mc:AlternateContent>
+      <p:grpSp>
+        <p:nvGrpSpPr>
+          <p:cNvPr id="20" name="Group 19">
+            <a:extLst>
+              <a:ext uri="{FF2B5EF4-FFF2-40B4-BE49-F238E27FC236}">
+                <a16:creationId xmlns:a16="http://schemas.microsoft.com/office/drawing/2014/main" id="{4ADA43C1-0751-454B-B82D-91FEB8B05ADE}"/>
+              </a:ext>
+            </a:extLst>
+          </p:cNvPr>
+          <p:cNvGrpSpPr/>
+          <p:nvPr/>
+        </p:nvGrpSpPr>
+        <p:grpSpPr>
+          <a:xfrm>
+            <a:off x="1130329" y="3659659"/>
+            <a:ext cx="127080" cy="205560"/>
+            <a:chOff x="1130329" y="3659659"/>
+            <a:chExt cx="127080" cy="205560"/>
+          </a:xfrm>
+        </p:grpSpPr>
+        <mc:AlternateContent xmlns:mc="http://schemas.openxmlformats.org/markup-compatibility/2006">
+          <mc:Choice xmlns:p14="http://schemas.microsoft.com/office/powerpoint/2010/main" Requires="p14">
+            <p:contentPart p14:bwMode="auto" r:id="rId24">
+              <p14:nvContentPartPr>
+                <p14:cNvPr id="18" name="Ink 17">
+                  <a:extLst>
+                    <a:ext uri="{FF2B5EF4-FFF2-40B4-BE49-F238E27FC236}">
+                      <a16:creationId xmlns:a16="http://schemas.microsoft.com/office/drawing/2014/main" id="{D5D544AD-5A61-4D64-A831-6FDCDBE0D52E}"/>
+                    </a:ext>
+                  </a:extLst>
+                </p14:cNvPr>
+                <p14:cNvContentPartPr/>
+                <p14:nvPr/>
+              </p14:nvContentPartPr>
+              <p14:xfrm>
+                <a:off x="1165969" y="3668659"/>
+                <a:ext cx="50040" cy="196560"/>
+              </p14:xfrm>
+            </p:contentPart>
+          </mc:Choice>
+          <mc:Fallback>
+            <p:pic>
+              <p:nvPicPr>
+                <p:cNvPr id="18" name="Ink 17">
+                  <a:extLst>
+                    <a:ext uri="{FF2B5EF4-FFF2-40B4-BE49-F238E27FC236}">
+                      <a16:creationId xmlns:a16="http://schemas.microsoft.com/office/drawing/2014/main" id="{D5D544AD-5A61-4D64-A831-6FDCDBE0D52E}"/>
+                    </a:ext>
+                  </a:extLst>
+                </p:cNvPr>
+                <p:cNvPicPr/>
+                <p:nvPr/>
+              </p:nvPicPr>
+              <p:blipFill>
+                <a:blip r:embed="rId25"/>
+                <a:stretch>
+                  <a:fillRect/>
+                </a:stretch>
+              </p:blipFill>
+              <p:spPr>
+                <a:xfrm>
+                  <a:off x="1157329" y="3659659"/>
+                  <a:ext cx="67680" cy="214200"/>
+                </a:xfrm>
+                <a:prstGeom prst="rect">
+                  <a:avLst/>
+                </a:prstGeom>
+              </p:spPr>
+            </p:pic>
+          </mc:Fallback>
+        </mc:AlternateContent>
+        <mc:AlternateContent xmlns:mc="http://schemas.openxmlformats.org/markup-compatibility/2006">
+          <mc:Choice xmlns:p14="http://schemas.microsoft.com/office/powerpoint/2010/main" Requires="p14">
+            <p:contentPart p14:bwMode="auto" r:id="rId26">
+              <p14:nvContentPartPr>
+                <p14:cNvPr id="19" name="Ink 18">
+                  <a:extLst>
+                    <a:ext uri="{FF2B5EF4-FFF2-40B4-BE49-F238E27FC236}">
+                      <a16:creationId xmlns:a16="http://schemas.microsoft.com/office/drawing/2014/main" id="{28CC6A5B-68AF-4A48-A53E-911ECEEFC54F}"/>
+                    </a:ext>
+                  </a:extLst>
+                </p14:cNvPr>
+                <p14:cNvContentPartPr/>
+                <p14:nvPr/>
+              </p14:nvContentPartPr>
+              <p14:xfrm>
+                <a:off x="1130329" y="3659659"/>
+                <a:ext cx="127080" cy="72720"/>
+              </p14:xfrm>
+            </p:contentPart>
+          </mc:Choice>
+          <mc:Fallback>
+            <p:pic>
+              <p:nvPicPr>
+                <p:cNvPr id="19" name="Ink 18">
+                  <a:extLst>
+                    <a:ext uri="{FF2B5EF4-FFF2-40B4-BE49-F238E27FC236}">
+                      <a16:creationId xmlns:a16="http://schemas.microsoft.com/office/drawing/2014/main" id="{28CC6A5B-68AF-4A48-A53E-911ECEEFC54F}"/>
+                    </a:ext>
+                  </a:extLst>
+                </p:cNvPr>
+                <p:cNvPicPr/>
+                <p:nvPr/>
+              </p:nvPicPr>
+              <p:blipFill>
+                <a:blip r:embed="rId27"/>
+                <a:stretch>
+                  <a:fillRect/>
+                </a:stretch>
+              </p:blipFill>
+              <p:spPr>
+                <a:xfrm>
+                  <a:off x="1121689" y="3651019"/>
+                  <a:ext cx="144720" cy="90360"/>
+                </a:xfrm>
+                <a:prstGeom prst="rect">
+                  <a:avLst/>
+                </a:prstGeom>
+              </p:spPr>
+            </p:pic>
+          </mc:Fallback>
+        </mc:AlternateContent>
+      </p:grpSp>
+      <mc:AlternateContent xmlns:mc="http://schemas.openxmlformats.org/markup-compatibility/2006">
+        <mc:Choice xmlns:p14="http://schemas.microsoft.com/office/powerpoint/2010/main" Requires="p14">
+          <p:contentPart p14:bwMode="auto" r:id="rId28">
+            <p14:nvContentPartPr>
+              <p14:cNvPr id="53" name="Ink 52">
+                <a:extLst>
+                  <a:ext uri="{FF2B5EF4-FFF2-40B4-BE49-F238E27FC236}">
+                    <a16:creationId xmlns:a16="http://schemas.microsoft.com/office/drawing/2014/main" id="{5C2C3E26-3433-43B8-A7EA-0309AA4A7DEA}"/>
+                  </a:ext>
+                </a:extLst>
+              </p14:cNvPr>
+              <p14:cNvContentPartPr/>
+              <p14:nvPr/>
+            </p14:nvContentPartPr>
+            <p14:xfrm>
+              <a:off x="5073049" y="3968539"/>
+              <a:ext cx="321120" cy="112680"/>
+            </p14:xfrm>
+          </p:contentPart>
+        </mc:Choice>
+        <mc:Fallback>
+          <p:pic>
+            <p:nvPicPr>
+              <p:cNvPr id="53" name="Ink 52">
+                <a:extLst>
+                  <a:ext uri="{FF2B5EF4-FFF2-40B4-BE49-F238E27FC236}">
+                    <a16:creationId xmlns:a16="http://schemas.microsoft.com/office/drawing/2014/main" id="{5C2C3E26-3433-43B8-A7EA-0309AA4A7DEA}"/>
+                  </a:ext>
+                </a:extLst>
+              </p:cNvPr>
+              <p:cNvPicPr/>
+              <p:nvPr/>
+            </p:nvPicPr>
+            <p:blipFill>
+              <a:blip r:embed="rId29"/>
+              <a:stretch>
+                <a:fillRect/>
+              </a:stretch>
+            </p:blipFill>
+            <p:spPr>
+              <a:xfrm>
+                <a:off x="5064409" y="3959539"/>
+                <a:ext cx="338760" cy="130320"/>
+              </a:xfrm>
+              <a:prstGeom prst="rect">
+                <a:avLst/>
+              </a:prstGeom>
+            </p:spPr>
+          </p:pic>
+        </mc:Fallback>
+      </mc:AlternateContent>
+      <p:grpSp>
+        <p:nvGrpSpPr>
+          <p:cNvPr id="70" name="Group 69">
+            <a:extLst>
+              <a:ext uri="{FF2B5EF4-FFF2-40B4-BE49-F238E27FC236}">
+                <a16:creationId xmlns:a16="http://schemas.microsoft.com/office/drawing/2014/main" id="{2B2696CF-360C-42F2-866D-37F2DBBD80E3}"/>
+              </a:ext>
+            </a:extLst>
+          </p:cNvPr>
+          <p:cNvGrpSpPr/>
+          <p:nvPr/>
+        </p:nvGrpSpPr>
+        <p:grpSpPr>
+          <a:xfrm>
+            <a:off x="4118689" y="3918499"/>
+            <a:ext cx="803160" cy="332280"/>
+            <a:chOff x="4118689" y="3918499"/>
+            <a:chExt cx="803160" cy="332280"/>
+          </a:xfrm>
+        </p:grpSpPr>
+        <mc:AlternateContent xmlns:mc="http://schemas.openxmlformats.org/markup-compatibility/2006">
+          <mc:Choice xmlns:p14="http://schemas.microsoft.com/office/powerpoint/2010/main" Requires="p14">
+            <p:contentPart p14:bwMode="auto" r:id="rId30">
+              <p14:nvContentPartPr>
+                <p14:cNvPr id="64" name="Ink 63">
+                  <a:extLst>
+                    <a:ext uri="{FF2B5EF4-FFF2-40B4-BE49-F238E27FC236}">
+                      <a16:creationId xmlns:a16="http://schemas.microsoft.com/office/drawing/2014/main" id="{1E7B7A24-A139-4F0B-9BF2-EF244892956B}"/>
+                    </a:ext>
+                  </a:extLst>
+                </p14:cNvPr>
+                <p14:cNvContentPartPr/>
+                <p14:nvPr/>
+              </p14:nvContentPartPr>
+              <p14:xfrm>
+                <a:off x="4118689" y="3918499"/>
+                <a:ext cx="123840" cy="260280"/>
+              </p14:xfrm>
+            </p:contentPart>
+          </mc:Choice>
+          <mc:Fallback>
+            <p:pic>
+              <p:nvPicPr>
+                <p:cNvPr id="64" name="Ink 63">
+                  <a:extLst>
+                    <a:ext uri="{FF2B5EF4-FFF2-40B4-BE49-F238E27FC236}">
+                      <a16:creationId xmlns:a16="http://schemas.microsoft.com/office/drawing/2014/main" id="{1E7B7A24-A139-4F0B-9BF2-EF244892956B}"/>
+                    </a:ext>
+                  </a:extLst>
+                </p:cNvPr>
+                <p:cNvPicPr/>
+                <p:nvPr/>
+              </p:nvPicPr>
+              <p:blipFill>
+                <a:blip r:embed="rId31"/>
+                <a:stretch>
+                  <a:fillRect/>
+                </a:stretch>
+              </p:blipFill>
+              <p:spPr>
+                <a:xfrm>
+                  <a:off x="4110049" y="3909859"/>
+                  <a:ext cx="141480" cy="277920"/>
+                </a:xfrm>
+                <a:prstGeom prst="rect">
+                  <a:avLst/>
+                </a:prstGeom>
+              </p:spPr>
+            </p:pic>
+          </mc:Fallback>
+        </mc:AlternateContent>
+        <mc:AlternateContent xmlns:mc="http://schemas.openxmlformats.org/markup-compatibility/2006">
+          <mc:Choice xmlns:p14="http://schemas.microsoft.com/office/powerpoint/2010/main" Requires="p14">
+            <p:contentPart p14:bwMode="auto" r:id="rId32">
+              <p14:nvContentPartPr>
+                <p14:cNvPr id="65" name="Ink 64">
+                  <a:extLst>
+                    <a:ext uri="{FF2B5EF4-FFF2-40B4-BE49-F238E27FC236}">
+                      <a16:creationId xmlns:a16="http://schemas.microsoft.com/office/drawing/2014/main" id="{BA2DDE5E-C36A-4171-AAED-E68C38D1A738}"/>
+                    </a:ext>
+                  </a:extLst>
+                </p14:cNvPr>
+                <p14:cNvContentPartPr/>
+                <p14:nvPr/>
+              </p14:nvContentPartPr>
+              <p14:xfrm>
+                <a:off x="4260169" y="4066099"/>
+                <a:ext cx="107640" cy="93600"/>
+              </p14:xfrm>
+            </p:contentPart>
+          </mc:Choice>
+          <mc:Fallback>
+            <p:pic>
+              <p:nvPicPr>
+                <p:cNvPr id="65" name="Ink 64">
+                  <a:extLst>
+                    <a:ext uri="{FF2B5EF4-FFF2-40B4-BE49-F238E27FC236}">
+                      <a16:creationId xmlns:a16="http://schemas.microsoft.com/office/drawing/2014/main" id="{BA2DDE5E-C36A-4171-AAED-E68C38D1A738}"/>
+                    </a:ext>
+                  </a:extLst>
+                </p:cNvPr>
+                <p:cNvPicPr/>
+                <p:nvPr/>
+              </p:nvPicPr>
+              <p:blipFill>
+                <a:blip r:embed="rId33"/>
+                <a:stretch>
+                  <a:fillRect/>
+                </a:stretch>
+              </p:blipFill>
+              <p:spPr>
+                <a:xfrm>
+                  <a:off x="4251169" y="4057099"/>
+                  <a:ext cx="125280" cy="111240"/>
+                </a:xfrm>
+                <a:prstGeom prst="rect">
+                  <a:avLst/>
+                </a:prstGeom>
+              </p:spPr>
+            </p:pic>
+          </mc:Fallback>
+        </mc:AlternateContent>
+        <mc:AlternateContent xmlns:mc="http://schemas.openxmlformats.org/markup-compatibility/2006">
+          <mc:Choice xmlns:p14="http://schemas.microsoft.com/office/powerpoint/2010/main" Requires="p14">
+            <p:contentPart p14:bwMode="auto" r:id="rId34">
+              <p14:nvContentPartPr>
+                <p14:cNvPr id="66" name="Ink 65">
+                  <a:extLst>
+                    <a:ext uri="{FF2B5EF4-FFF2-40B4-BE49-F238E27FC236}">
+                      <a16:creationId xmlns:a16="http://schemas.microsoft.com/office/drawing/2014/main" id="{79AAB3F3-1603-4928-B8E5-B7F47E0937C8}"/>
+                    </a:ext>
+                  </a:extLst>
+                </p14:cNvPr>
+                <p14:cNvContentPartPr/>
+                <p14:nvPr/>
+              </p14:nvContentPartPr>
+              <p14:xfrm>
+                <a:off x="4395169" y="4053859"/>
+                <a:ext cx="143640" cy="104760"/>
+              </p14:xfrm>
+            </p:contentPart>
+          </mc:Choice>
+          <mc:Fallback>
+            <p:pic>
+              <p:nvPicPr>
+                <p:cNvPr id="66" name="Ink 65">
+                  <a:extLst>
+                    <a:ext uri="{FF2B5EF4-FFF2-40B4-BE49-F238E27FC236}">
+                      <a16:creationId xmlns:a16="http://schemas.microsoft.com/office/drawing/2014/main" id="{79AAB3F3-1603-4928-B8E5-B7F47E0937C8}"/>
+                    </a:ext>
+                  </a:extLst>
+                </p:cNvPr>
+                <p:cNvPicPr/>
+                <p:nvPr/>
+              </p:nvPicPr>
+              <p:blipFill>
+                <a:blip r:embed="rId35"/>
+                <a:stretch>
+                  <a:fillRect/>
+                </a:stretch>
+              </p:blipFill>
+              <p:spPr>
+                <a:xfrm>
+                  <a:off x="4386169" y="4045219"/>
+                  <a:ext cx="161280" cy="122400"/>
+                </a:xfrm>
+                <a:prstGeom prst="rect">
+                  <a:avLst/>
+                </a:prstGeom>
+              </p:spPr>
+            </p:pic>
+          </mc:Fallback>
+        </mc:AlternateContent>
+        <mc:AlternateContent xmlns:mc="http://schemas.openxmlformats.org/markup-compatibility/2006">
+          <mc:Choice xmlns:p14="http://schemas.microsoft.com/office/powerpoint/2010/main" Requires="p14">
+            <p:contentPart p14:bwMode="auto" r:id="rId36">
+              <p14:nvContentPartPr>
+                <p14:cNvPr id="67" name="Ink 66">
+                  <a:extLst>
+                    <a:ext uri="{FF2B5EF4-FFF2-40B4-BE49-F238E27FC236}">
+                      <a16:creationId xmlns:a16="http://schemas.microsoft.com/office/drawing/2014/main" id="{0FE0CB75-2155-4443-B96B-8A30A699F16A}"/>
+                    </a:ext>
+                  </a:extLst>
+                </p14:cNvPr>
+                <p14:cNvContentPartPr/>
+                <p14:nvPr/>
+              </p14:nvContentPartPr>
+              <p14:xfrm>
+                <a:off x="4547449" y="3923899"/>
+                <a:ext cx="110880" cy="186840"/>
+              </p14:xfrm>
+            </p:contentPart>
+          </mc:Choice>
+          <mc:Fallback>
+            <p:pic>
+              <p:nvPicPr>
+                <p:cNvPr id="67" name="Ink 66">
+                  <a:extLst>
+                    <a:ext uri="{FF2B5EF4-FFF2-40B4-BE49-F238E27FC236}">
+                      <a16:creationId xmlns:a16="http://schemas.microsoft.com/office/drawing/2014/main" id="{0FE0CB75-2155-4443-B96B-8A30A699F16A}"/>
+                    </a:ext>
+                  </a:extLst>
+                </p:cNvPr>
+                <p:cNvPicPr/>
+                <p:nvPr/>
+              </p:nvPicPr>
+              <p:blipFill>
+                <a:blip r:embed="rId37"/>
+                <a:stretch>
+                  <a:fillRect/>
+                </a:stretch>
+              </p:blipFill>
+              <p:spPr>
+                <a:xfrm>
+                  <a:off x="4538449" y="3915259"/>
+                  <a:ext cx="128520" cy="204480"/>
+                </a:xfrm>
+                <a:prstGeom prst="rect">
+                  <a:avLst/>
+                </a:prstGeom>
+              </p:spPr>
+            </p:pic>
+          </mc:Fallback>
+        </mc:AlternateContent>
+        <mc:AlternateContent xmlns:mc="http://schemas.openxmlformats.org/markup-compatibility/2006">
+          <mc:Choice xmlns:p14="http://schemas.microsoft.com/office/powerpoint/2010/main" Requires="p14">
+            <p:contentPart p14:bwMode="auto" r:id="rId38">
+              <p14:nvContentPartPr>
+                <p14:cNvPr id="68" name="Ink 67">
+                  <a:extLst>
+                    <a:ext uri="{FF2B5EF4-FFF2-40B4-BE49-F238E27FC236}">
+                      <a16:creationId xmlns:a16="http://schemas.microsoft.com/office/drawing/2014/main" id="{64E47B9A-55A5-4040-AA5B-632E1F874484}"/>
+                    </a:ext>
+                  </a:extLst>
+                </p14:cNvPr>
+                <p14:cNvContentPartPr/>
+                <p14:nvPr/>
+              </p14:nvContentPartPr>
+              <p14:xfrm>
+                <a:off x="4660489" y="4022539"/>
+                <a:ext cx="145800" cy="90360"/>
+              </p14:xfrm>
+            </p:contentPart>
+          </mc:Choice>
+          <mc:Fallback>
+            <p:pic>
+              <p:nvPicPr>
+                <p:cNvPr id="68" name="Ink 67">
+                  <a:extLst>
+                    <a:ext uri="{FF2B5EF4-FFF2-40B4-BE49-F238E27FC236}">
+                      <a16:creationId xmlns:a16="http://schemas.microsoft.com/office/drawing/2014/main" id="{64E47B9A-55A5-4040-AA5B-632E1F874484}"/>
+                    </a:ext>
+                  </a:extLst>
+                </p:cNvPr>
+                <p:cNvPicPr/>
+                <p:nvPr/>
+              </p:nvPicPr>
+              <p:blipFill>
+                <a:blip r:embed="rId39"/>
+                <a:stretch>
+                  <a:fillRect/>
+                </a:stretch>
+              </p:blipFill>
+              <p:spPr>
+                <a:xfrm>
+                  <a:off x="4651489" y="4013539"/>
+                  <a:ext cx="163440" cy="108000"/>
+                </a:xfrm>
+                <a:prstGeom prst="rect">
+                  <a:avLst/>
+                </a:prstGeom>
+              </p:spPr>
+            </p:pic>
+          </mc:Fallback>
+        </mc:AlternateContent>
+        <mc:AlternateContent xmlns:mc="http://schemas.openxmlformats.org/markup-compatibility/2006">
+          <mc:Choice xmlns:p14="http://schemas.microsoft.com/office/powerpoint/2010/main" Requires="p14">
+            <p:contentPart p14:bwMode="auto" r:id="rId40">
+              <p14:nvContentPartPr>
+                <p14:cNvPr id="69" name="Ink 68">
+                  <a:extLst>
+                    <a:ext uri="{FF2B5EF4-FFF2-40B4-BE49-F238E27FC236}">
+                      <a16:creationId xmlns:a16="http://schemas.microsoft.com/office/drawing/2014/main" id="{FFA3E4EB-12BD-43E5-A7C0-C8ECC7DE1ECA}"/>
+                    </a:ext>
+                  </a:extLst>
+                </p14:cNvPr>
+                <p14:cNvContentPartPr/>
+                <p14:nvPr/>
+              </p14:nvContentPartPr>
+              <p14:xfrm>
+                <a:off x="4781449" y="4050259"/>
+                <a:ext cx="140400" cy="200520"/>
+              </p14:xfrm>
+            </p:contentPart>
+          </mc:Choice>
+          <mc:Fallback>
+            <p:pic>
+              <p:nvPicPr>
+                <p:cNvPr id="69" name="Ink 68">
+                  <a:extLst>
+                    <a:ext uri="{FF2B5EF4-FFF2-40B4-BE49-F238E27FC236}">
+                      <a16:creationId xmlns:a16="http://schemas.microsoft.com/office/drawing/2014/main" id="{FFA3E4EB-12BD-43E5-A7C0-C8ECC7DE1ECA}"/>
+                    </a:ext>
+                  </a:extLst>
+                </p:cNvPr>
+                <p:cNvPicPr/>
+                <p:nvPr/>
+              </p:nvPicPr>
+              <p:blipFill>
+                <a:blip r:embed="rId41"/>
+                <a:stretch>
+                  <a:fillRect/>
+                </a:stretch>
+              </p:blipFill>
+              <p:spPr>
+                <a:xfrm>
+                  <a:off x="4772449" y="4041259"/>
+                  <a:ext cx="158040" cy="218160"/>
+                </a:xfrm>
+                <a:prstGeom prst="rect">
+                  <a:avLst/>
+                </a:prstGeom>
+              </p:spPr>
+            </p:pic>
+          </mc:Fallback>
+        </mc:AlternateContent>
+      </p:grpSp>
+      <p:grpSp>
+        <p:nvGrpSpPr>
+          <p:cNvPr id="81" name="Group 80">
+            <a:extLst>
+              <a:ext uri="{FF2B5EF4-FFF2-40B4-BE49-F238E27FC236}">
+                <a16:creationId xmlns:a16="http://schemas.microsoft.com/office/drawing/2014/main" id="{9F92EA77-F0C8-4725-86AE-BF897B93865E}"/>
+              </a:ext>
+            </a:extLst>
+          </p:cNvPr>
+          <p:cNvGrpSpPr/>
+          <p:nvPr/>
+        </p:nvGrpSpPr>
+        <p:grpSpPr>
+          <a:xfrm>
+            <a:off x="4128769" y="4325299"/>
+            <a:ext cx="981000" cy="802440"/>
+            <a:chOff x="4128769" y="4325299"/>
+            <a:chExt cx="981000" cy="802440"/>
+          </a:xfrm>
+        </p:grpSpPr>
+        <mc:AlternateContent xmlns:mc="http://schemas.openxmlformats.org/markup-compatibility/2006">
+          <mc:Choice xmlns:p14="http://schemas.microsoft.com/office/powerpoint/2010/main" Requires="p14">
+            <p:contentPart p14:bwMode="auto" r:id="rId42">
+              <p14:nvContentPartPr>
+                <p14:cNvPr id="55" name="Ink 54">
+                  <a:extLst>
+                    <a:ext uri="{FF2B5EF4-FFF2-40B4-BE49-F238E27FC236}">
+                      <a16:creationId xmlns:a16="http://schemas.microsoft.com/office/drawing/2014/main" id="{AB62F1A3-9308-4976-8057-CDC800F64AD6}"/>
+                    </a:ext>
+                  </a:extLst>
+                </p14:cNvPr>
+                <p14:cNvContentPartPr/>
+                <p14:nvPr/>
+              </p14:nvContentPartPr>
+              <p14:xfrm>
+                <a:off x="4247209" y="4865659"/>
+                <a:ext cx="30960" cy="209880"/>
+              </p14:xfrm>
+            </p:contentPart>
+          </mc:Choice>
+          <mc:Fallback>
+            <p:pic>
+              <p:nvPicPr>
+                <p:cNvPr id="55" name="Ink 54">
+                  <a:extLst>
+                    <a:ext uri="{FF2B5EF4-FFF2-40B4-BE49-F238E27FC236}">
+                      <a16:creationId xmlns:a16="http://schemas.microsoft.com/office/drawing/2014/main" id="{AB62F1A3-9308-4976-8057-CDC800F64AD6}"/>
+                    </a:ext>
+                  </a:extLst>
+                </p:cNvPr>
+                <p:cNvPicPr/>
+                <p:nvPr/>
+              </p:nvPicPr>
+              <p:blipFill>
+                <a:blip r:embed="rId43"/>
+                <a:stretch>
+                  <a:fillRect/>
+                </a:stretch>
+              </p:blipFill>
+              <p:spPr>
+                <a:xfrm>
+                  <a:off x="4238209" y="4857019"/>
+                  <a:ext cx="48600" cy="227520"/>
+                </a:xfrm>
+                <a:prstGeom prst="rect">
+                  <a:avLst/>
+                </a:prstGeom>
+              </p:spPr>
+            </p:pic>
+          </mc:Fallback>
+        </mc:AlternateContent>
+        <mc:AlternateContent xmlns:mc="http://schemas.openxmlformats.org/markup-compatibility/2006">
+          <mc:Choice xmlns:p14="http://schemas.microsoft.com/office/powerpoint/2010/main" Requires="p14">
+            <p:contentPart p14:bwMode="auto" r:id="rId44">
+              <p14:nvContentPartPr>
+                <p14:cNvPr id="56" name="Ink 55">
+                  <a:extLst>
+                    <a:ext uri="{FF2B5EF4-FFF2-40B4-BE49-F238E27FC236}">
+                      <a16:creationId xmlns:a16="http://schemas.microsoft.com/office/drawing/2014/main" id="{A2405AE4-0FB2-4B89-8AD9-47EAB5B39ACA}"/>
+                    </a:ext>
+                  </a:extLst>
+                </p14:cNvPr>
+                <p14:cNvContentPartPr/>
+                <p14:nvPr/>
+              </p14:nvContentPartPr>
+              <p14:xfrm>
+                <a:off x="4357009" y="4882939"/>
+                <a:ext cx="128160" cy="127080"/>
+              </p14:xfrm>
+            </p:contentPart>
+          </mc:Choice>
+          <mc:Fallback>
+            <p:pic>
+              <p:nvPicPr>
+                <p:cNvPr id="56" name="Ink 55">
+                  <a:extLst>
+                    <a:ext uri="{FF2B5EF4-FFF2-40B4-BE49-F238E27FC236}">
+                      <a16:creationId xmlns:a16="http://schemas.microsoft.com/office/drawing/2014/main" id="{A2405AE4-0FB2-4B89-8AD9-47EAB5B39ACA}"/>
+                    </a:ext>
+                  </a:extLst>
+                </p:cNvPr>
+                <p:cNvPicPr/>
+                <p:nvPr/>
+              </p:nvPicPr>
+              <p:blipFill>
+                <a:blip r:embed="rId45"/>
+                <a:stretch>
+                  <a:fillRect/>
+                </a:stretch>
+              </p:blipFill>
+              <p:spPr>
+                <a:xfrm>
+                  <a:off x="4348009" y="4874299"/>
+                  <a:ext cx="145800" cy="144720"/>
+                </a:xfrm>
+                <a:prstGeom prst="rect">
+                  <a:avLst/>
+                </a:prstGeom>
+              </p:spPr>
+            </p:pic>
+          </mc:Fallback>
+        </mc:AlternateContent>
+        <mc:AlternateContent xmlns:mc="http://schemas.openxmlformats.org/markup-compatibility/2006">
+          <mc:Choice xmlns:p14="http://schemas.microsoft.com/office/powerpoint/2010/main" Requires="p14">
+            <p:contentPart p14:bwMode="auto" r:id="rId46">
+              <p14:nvContentPartPr>
+                <p14:cNvPr id="57" name="Ink 56">
+                  <a:extLst>
+                    <a:ext uri="{FF2B5EF4-FFF2-40B4-BE49-F238E27FC236}">
+                      <a16:creationId xmlns:a16="http://schemas.microsoft.com/office/drawing/2014/main" id="{8912C9D4-E6E3-4407-8A6B-E1364C15DAF6}"/>
+                    </a:ext>
+                  </a:extLst>
+                </p14:cNvPr>
+                <p14:cNvContentPartPr/>
+                <p14:nvPr/>
+              </p14:nvContentPartPr>
+              <p14:xfrm>
+                <a:off x="4496329" y="4887619"/>
+                <a:ext cx="78480" cy="118800"/>
+              </p14:xfrm>
+            </p:contentPart>
+          </mc:Choice>
+          <mc:Fallback>
+            <p:pic>
+              <p:nvPicPr>
+                <p:cNvPr id="57" name="Ink 56">
+                  <a:extLst>
+                    <a:ext uri="{FF2B5EF4-FFF2-40B4-BE49-F238E27FC236}">
+                      <a16:creationId xmlns:a16="http://schemas.microsoft.com/office/drawing/2014/main" id="{8912C9D4-E6E3-4407-8A6B-E1364C15DAF6}"/>
+                    </a:ext>
+                  </a:extLst>
+                </p:cNvPr>
+                <p:cNvPicPr/>
+                <p:nvPr/>
+              </p:nvPicPr>
+              <p:blipFill>
+                <a:blip r:embed="rId47"/>
+                <a:stretch>
+                  <a:fillRect/>
+                </a:stretch>
+              </p:blipFill>
+              <p:spPr>
+                <a:xfrm>
+                  <a:off x="4487689" y="4878619"/>
+                  <a:ext cx="96120" cy="136440"/>
+                </a:xfrm>
+                <a:prstGeom prst="rect">
+                  <a:avLst/>
+                </a:prstGeom>
+              </p:spPr>
+            </p:pic>
+          </mc:Fallback>
+        </mc:AlternateContent>
+        <mc:AlternateContent xmlns:mc="http://schemas.openxmlformats.org/markup-compatibility/2006">
+          <mc:Choice xmlns:p14="http://schemas.microsoft.com/office/powerpoint/2010/main" Requires="p14">
+            <p:contentPart p14:bwMode="auto" r:id="rId48">
+              <p14:nvContentPartPr>
+                <p14:cNvPr id="58" name="Ink 57">
+                  <a:extLst>
+                    <a:ext uri="{FF2B5EF4-FFF2-40B4-BE49-F238E27FC236}">
+                      <a16:creationId xmlns:a16="http://schemas.microsoft.com/office/drawing/2014/main" id="{E0EDD7F4-3C06-4B2E-A517-30323E7F4A6A}"/>
+                    </a:ext>
+                  </a:extLst>
+                </p14:cNvPr>
+                <p14:cNvContentPartPr/>
+                <p14:nvPr/>
+              </p14:nvContentPartPr>
+              <p14:xfrm>
+                <a:off x="4128769" y="4776019"/>
+                <a:ext cx="488880" cy="21600"/>
+              </p14:xfrm>
+            </p:contentPart>
+          </mc:Choice>
+          <mc:Fallback>
+            <p:pic>
+              <p:nvPicPr>
+                <p:cNvPr id="58" name="Ink 57">
+                  <a:extLst>
+                    <a:ext uri="{FF2B5EF4-FFF2-40B4-BE49-F238E27FC236}">
+                      <a16:creationId xmlns:a16="http://schemas.microsoft.com/office/drawing/2014/main" id="{E0EDD7F4-3C06-4B2E-A517-30323E7F4A6A}"/>
+                    </a:ext>
+                  </a:extLst>
+                </p:cNvPr>
+                <p:cNvPicPr/>
+                <p:nvPr/>
+              </p:nvPicPr>
+              <p:blipFill>
+                <a:blip r:embed="rId49"/>
+                <a:stretch>
+                  <a:fillRect/>
+                </a:stretch>
+              </p:blipFill>
+              <p:spPr>
+                <a:xfrm>
+                  <a:off x="4119769" y="4767379"/>
+                  <a:ext cx="506520" cy="39240"/>
+                </a:xfrm>
+                <a:prstGeom prst="rect">
+                  <a:avLst/>
+                </a:prstGeom>
+              </p:spPr>
+            </p:pic>
+          </mc:Fallback>
+        </mc:AlternateContent>
+        <mc:AlternateContent xmlns:mc="http://schemas.openxmlformats.org/markup-compatibility/2006">
+          <mc:Choice xmlns:p14="http://schemas.microsoft.com/office/powerpoint/2010/main" Requires="p14">
+            <p:contentPart p14:bwMode="auto" r:id="rId50">
+              <p14:nvContentPartPr>
+                <p14:cNvPr id="60" name="Ink 59">
+                  <a:extLst>
+                    <a:ext uri="{FF2B5EF4-FFF2-40B4-BE49-F238E27FC236}">
+                      <a16:creationId xmlns:a16="http://schemas.microsoft.com/office/drawing/2014/main" id="{AEA9649E-4C22-429C-8AD6-4A289F470A58}"/>
+                    </a:ext>
+                  </a:extLst>
+                </p14:cNvPr>
+                <p14:cNvContentPartPr/>
+                <p14:nvPr/>
+              </p14:nvContentPartPr>
+              <p14:xfrm>
+                <a:off x="4237849" y="4480099"/>
+                <a:ext cx="113400" cy="59760"/>
+              </p14:xfrm>
+            </p:contentPart>
+          </mc:Choice>
+          <mc:Fallback>
+            <p:pic>
+              <p:nvPicPr>
+                <p:cNvPr id="60" name="Ink 59">
+                  <a:extLst>
+                    <a:ext uri="{FF2B5EF4-FFF2-40B4-BE49-F238E27FC236}">
+                      <a16:creationId xmlns:a16="http://schemas.microsoft.com/office/drawing/2014/main" id="{AEA9649E-4C22-429C-8AD6-4A289F470A58}"/>
+                    </a:ext>
+                  </a:extLst>
+                </p:cNvPr>
+                <p:cNvPicPr/>
+                <p:nvPr/>
+              </p:nvPicPr>
+              <p:blipFill>
+                <a:blip r:embed="rId51"/>
+                <a:stretch>
+                  <a:fillRect/>
+                </a:stretch>
+              </p:blipFill>
+              <p:spPr>
+                <a:xfrm>
+                  <a:off x="4229209" y="4471099"/>
+                  <a:ext cx="131040" cy="77400"/>
+                </a:xfrm>
+                <a:prstGeom prst="rect">
+                  <a:avLst/>
+                </a:prstGeom>
+              </p:spPr>
+            </p:pic>
+          </mc:Fallback>
+        </mc:AlternateContent>
+        <mc:AlternateContent xmlns:mc="http://schemas.openxmlformats.org/markup-compatibility/2006">
+          <mc:Choice xmlns:p14="http://schemas.microsoft.com/office/powerpoint/2010/main" Requires="p14">
+            <p:contentPart p14:bwMode="auto" r:id="rId52">
+              <p14:nvContentPartPr>
+                <p14:cNvPr id="61" name="Ink 60">
+                  <a:extLst>
+                    <a:ext uri="{FF2B5EF4-FFF2-40B4-BE49-F238E27FC236}">
+                      <a16:creationId xmlns:a16="http://schemas.microsoft.com/office/drawing/2014/main" id="{BDFE3324-F863-4DF7-94A8-F1B2AAD3BEAF}"/>
+                    </a:ext>
+                  </a:extLst>
+                </p14:cNvPr>
+                <p14:cNvContentPartPr/>
+                <p14:nvPr/>
+              </p14:nvContentPartPr>
+              <p14:xfrm>
+                <a:off x="4308049" y="4647859"/>
+                <a:ext cx="30600" cy="25560"/>
+              </p14:xfrm>
+            </p:contentPart>
+          </mc:Choice>
+          <mc:Fallback>
+            <p:pic>
+              <p:nvPicPr>
+                <p:cNvPr id="61" name="Ink 60">
+                  <a:extLst>
+                    <a:ext uri="{FF2B5EF4-FFF2-40B4-BE49-F238E27FC236}">
+                      <a16:creationId xmlns:a16="http://schemas.microsoft.com/office/drawing/2014/main" id="{BDFE3324-F863-4DF7-94A8-F1B2AAD3BEAF}"/>
+                    </a:ext>
+                  </a:extLst>
+                </p:cNvPr>
+                <p:cNvPicPr/>
+                <p:nvPr/>
+              </p:nvPicPr>
+              <p:blipFill>
+                <a:blip r:embed="rId53"/>
+                <a:stretch>
+                  <a:fillRect/>
+                </a:stretch>
+              </p:blipFill>
+              <p:spPr>
+                <a:xfrm>
+                  <a:off x="4299409" y="4638859"/>
+                  <a:ext cx="48240" cy="43200"/>
+                </a:xfrm>
+                <a:prstGeom prst="rect">
+                  <a:avLst/>
+                </a:prstGeom>
+              </p:spPr>
+            </p:pic>
+          </mc:Fallback>
+        </mc:AlternateContent>
+        <mc:AlternateContent xmlns:mc="http://schemas.openxmlformats.org/markup-compatibility/2006">
+          <mc:Choice xmlns:p14="http://schemas.microsoft.com/office/powerpoint/2010/main" Requires="p14">
+            <p:contentPart p14:bwMode="auto" r:id="rId54">
+              <p14:nvContentPartPr>
+                <p14:cNvPr id="62" name="Ink 61">
+                  <a:extLst>
+                    <a:ext uri="{FF2B5EF4-FFF2-40B4-BE49-F238E27FC236}">
+                      <a16:creationId xmlns:a16="http://schemas.microsoft.com/office/drawing/2014/main" id="{D463412D-0338-4127-AF68-093CB7264E70}"/>
+                    </a:ext>
+                  </a:extLst>
+                </p14:cNvPr>
+                <p14:cNvContentPartPr/>
+                <p14:nvPr/>
+              </p14:nvContentPartPr>
+              <p14:xfrm>
+                <a:off x="4426489" y="4457419"/>
+                <a:ext cx="79560" cy="162360"/>
+              </p14:xfrm>
+            </p:contentPart>
+          </mc:Choice>
+          <mc:Fallback>
+            <p:pic>
+              <p:nvPicPr>
+                <p:cNvPr id="62" name="Ink 61">
+                  <a:extLst>
+                    <a:ext uri="{FF2B5EF4-FFF2-40B4-BE49-F238E27FC236}">
+                      <a16:creationId xmlns:a16="http://schemas.microsoft.com/office/drawing/2014/main" id="{D463412D-0338-4127-AF68-093CB7264E70}"/>
+                    </a:ext>
+                  </a:extLst>
+                </p:cNvPr>
+                <p:cNvPicPr/>
+                <p:nvPr/>
+              </p:nvPicPr>
+              <p:blipFill>
+                <a:blip r:embed="rId55"/>
+                <a:stretch>
+                  <a:fillRect/>
+                </a:stretch>
+              </p:blipFill>
+              <p:spPr>
+                <a:xfrm>
+                  <a:off x="4417489" y="4448779"/>
+                  <a:ext cx="97200" cy="180000"/>
+                </a:xfrm>
+                <a:prstGeom prst="rect">
+                  <a:avLst/>
+                </a:prstGeom>
+              </p:spPr>
+            </p:pic>
+          </mc:Fallback>
+        </mc:AlternateContent>
+        <mc:AlternateContent xmlns:mc="http://schemas.openxmlformats.org/markup-compatibility/2006">
+          <mc:Choice xmlns:p14="http://schemas.microsoft.com/office/powerpoint/2010/main" Requires="p14">
+            <p:contentPart p14:bwMode="auto" r:id="rId56">
+              <p14:nvContentPartPr>
+                <p14:cNvPr id="80" name="Ink 79">
+                  <a:extLst>
+                    <a:ext uri="{FF2B5EF4-FFF2-40B4-BE49-F238E27FC236}">
+                      <a16:creationId xmlns:a16="http://schemas.microsoft.com/office/drawing/2014/main" id="{97233878-03DE-4C3B-9FF8-71A40E3D6763}"/>
+                    </a:ext>
+                  </a:extLst>
+                </p14:cNvPr>
+                <p14:cNvContentPartPr/>
+                <p14:nvPr/>
+              </p14:nvContentPartPr>
+              <p14:xfrm>
+                <a:off x="4768129" y="4325299"/>
+                <a:ext cx="341640" cy="802440"/>
+              </p14:xfrm>
+            </p:contentPart>
+          </mc:Choice>
+          <mc:Fallback>
+            <p:pic>
+              <p:nvPicPr>
+                <p:cNvPr id="80" name="Ink 79">
+                  <a:extLst>
+                    <a:ext uri="{FF2B5EF4-FFF2-40B4-BE49-F238E27FC236}">
+                      <a16:creationId xmlns:a16="http://schemas.microsoft.com/office/drawing/2014/main" id="{97233878-03DE-4C3B-9FF8-71A40E3D6763}"/>
+                    </a:ext>
+                  </a:extLst>
+                </p:cNvPr>
+                <p:cNvPicPr/>
+                <p:nvPr/>
+              </p:nvPicPr>
+              <p:blipFill>
+                <a:blip r:embed="rId57"/>
+                <a:stretch>
+                  <a:fillRect/>
+                </a:stretch>
+              </p:blipFill>
+              <p:spPr>
+                <a:xfrm>
+                  <a:off x="4759489" y="4316299"/>
+                  <a:ext cx="359280" cy="820080"/>
+                </a:xfrm>
+                <a:prstGeom prst="rect">
+                  <a:avLst/>
+                </a:prstGeom>
+              </p:spPr>
+            </p:pic>
+          </mc:Fallback>
+        </mc:AlternateContent>
+      </p:grpSp>
+      <p:grpSp>
+        <p:nvGrpSpPr>
+          <p:cNvPr id="85" name="Group 84">
+            <a:extLst>
+              <a:ext uri="{FF2B5EF4-FFF2-40B4-BE49-F238E27FC236}">
+                <a16:creationId xmlns:a16="http://schemas.microsoft.com/office/drawing/2014/main" id="{37B68B11-8CEF-4CFC-B43D-0F1B82ED1B4C}"/>
+              </a:ext>
+            </a:extLst>
+          </p:cNvPr>
+          <p:cNvGrpSpPr/>
+          <p:nvPr/>
+        </p:nvGrpSpPr>
+        <p:grpSpPr>
+          <a:xfrm>
+            <a:off x="5700169" y="4158259"/>
+            <a:ext cx="1554840" cy="465120"/>
+            <a:chOff x="5700169" y="4158259"/>
+            <a:chExt cx="1554840" cy="465120"/>
+          </a:xfrm>
+        </p:grpSpPr>
+        <mc:AlternateContent xmlns:mc="http://schemas.openxmlformats.org/markup-compatibility/2006">
+          <mc:Choice xmlns:p14="http://schemas.microsoft.com/office/powerpoint/2010/main" Requires="p14">
+            <p:contentPart p14:bwMode="auto" r:id="rId58">
+              <p14:nvContentPartPr>
+                <p14:cNvPr id="71" name="Ink 70">
+                  <a:extLst>
+                    <a:ext uri="{FF2B5EF4-FFF2-40B4-BE49-F238E27FC236}">
+                      <a16:creationId xmlns:a16="http://schemas.microsoft.com/office/drawing/2014/main" id="{4B079C8A-B449-4ACF-8E5E-9FFE957106C8}"/>
+                    </a:ext>
+                  </a:extLst>
+                </p14:cNvPr>
+                <p14:cNvContentPartPr/>
+                <p14:nvPr/>
+              </p14:nvContentPartPr>
+              <p14:xfrm>
+                <a:off x="5955409" y="4176619"/>
+                <a:ext cx="189000" cy="324360"/>
+              </p14:xfrm>
+            </p:contentPart>
+          </mc:Choice>
+          <mc:Fallback>
+            <p:pic>
+              <p:nvPicPr>
+                <p:cNvPr id="71" name="Ink 70">
+                  <a:extLst>
+                    <a:ext uri="{FF2B5EF4-FFF2-40B4-BE49-F238E27FC236}">
+                      <a16:creationId xmlns:a16="http://schemas.microsoft.com/office/drawing/2014/main" id="{4B079C8A-B449-4ACF-8E5E-9FFE957106C8}"/>
+                    </a:ext>
+                  </a:extLst>
+                </p:cNvPr>
+                <p:cNvPicPr/>
+                <p:nvPr/>
+              </p:nvPicPr>
+              <p:blipFill>
+                <a:blip r:embed="rId59"/>
+                <a:stretch>
+                  <a:fillRect/>
+                </a:stretch>
+              </p:blipFill>
+              <p:spPr>
+                <a:xfrm>
+                  <a:off x="5946409" y="4167979"/>
+                  <a:ext cx="206640" cy="342000"/>
+                </a:xfrm>
+                <a:prstGeom prst="rect">
+                  <a:avLst/>
+                </a:prstGeom>
+              </p:spPr>
+            </p:pic>
+          </mc:Fallback>
+        </mc:AlternateContent>
+        <mc:AlternateContent xmlns:mc="http://schemas.openxmlformats.org/markup-compatibility/2006">
+          <mc:Choice xmlns:p14="http://schemas.microsoft.com/office/powerpoint/2010/main" Requires="p14">
+            <p:contentPart p14:bwMode="auto" r:id="rId60">
+              <p14:nvContentPartPr>
+                <p14:cNvPr id="72" name="Ink 71">
+                  <a:extLst>
+                    <a:ext uri="{FF2B5EF4-FFF2-40B4-BE49-F238E27FC236}">
+                      <a16:creationId xmlns:a16="http://schemas.microsoft.com/office/drawing/2014/main" id="{B22ACEC9-E856-4483-A084-891B4B914DBA}"/>
+                    </a:ext>
+                  </a:extLst>
+                </p14:cNvPr>
+                <p14:cNvContentPartPr/>
+                <p14:nvPr/>
+              </p14:nvContentPartPr>
+              <p14:xfrm>
+                <a:off x="6194809" y="4158259"/>
+                <a:ext cx="56160" cy="293400"/>
+              </p14:xfrm>
+            </p:contentPart>
+          </mc:Choice>
+          <mc:Fallback>
+            <p:pic>
+              <p:nvPicPr>
+                <p:cNvPr id="72" name="Ink 71">
+                  <a:extLst>
+                    <a:ext uri="{FF2B5EF4-FFF2-40B4-BE49-F238E27FC236}">
+                      <a16:creationId xmlns:a16="http://schemas.microsoft.com/office/drawing/2014/main" id="{B22ACEC9-E856-4483-A084-891B4B914DBA}"/>
+                    </a:ext>
+                  </a:extLst>
+                </p:cNvPr>
+                <p:cNvPicPr/>
+                <p:nvPr/>
+              </p:nvPicPr>
+              <p:blipFill>
+                <a:blip r:embed="rId61"/>
+                <a:stretch>
+                  <a:fillRect/>
+                </a:stretch>
+              </p:blipFill>
+              <p:spPr>
+                <a:xfrm>
+                  <a:off x="6186169" y="4149619"/>
+                  <a:ext cx="73800" cy="311040"/>
+                </a:xfrm>
+                <a:prstGeom prst="rect">
+                  <a:avLst/>
+                </a:prstGeom>
+              </p:spPr>
+            </p:pic>
+          </mc:Fallback>
+        </mc:AlternateContent>
+        <mc:AlternateContent xmlns:mc="http://schemas.openxmlformats.org/markup-compatibility/2006">
+          <mc:Choice xmlns:p14="http://schemas.microsoft.com/office/powerpoint/2010/main" Requires="p14">
+            <p:contentPart p14:bwMode="auto" r:id="rId62">
+              <p14:nvContentPartPr>
+                <p14:cNvPr id="73" name="Ink 72">
+                  <a:extLst>
+                    <a:ext uri="{FF2B5EF4-FFF2-40B4-BE49-F238E27FC236}">
+                      <a16:creationId xmlns:a16="http://schemas.microsoft.com/office/drawing/2014/main" id="{37DCFD54-28B6-4DD6-B1CB-88A4C1FC697A}"/>
+                    </a:ext>
+                  </a:extLst>
+                </p14:cNvPr>
+                <p14:cNvContentPartPr/>
+                <p14:nvPr/>
+              </p14:nvContentPartPr>
+              <p14:xfrm>
+                <a:off x="6346009" y="4277059"/>
+                <a:ext cx="117720" cy="275400"/>
+              </p14:xfrm>
+            </p:contentPart>
+          </mc:Choice>
+          <mc:Fallback>
+            <p:pic>
+              <p:nvPicPr>
+                <p:cNvPr id="73" name="Ink 72">
+                  <a:extLst>
+                    <a:ext uri="{FF2B5EF4-FFF2-40B4-BE49-F238E27FC236}">
+                      <a16:creationId xmlns:a16="http://schemas.microsoft.com/office/drawing/2014/main" id="{37DCFD54-28B6-4DD6-B1CB-88A4C1FC697A}"/>
+                    </a:ext>
+                  </a:extLst>
+                </p:cNvPr>
+                <p:cNvPicPr/>
+                <p:nvPr/>
+              </p:nvPicPr>
+              <p:blipFill>
+                <a:blip r:embed="rId63"/>
+                <a:stretch>
+                  <a:fillRect/>
+                </a:stretch>
+              </p:blipFill>
+              <p:spPr>
+                <a:xfrm>
+                  <a:off x="6337009" y="4268419"/>
+                  <a:ext cx="135360" cy="293040"/>
+                </a:xfrm>
+                <a:prstGeom prst="rect">
+                  <a:avLst/>
+                </a:prstGeom>
+              </p:spPr>
+            </p:pic>
+          </mc:Fallback>
+        </mc:AlternateContent>
+        <mc:AlternateContent xmlns:mc="http://schemas.openxmlformats.org/markup-compatibility/2006">
+          <mc:Choice xmlns:p14="http://schemas.microsoft.com/office/powerpoint/2010/main" Requires="p14">
+            <p:contentPart p14:bwMode="auto" r:id="rId64">
+              <p14:nvContentPartPr>
+                <p14:cNvPr id="74" name="Ink 73">
+                  <a:extLst>
+                    <a:ext uri="{FF2B5EF4-FFF2-40B4-BE49-F238E27FC236}">
+                      <a16:creationId xmlns:a16="http://schemas.microsoft.com/office/drawing/2014/main" id="{A64E0553-6E75-4CC3-96DF-9E9C6E7CE942}"/>
+                    </a:ext>
+                  </a:extLst>
+                </p14:cNvPr>
+                <p14:cNvContentPartPr/>
+                <p14:nvPr/>
+              </p14:nvContentPartPr>
+              <p14:xfrm>
+                <a:off x="6597289" y="4198219"/>
+                <a:ext cx="155880" cy="277560"/>
+              </p14:xfrm>
+            </p:contentPart>
+          </mc:Choice>
+          <mc:Fallback>
+            <p:pic>
+              <p:nvPicPr>
+                <p:cNvPr id="74" name="Ink 73">
+                  <a:extLst>
+                    <a:ext uri="{FF2B5EF4-FFF2-40B4-BE49-F238E27FC236}">
+                      <a16:creationId xmlns:a16="http://schemas.microsoft.com/office/drawing/2014/main" id="{A64E0553-6E75-4CC3-96DF-9E9C6E7CE942}"/>
+                    </a:ext>
+                  </a:extLst>
+                </p:cNvPr>
+                <p:cNvPicPr/>
+                <p:nvPr/>
+              </p:nvPicPr>
+              <p:blipFill>
+                <a:blip r:embed="rId65"/>
+                <a:stretch>
+                  <a:fillRect/>
+                </a:stretch>
+              </p:blipFill>
+              <p:spPr>
+                <a:xfrm>
+                  <a:off x="6588649" y="4189219"/>
+                  <a:ext cx="173520" cy="295200"/>
+                </a:xfrm>
+                <a:prstGeom prst="rect">
+                  <a:avLst/>
+                </a:prstGeom>
+              </p:spPr>
+            </p:pic>
+          </mc:Fallback>
+        </mc:AlternateContent>
+        <mc:AlternateContent xmlns:mc="http://schemas.openxmlformats.org/markup-compatibility/2006">
+          <mc:Choice xmlns:p14="http://schemas.microsoft.com/office/powerpoint/2010/main" Requires="p14">
+            <p:contentPart p14:bwMode="auto" r:id="rId66">
+              <p14:nvContentPartPr>
+                <p14:cNvPr id="75" name="Ink 74">
+                  <a:extLst>
+                    <a:ext uri="{FF2B5EF4-FFF2-40B4-BE49-F238E27FC236}">
+                      <a16:creationId xmlns:a16="http://schemas.microsoft.com/office/drawing/2014/main" id="{EB4085E9-61AF-447B-9E22-C34F438E6251}"/>
+                    </a:ext>
+                  </a:extLst>
+                </p14:cNvPr>
+                <p14:cNvContentPartPr/>
+                <p14:nvPr/>
+              </p14:nvContentPartPr>
+              <p14:xfrm>
+                <a:off x="6851089" y="4316299"/>
+                <a:ext cx="360000" cy="161640"/>
+              </p14:xfrm>
+            </p:contentPart>
+          </mc:Choice>
+          <mc:Fallback>
+            <p:pic>
+              <p:nvPicPr>
+                <p:cNvPr id="75" name="Ink 74">
+                  <a:extLst>
+                    <a:ext uri="{FF2B5EF4-FFF2-40B4-BE49-F238E27FC236}">
+                      <a16:creationId xmlns:a16="http://schemas.microsoft.com/office/drawing/2014/main" id="{EB4085E9-61AF-447B-9E22-C34F438E6251}"/>
+                    </a:ext>
+                  </a:extLst>
+                </p:cNvPr>
+                <p:cNvPicPr/>
+                <p:nvPr/>
+              </p:nvPicPr>
+              <p:blipFill>
+                <a:blip r:embed="rId67"/>
+                <a:stretch>
+                  <a:fillRect/>
+                </a:stretch>
+              </p:blipFill>
+              <p:spPr>
+                <a:xfrm>
+                  <a:off x="6842089" y="4307299"/>
+                  <a:ext cx="377640" cy="179280"/>
+                </a:xfrm>
+                <a:prstGeom prst="rect">
+                  <a:avLst/>
+                </a:prstGeom>
+              </p:spPr>
+            </p:pic>
+          </mc:Fallback>
+        </mc:AlternateContent>
+        <mc:AlternateContent xmlns:mc="http://schemas.openxmlformats.org/markup-compatibility/2006">
+          <mc:Choice xmlns:p14="http://schemas.microsoft.com/office/powerpoint/2010/main" Requires="p14">
+            <p:contentPart p14:bwMode="auto" r:id="rId68">
+              <p14:nvContentPartPr>
+                <p14:cNvPr id="82" name="Ink 81">
+                  <a:extLst>
+                    <a:ext uri="{FF2B5EF4-FFF2-40B4-BE49-F238E27FC236}">
+                      <a16:creationId xmlns:a16="http://schemas.microsoft.com/office/drawing/2014/main" id="{246EA9B0-173C-4290-BFED-3947459878A7}"/>
+                    </a:ext>
+                  </a:extLst>
+                </p14:cNvPr>
+                <p14:cNvContentPartPr/>
+                <p14:nvPr/>
+              </p14:nvContentPartPr>
+              <p14:xfrm>
+                <a:off x="5700169" y="4486219"/>
+                <a:ext cx="1554840" cy="137160"/>
+              </p14:xfrm>
+            </p:contentPart>
+          </mc:Choice>
+          <mc:Fallback>
+            <p:pic>
+              <p:nvPicPr>
+                <p:cNvPr id="82" name="Ink 81">
+                  <a:extLst>
+                    <a:ext uri="{FF2B5EF4-FFF2-40B4-BE49-F238E27FC236}">
+                      <a16:creationId xmlns:a16="http://schemas.microsoft.com/office/drawing/2014/main" id="{246EA9B0-173C-4290-BFED-3947459878A7}"/>
+                    </a:ext>
+                  </a:extLst>
+                </p:cNvPr>
+                <p:cNvPicPr/>
+                <p:nvPr/>
+              </p:nvPicPr>
+              <p:blipFill>
+                <a:blip r:embed="rId69"/>
+                <a:stretch>
+                  <a:fillRect/>
+                </a:stretch>
+              </p:blipFill>
+              <p:spPr>
+                <a:xfrm>
+                  <a:off x="5691169" y="4477579"/>
+                  <a:ext cx="1572480" cy="154800"/>
+                </a:xfrm>
+                <a:prstGeom prst="rect">
+                  <a:avLst/>
+                </a:prstGeom>
+              </p:spPr>
+            </p:pic>
+          </mc:Fallback>
+        </mc:AlternateContent>
+      </p:grpSp>
+      <mc:AlternateContent xmlns:mc="http://schemas.openxmlformats.org/markup-compatibility/2006">
+        <mc:Choice xmlns:p14="http://schemas.microsoft.com/office/powerpoint/2010/main" Requires="p14">
+          <p:contentPart p14:bwMode="auto" r:id="rId70">
+            <p14:nvContentPartPr>
+              <p14:cNvPr id="83" name="Ink 82">
+                <a:extLst>
+                  <a:ext uri="{FF2B5EF4-FFF2-40B4-BE49-F238E27FC236}">
+                    <a16:creationId xmlns:a16="http://schemas.microsoft.com/office/drawing/2014/main" id="{A642B61D-86D8-43E6-BC8B-1FCF3788B807}"/>
+                  </a:ext>
+                </a:extLst>
+              </p14:cNvPr>
+              <p14:cNvContentPartPr/>
+              <p14:nvPr/>
+            </p14:nvContentPartPr>
+            <p14:xfrm>
+              <a:off x="2758969" y="5051419"/>
+              <a:ext cx="343800" cy="68760"/>
+            </p14:xfrm>
+          </p:contentPart>
+        </mc:Choice>
+        <mc:Fallback>
+          <p:pic>
+            <p:nvPicPr>
+              <p:cNvPr id="83" name="Ink 82">
+                <a:extLst>
+                  <a:ext uri="{FF2B5EF4-FFF2-40B4-BE49-F238E27FC236}">
+                    <a16:creationId xmlns:a16="http://schemas.microsoft.com/office/drawing/2014/main" id="{A642B61D-86D8-43E6-BC8B-1FCF3788B807}"/>
+                  </a:ext>
+                </a:extLst>
+              </p:cNvPr>
+              <p:cNvPicPr/>
+              <p:nvPr/>
+            </p:nvPicPr>
+            <p:blipFill>
+              <a:blip r:embed="rId71"/>
+              <a:stretch>
+                <a:fillRect/>
+              </a:stretch>
+            </p:blipFill>
+            <p:spPr>
+              <a:xfrm>
+                <a:off x="2749969" y="5042419"/>
+                <a:ext cx="361440" cy="86400"/>
+              </a:xfrm>
+              <a:prstGeom prst="rect">
+                <a:avLst/>
+              </a:prstGeom>
+            </p:spPr>
+          </p:pic>
+        </mc:Fallback>
+      </mc:AlternateContent>
+      <p:grpSp>
+        <p:nvGrpSpPr>
+          <p:cNvPr id="87" name="Group 86">
+            <a:extLst>
+              <a:ext uri="{FF2B5EF4-FFF2-40B4-BE49-F238E27FC236}">
+                <a16:creationId xmlns:a16="http://schemas.microsoft.com/office/drawing/2014/main" id="{2C1E2FD1-69D8-4233-9D86-E7F92C01CF30}"/>
+              </a:ext>
+            </a:extLst>
+          </p:cNvPr>
+          <p:cNvGrpSpPr/>
+          <p:nvPr/>
+        </p:nvGrpSpPr>
+        <p:grpSpPr>
+          <a:xfrm>
+            <a:off x="2386729" y="3889699"/>
+            <a:ext cx="1408320" cy="1214280"/>
+            <a:chOff x="2386729" y="3889699"/>
+            <a:chExt cx="1408320" cy="1214280"/>
+          </a:xfrm>
+        </p:grpSpPr>
+        <mc:AlternateContent xmlns:mc="http://schemas.openxmlformats.org/markup-compatibility/2006">
+          <mc:Choice xmlns:p14="http://schemas.microsoft.com/office/powerpoint/2010/main" Requires="p14">
+            <p:contentPart p14:bwMode="auto" r:id="rId72">
+              <p14:nvContentPartPr>
+                <p14:cNvPr id="21" name="Ink 20">
+                  <a:extLst>
+                    <a:ext uri="{FF2B5EF4-FFF2-40B4-BE49-F238E27FC236}">
+                      <a16:creationId xmlns:a16="http://schemas.microsoft.com/office/drawing/2014/main" id="{48071994-4936-43BD-B983-9BEFD539CDD9}"/>
+                    </a:ext>
+                  </a:extLst>
+                </p14:cNvPr>
+                <p14:cNvContentPartPr/>
+                <p14:nvPr/>
+              </p14:nvContentPartPr>
+              <p14:xfrm>
+                <a:off x="3741049" y="3943699"/>
+                <a:ext cx="54000" cy="1150560"/>
+              </p14:xfrm>
+            </p:contentPart>
+          </mc:Choice>
+          <mc:Fallback>
+            <p:pic>
+              <p:nvPicPr>
+                <p:cNvPr id="21" name="Ink 20">
+                  <a:extLst>
+                    <a:ext uri="{FF2B5EF4-FFF2-40B4-BE49-F238E27FC236}">
+                      <a16:creationId xmlns:a16="http://schemas.microsoft.com/office/drawing/2014/main" id="{48071994-4936-43BD-B983-9BEFD539CDD9}"/>
+                    </a:ext>
+                  </a:extLst>
+                </p:cNvPr>
+                <p:cNvPicPr/>
+                <p:nvPr/>
+              </p:nvPicPr>
+              <p:blipFill>
+                <a:blip r:embed="rId73"/>
+                <a:stretch>
+                  <a:fillRect/>
+                </a:stretch>
+              </p:blipFill>
+              <p:spPr>
+                <a:xfrm>
+                  <a:off x="3732409" y="3935059"/>
+                  <a:ext cx="71640" cy="1168200"/>
+                </a:xfrm>
+                <a:prstGeom prst="rect">
+                  <a:avLst/>
+                </a:prstGeom>
+              </p:spPr>
+            </p:pic>
+          </mc:Fallback>
+        </mc:AlternateContent>
+        <mc:AlternateContent xmlns:mc="http://schemas.openxmlformats.org/markup-compatibility/2006">
+          <mc:Choice xmlns:p14="http://schemas.microsoft.com/office/powerpoint/2010/main" Requires="p14">
+            <p:contentPart p14:bwMode="auto" r:id="rId74">
+              <p14:nvContentPartPr>
+                <p14:cNvPr id="22" name="Ink 21">
+                  <a:extLst>
+                    <a:ext uri="{FF2B5EF4-FFF2-40B4-BE49-F238E27FC236}">
+                      <a16:creationId xmlns:a16="http://schemas.microsoft.com/office/drawing/2014/main" id="{8D10C657-7793-4997-AF6D-7B4E618F9B97}"/>
+                    </a:ext>
+                  </a:extLst>
+                </p14:cNvPr>
+                <p14:cNvContentPartPr/>
+                <p14:nvPr/>
+              </p14:nvContentPartPr>
+              <p14:xfrm>
+                <a:off x="2447569" y="3969259"/>
+                <a:ext cx="13320" cy="2160"/>
+              </p14:xfrm>
+            </p:contentPart>
+          </mc:Choice>
+          <mc:Fallback>
+            <p:pic>
+              <p:nvPicPr>
+                <p:cNvPr id="22" name="Ink 21">
+                  <a:extLst>
+                    <a:ext uri="{FF2B5EF4-FFF2-40B4-BE49-F238E27FC236}">
+                      <a16:creationId xmlns:a16="http://schemas.microsoft.com/office/drawing/2014/main" id="{8D10C657-7793-4997-AF6D-7B4E618F9B97}"/>
+                    </a:ext>
+                  </a:extLst>
+                </p:cNvPr>
+                <p:cNvPicPr/>
+                <p:nvPr/>
+              </p:nvPicPr>
+              <p:blipFill>
+                <a:blip r:embed="rId75"/>
+                <a:stretch>
+                  <a:fillRect/>
+                </a:stretch>
+              </p:blipFill>
+              <p:spPr>
+                <a:xfrm>
+                  <a:off x="2438569" y="3960259"/>
+                  <a:ext cx="30960" cy="19800"/>
+                </a:xfrm>
+                <a:prstGeom prst="rect">
+                  <a:avLst/>
+                </a:prstGeom>
+              </p:spPr>
+            </p:pic>
+          </mc:Fallback>
+        </mc:AlternateContent>
+        <mc:AlternateContent xmlns:mc="http://schemas.openxmlformats.org/markup-compatibility/2006">
+          <mc:Choice xmlns:p14="http://schemas.microsoft.com/office/powerpoint/2010/main" Requires="p14">
+            <p:contentPart p14:bwMode="auto" r:id="rId76">
+              <p14:nvContentPartPr>
+                <p14:cNvPr id="23" name="Ink 22">
+                  <a:extLst>
+                    <a:ext uri="{FF2B5EF4-FFF2-40B4-BE49-F238E27FC236}">
+                      <a16:creationId xmlns:a16="http://schemas.microsoft.com/office/drawing/2014/main" id="{B6C6F38B-AA6E-4C95-A9C5-6194BE6C32ED}"/>
+                    </a:ext>
+                  </a:extLst>
+                </p14:cNvPr>
+                <p14:cNvContentPartPr/>
+                <p14:nvPr/>
+              </p14:nvContentPartPr>
+              <p14:xfrm>
+                <a:off x="2477809" y="3951259"/>
+                <a:ext cx="9720" cy="1080"/>
+              </p14:xfrm>
+            </p:contentPart>
+          </mc:Choice>
+          <mc:Fallback>
+            <p:pic>
+              <p:nvPicPr>
+                <p:cNvPr id="23" name="Ink 22">
+                  <a:extLst>
+                    <a:ext uri="{FF2B5EF4-FFF2-40B4-BE49-F238E27FC236}">
+                      <a16:creationId xmlns:a16="http://schemas.microsoft.com/office/drawing/2014/main" id="{B6C6F38B-AA6E-4C95-A9C5-6194BE6C32ED}"/>
+                    </a:ext>
+                  </a:extLst>
+                </p:cNvPr>
+                <p:cNvPicPr/>
+                <p:nvPr/>
+              </p:nvPicPr>
+              <p:blipFill>
+                <a:blip r:embed="rId77"/>
+                <a:stretch>
+                  <a:fillRect/>
+                </a:stretch>
+              </p:blipFill>
+              <p:spPr>
+                <a:xfrm>
+                  <a:off x="2468809" y="3942259"/>
+                  <a:ext cx="27360" cy="18720"/>
+                </a:xfrm>
+                <a:prstGeom prst="rect">
+                  <a:avLst/>
+                </a:prstGeom>
+              </p:spPr>
+            </p:pic>
+          </mc:Fallback>
+        </mc:AlternateContent>
+        <mc:AlternateContent xmlns:mc="http://schemas.openxmlformats.org/markup-compatibility/2006">
+          <mc:Choice xmlns:p14="http://schemas.microsoft.com/office/powerpoint/2010/main" Requires="p14">
+            <p:contentPart p14:bwMode="auto" r:id="rId78">
+              <p14:nvContentPartPr>
+                <p14:cNvPr id="24" name="Ink 23">
+                  <a:extLst>
+                    <a:ext uri="{FF2B5EF4-FFF2-40B4-BE49-F238E27FC236}">
+                      <a16:creationId xmlns:a16="http://schemas.microsoft.com/office/drawing/2014/main" id="{7E9BA153-FA4B-47DA-A3E8-2F2B258E41A0}"/>
+                    </a:ext>
+                  </a:extLst>
+                </p14:cNvPr>
+                <p14:cNvContentPartPr/>
+                <p14:nvPr/>
+              </p14:nvContentPartPr>
+              <p14:xfrm>
+                <a:off x="2386729" y="3930739"/>
+                <a:ext cx="123480" cy="152640"/>
+              </p14:xfrm>
+            </p:contentPart>
+          </mc:Choice>
+          <mc:Fallback>
+            <p:pic>
+              <p:nvPicPr>
+                <p:cNvPr id="24" name="Ink 23">
+                  <a:extLst>
+                    <a:ext uri="{FF2B5EF4-FFF2-40B4-BE49-F238E27FC236}">
+                      <a16:creationId xmlns:a16="http://schemas.microsoft.com/office/drawing/2014/main" id="{7E9BA153-FA4B-47DA-A3E8-2F2B258E41A0}"/>
+                    </a:ext>
+                  </a:extLst>
+                </p:cNvPr>
+                <p:cNvPicPr/>
+                <p:nvPr/>
+              </p:nvPicPr>
+              <p:blipFill>
+                <a:blip r:embed="rId79"/>
+                <a:stretch>
+                  <a:fillRect/>
+                </a:stretch>
+              </p:blipFill>
+              <p:spPr>
+                <a:xfrm>
+                  <a:off x="2377729" y="3921739"/>
+                  <a:ext cx="141120" cy="170280"/>
+                </a:xfrm>
+                <a:prstGeom prst="rect">
+                  <a:avLst/>
+                </a:prstGeom>
+              </p:spPr>
+            </p:pic>
+          </mc:Fallback>
+        </mc:AlternateContent>
+        <mc:AlternateContent xmlns:mc="http://schemas.openxmlformats.org/markup-compatibility/2006">
+          <mc:Choice xmlns:p14="http://schemas.microsoft.com/office/powerpoint/2010/main" Requires="p14">
+            <p:contentPart p14:bwMode="auto" r:id="rId80">
+              <p14:nvContentPartPr>
+                <p14:cNvPr id="25" name="Ink 24">
+                  <a:extLst>
+                    <a:ext uri="{FF2B5EF4-FFF2-40B4-BE49-F238E27FC236}">
+                      <a16:creationId xmlns:a16="http://schemas.microsoft.com/office/drawing/2014/main" id="{E05A13B5-A054-4F06-B842-2F783C565060}"/>
+                    </a:ext>
+                  </a:extLst>
+                </p14:cNvPr>
+                <p14:cNvContentPartPr/>
+                <p14:nvPr/>
+              </p14:nvContentPartPr>
+              <p14:xfrm>
+                <a:off x="2599129" y="3889699"/>
+                <a:ext cx="150120" cy="26280"/>
+              </p14:xfrm>
+            </p:contentPart>
+          </mc:Choice>
+          <mc:Fallback>
+            <p:pic>
+              <p:nvPicPr>
+                <p:cNvPr id="25" name="Ink 24">
+                  <a:extLst>
+                    <a:ext uri="{FF2B5EF4-FFF2-40B4-BE49-F238E27FC236}">
+                      <a16:creationId xmlns:a16="http://schemas.microsoft.com/office/drawing/2014/main" id="{E05A13B5-A054-4F06-B842-2F783C565060}"/>
+                    </a:ext>
+                  </a:extLst>
+                </p:cNvPr>
+                <p:cNvPicPr/>
+                <p:nvPr/>
+              </p:nvPicPr>
+              <p:blipFill>
+                <a:blip r:embed="rId81"/>
+                <a:stretch>
+                  <a:fillRect/>
+                </a:stretch>
+              </p:blipFill>
+              <p:spPr>
+                <a:xfrm>
+                  <a:off x="2590129" y="3881059"/>
+                  <a:ext cx="167760" cy="43920"/>
+                </a:xfrm>
+                <a:prstGeom prst="rect">
+                  <a:avLst/>
+                </a:prstGeom>
+              </p:spPr>
+            </p:pic>
+          </mc:Fallback>
+        </mc:AlternateContent>
+        <mc:AlternateContent xmlns:mc="http://schemas.openxmlformats.org/markup-compatibility/2006">
+          <mc:Choice xmlns:p14="http://schemas.microsoft.com/office/powerpoint/2010/main" Requires="p14">
+            <p:contentPart p14:bwMode="auto" r:id="rId82">
+              <p14:nvContentPartPr>
+                <p14:cNvPr id="26" name="Ink 25">
+                  <a:extLst>
+                    <a:ext uri="{FF2B5EF4-FFF2-40B4-BE49-F238E27FC236}">
+                      <a16:creationId xmlns:a16="http://schemas.microsoft.com/office/drawing/2014/main" id="{70B76294-A006-4E56-BB9D-DCB886ABBEDD}"/>
+                    </a:ext>
+                  </a:extLst>
+                </p14:cNvPr>
+                <p14:cNvContentPartPr/>
+                <p14:nvPr/>
+              </p14:nvContentPartPr>
+              <p14:xfrm>
+                <a:off x="2650609" y="3891499"/>
+                <a:ext cx="96120" cy="229320"/>
+              </p14:xfrm>
+            </p:contentPart>
+          </mc:Choice>
+          <mc:Fallback>
+            <p:pic>
+              <p:nvPicPr>
+                <p:cNvPr id="26" name="Ink 25">
+                  <a:extLst>
+                    <a:ext uri="{FF2B5EF4-FFF2-40B4-BE49-F238E27FC236}">
+                      <a16:creationId xmlns:a16="http://schemas.microsoft.com/office/drawing/2014/main" id="{70B76294-A006-4E56-BB9D-DCB886ABBEDD}"/>
+                    </a:ext>
+                  </a:extLst>
+                </p:cNvPr>
+                <p:cNvPicPr/>
+                <p:nvPr/>
+              </p:nvPicPr>
+              <p:blipFill>
+                <a:blip r:embed="rId83"/>
+                <a:stretch>
+                  <a:fillRect/>
+                </a:stretch>
+              </p:blipFill>
+              <p:spPr>
+                <a:xfrm>
+                  <a:off x="2641609" y="3882859"/>
+                  <a:ext cx="113760" cy="246960"/>
+                </a:xfrm>
+                <a:prstGeom prst="rect">
+                  <a:avLst/>
+                </a:prstGeom>
+              </p:spPr>
+            </p:pic>
+          </mc:Fallback>
+        </mc:AlternateContent>
+        <mc:AlternateContent xmlns:mc="http://schemas.openxmlformats.org/markup-compatibility/2006">
+          <mc:Choice xmlns:p14="http://schemas.microsoft.com/office/powerpoint/2010/main" Requires="p14">
+            <p:contentPart p14:bwMode="auto" r:id="rId84">
+              <p14:nvContentPartPr>
+                <p14:cNvPr id="27" name="Ink 26">
+                  <a:extLst>
+                    <a:ext uri="{FF2B5EF4-FFF2-40B4-BE49-F238E27FC236}">
+                      <a16:creationId xmlns:a16="http://schemas.microsoft.com/office/drawing/2014/main" id="{1398CDB8-879D-4FC7-9672-9728B25E4299}"/>
+                    </a:ext>
+                  </a:extLst>
+                </p14:cNvPr>
+                <p14:cNvContentPartPr/>
+                <p14:nvPr/>
+              </p14:nvContentPartPr>
+              <p14:xfrm>
+                <a:off x="2811169" y="3972139"/>
+                <a:ext cx="142560" cy="181440"/>
+              </p14:xfrm>
+            </p:contentPart>
+          </mc:Choice>
+          <mc:Fallback>
+            <p:pic>
+              <p:nvPicPr>
+                <p:cNvPr id="27" name="Ink 26">
+                  <a:extLst>
+                    <a:ext uri="{FF2B5EF4-FFF2-40B4-BE49-F238E27FC236}">
+                      <a16:creationId xmlns:a16="http://schemas.microsoft.com/office/drawing/2014/main" id="{1398CDB8-879D-4FC7-9672-9728B25E4299}"/>
+                    </a:ext>
+                  </a:extLst>
+                </p:cNvPr>
+                <p:cNvPicPr/>
+                <p:nvPr/>
+              </p:nvPicPr>
+              <p:blipFill>
+                <a:blip r:embed="rId85"/>
+                <a:stretch>
+                  <a:fillRect/>
+                </a:stretch>
+              </p:blipFill>
+              <p:spPr>
+                <a:xfrm>
+                  <a:off x="2802169" y="3963139"/>
+                  <a:ext cx="160200" cy="199080"/>
+                </a:xfrm>
+                <a:prstGeom prst="rect">
+                  <a:avLst/>
+                </a:prstGeom>
+              </p:spPr>
+            </p:pic>
+          </mc:Fallback>
+        </mc:AlternateContent>
+        <mc:AlternateContent xmlns:mc="http://schemas.openxmlformats.org/markup-compatibility/2006">
+          <mc:Choice xmlns:p14="http://schemas.microsoft.com/office/powerpoint/2010/main" Requires="p14">
+            <p:contentPart p14:bwMode="auto" r:id="rId86">
+              <p14:nvContentPartPr>
+                <p14:cNvPr id="28" name="Ink 27">
+                  <a:extLst>
+                    <a:ext uri="{FF2B5EF4-FFF2-40B4-BE49-F238E27FC236}">
+                      <a16:creationId xmlns:a16="http://schemas.microsoft.com/office/drawing/2014/main" id="{9358AB21-18F0-428A-9EB5-F7DC797FA674}"/>
+                    </a:ext>
+                  </a:extLst>
+                </p14:cNvPr>
+                <p14:cNvContentPartPr/>
+                <p14:nvPr/>
+              </p14:nvContentPartPr>
+              <p14:xfrm>
+                <a:off x="2974609" y="4020379"/>
+                <a:ext cx="86400" cy="108720"/>
+              </p14:xfrm>
+            </p:contentPart>
+          </mc:Choice>
+          <mc:Fallback>
+            <p:pic>
+              <p:nvPicPr>
+                <p:cNvPr id="28" name="Ink 27">
+                  <a:extLst>
+                    <a:ext uri="{FF2B5EF4-FFF2-40B4-BE49-F238E27FC236}">
+                      <a16:creationId xmlns:a16="http://schemas.microsoft.com/office/drawing/2014/main" id="{9358AB21-18F0-428A-9EB5-F7DC797FA674}"/>
+                    </a:ext>
+                  </a:extLst>
+                </p:cNvPr>
+                <p:cNvPicPr/>
+                <p:nvPr/>
+              </p:nvPicPr>
+              <p:blipFill>
+                <a:blip r:embed="rId87"/>
+                <a:stretch>
+                  <a:fillRect/>
+                </a:stretch>
+              </p:blipFill>
+              <p:spPr>
+                <a:xfrm>
+                  <a:off x="2965609" y="4011379"/>
+                  <a:ext cx="104040" cy="126360"/>
+                </a:xfrm>
+                <a:prstGeom prst="rect">
+                  <a:avLst/>
+                </a:prstGeom>
+              </p:spPr>
+            </p:pic>
+          </mc:Fallback>
+        </mc:AlternateContent>
+        <mc:AlternateContent xmlns:mc="http://schemas.openxmlformats.org/markup-compatibility/2006">
+          <mc:Choice xmlns:p14="http://schemas.microsoft.com/office/powerpoint/2010/main" Requires="p14">
+            <p:contentPart p14:bwMode="auto" r:id="rId88">
+              <p14:nvContentPartPr>
+                <p14:cNvPr id="29" name="Ink 28">
+                  <a:extLst>
+                    <a:ext uri="{FF2B5EF4-FFF2-40B4-BE49-F238E27FC236}">
+                      <a16:creationId xmlns:a16="http://schemas.microsoft.com/office/drawing/2014/main" id="{6AD95B26-0AA9-4179-BF1A-27C14E599D24}"/>
+                    </a:ext>
+                  </a:extLst>
+                </p14:cNvPr>
+                <p14:cNvContentPartPr/>
+                <p14:nvPr/>
+              </p14:nvContentPartPr>
+              <p14:xfrm>
+                <a:off x="3079009" y="4020379"/>
+                <a:ext cx="42480" cy="88560"/>
+              </p14:xfrm>
+            </p:contentPart>
+          </mc:Choice>
+          <mc:Fallback>
+            <p:pic>
+              <p:nvPicPr>
+                <p:cNvPr id="29" name="Ink 28">
+                  <a:extLst>
+                    <a:ext uri="{FF2B5EF4-FFF2-40B4-BE49-F238E27FC236}">
+                      <a16:creationId xmlns:a16="http://schemas.microsoft.com/office/drawing/2014/main" id="{6AD95B26-0AA9-4179-BF1A-27C14E599D24}"/>
+                    </a:ext>
+                  </a:extLst>
+                </p:cNvPr>
+                <p:cNvPicPr/>
+                <p:nvPr/>
+              </p:nvPicPr>
+              <p:blipFill>
+                <a:blip r:embed="rId89"/>
+                <a:stretch>
+                  <a:fillRect/>
+                </a:stretch>
+              </p:blipFill>
+              <p:spPr>
+                <a:xfrm>
+                  <a:off x="3070369" y="4011739"/>
+                  <a:ext cx="60120" cy="106200"/>
+                </a:xfrm>
+                <a:prstGeom prst="rect">
+                  <a:avLst/>
+                </a:prstGeom>
+              </p:spPr>
+            </p:pic>
+          </mc:Fallback>
+        </mc:AlternateContent>
+        <mc:AlternateContent xmlns:mc="http://schemas.openxmlformats.org/markup-compatibility/2006">
+          <mc:Choice xmlns:p14="http://schemas.microsoft.com/office/powerpoint/2010/main" Requires="p14">
+            <p:contentPart p14:bwMode="auto" r:id="rId90">
+              <p14:nvContentPartPr>
+                <p14:cNvPr id="30" name="Ink 29">
+                  <a:extLst>
+                    <a:ext uri="{FF2B5EF4-FFF2-40B4-BE49-F238E27FC236}">
+                      <a16:creationId xmlns:a16="http://schemas.microsoft.com/office/drawing/2014/main" id="{08C0465C-6283-4BEF-A2E8-C165E46EDC13}"/>
+                    </a:ext>
+                  </a:extLst>
+                </p14:cNvPr>
+                <p14:cNvContentPartPr/>
+                <p14:nvPr/>
+              </p14:nvContentPartPr>
+              <p14:xfrm>
+                <a:off x="3183769" y="3960979"/>
+                <a:ext cx="170280" cy="160560"/>
+              </p14:xfrm>
+            </p:contentPart>
+          </mc:Choice>
+          <mc:Fallback>
+            <p:pic>
+              <p:nvPicPr>
+                <p:cNvPr id="30" name="Ink 29">
+                  <a:extLst>
+                    <a:ext uri="{FF2B5EF4-FFF2-40B4-BE49-F238E27FC236}">
+                      <a16:creationId xmlns:a16="http://schemas.microsoft.com/office/drawing/2014/main" id="{08C0465C-6283-4BEF-A2E8-C165E46EDC13}"/>
+                    </a:ext>
+                  </a:extLst>
+                </p:cNvPr>
+                <p:cNvPicPr/>
+                <p:nvPr/>
+              </p:nvPicPr>
+              <p:blipFill>
+                <a:blip r:embed="rId91"/>
+                <a:stretch>
+                  <a:fillRect/>
+                </a:stretch>
+              </p:blipFill>
+              <p:spPr>
+                <a:xfrm>
+                  <a:off x="3175129" y="3952339"/>
+                  <a:ext cx="187920" cy="178200"/>
+                </a:xfrm>
+                <a:prstGeom prst="rect">
+                  <a:avLst/>
+                </a:prstGeom>
+              </p:spPr>
+            </p:pic>
+          </mc:Fallback>
+        </mc:AlternateContent>
+        <mc:AlternateContent xmlns:mc="http://schemas.openxmlformats.org/markup-compatibility/2006">
+          <mc:Choice xmlns:p14="http://schemas.microsoft.com/office/powerpoint/2010/main" Requires="p14">
+            <p:contentPart p14:bwMode="auto" r:id="rId92">
+              <p14:nvContentPartPr>
+                <p14:cNvPr id="31" name="Ink 30">
+                  <a:extLst>
+                    <a:ext uri="{FF2B5EF4-FFF2-40B4-BE49-F238E27FC236}">
+                      <a16:creationId xmlns:a16="http://schemas.microsoft.com/office/drawing/2014/main" id="{01714E61-5072-4488-96A9-FB864C94D03B}"/>
+                    </a:ext>
+                  </a:extLst>
+                </p14:cNvPr>
+                <p14:cNvContentPartPr/>
+                <p14:nvPr/>
+              </p14:nvContentPartPr>
+              <p14:xfrm>
+                <a:off x="3366289" y="4018939"/>
+                <a:ext cx="201960" cy="85320"/>
+              </p14:xfrm>
+            </p:contentPart>
+          </mc:Choice>
+          <mc:Fallback>
+            <p:pic>
+              <p:nvPicPr>
+                <p:cNvPr id="31" name="Ink 30">
+                  <a:extLst>
+                    <a:ext uri="{FF2B5EF4-FFF2-40B4-BE49-F238E27FC236}">
+                      <a16:creationId xmlns:a16="http://schemas.microsoft.com/office/drawing/2014/main" id="{01714E61-5072-4488-96A9-FB864C94D03B}"/>
+                    </a:ext>
+                  </a:extLst>
+                </p:cNvPr>
+                <p:cNvPicPr/>
+                <p:nvPr/>
+              </p:nvPicPr>
+              <p:blipFill>
+                <a:blip r:embed="rId93"/>
+                <a:stretch>
+                  <a:fillRect/>
+                </a:stretch>
+              </p:blipFill>
+              <p:spPr>
+                <a:xfrm>
+                  <a:off x="3357289" y="4010299"/>
+                  <a:ext cx="219600" cy="102960"/>
+                </a:xfrm>
+                <a:prstGeom prst="rect">
+                  <a:avLst/>
+                </a:prstGeom>
+              </p:spPr>
+            </p:pic>
+          </mc:Fallback>
+        </mc:AlternateContent>
+        <mc:AlternateContent xmlns:mc="http://schemas.openxmlformats.org/markup-compatibility/2006">
+          <mc:Choice xmlns:p14="http://schemas.microsoft.com/office/powerpoint/2010/main" Requires="p14">
+            <p:contentPart p14:bwMode="auto" r:id="rId94">
+              <p14:nvContentPartPr>
+                <p14:cNvPr id="32" name="Ink 31">
+                  <a:extLst>
+                    <a:ext uri="{FF2B5EF4-FFF2-40B4-BE49-F238E27FC236}">
+                      <a16:creationId xmlns:a16="http://schemas.microsoft.com/office/drawing/2014/main" id="{AA67EA9A-482A-46D3-BEC9-4305DF87E453}"/>
+                    </a:ext>
+                  </a:extLst>
+                </p14:cNvPr>
+                <p14:cNvContentPartPr/>
+                <p14:nvPr/>
+              </p14:nvContentPartPr>
+              <p14:xfrm>
+                <a:off x="3541609" y="4028659"/>
+                <a:ext cx="41760" cy="91080"/>
+              </p14:xfrm>
+            </p:contentPart>
+          </mc:Choice>
+          <mc:Fallback>
+            <p:pic>
+              <p:nvPicPr>
+                <p:cNvPr id="32" name="Ink 31">
+                  <a:extLst>
+                    <a:ext uri="{FF2B5EF4-FFF2-40B4-BE49-F238E27FC236}">
+                      <a16:creationId xmlns:a16="http://schemas.microsoft.com/office/drawing/2014/main" id="{AA67EA9A-482A-46D3-BEC9-4305DF87E453}"/>
+                    </a:ext>
+                  </a:extLst>
+                </p:cNvPr>
+                <p:cNvPicPr/>
+                <p:nvPr/>
+              </p:nvPicPr>
+              <p:blipFill>
+                <a:blip r:embed="rId95"/>
+                <a:stretch>
+                  <a:fillRect/>
+                </a:stretch>
+              </p:blipFill>
+              <p:spPr>
+                <a:xfrm>
+                  <a:off x="3532609" y="4020019"/>
+                  <a:ext cx="59400" cy="108720"/>
+                </a:xfrm>
+                <a:prstGeom prst="rect">
+                  <a:avLst/>
+                </a:prstGeom>
+              </p:spPr>
+            </p:pic>
+          </mc:Fallback>
+        </mc:AlternateContent>
+        <mc:AlternateContent xmlns:mc="http://schemas.openxmlformats.org/markup-compatibility/2006">
+          <mc:Choice xmlns:p14="http://schemas.microsoft.com/office/powerpoint/2010/main" Requires="p14">
+            <p:contentPart p14:bwMode="auto" r:id="rId96">
+              <p14:nvContentPartPr>
+                <p14:cNvPr id="33" name="Ink 32">
+                  <a:extLst>
+                    <a:ext uri="{FF2B5EF4-FFF2-40B4-BE49-F238E27FC236}">
+                      <a16:creationId xmlns:a16="http://schemas.microsoft.com/office/drawing/2014/main" id="{620D3087-1E3C-4CFE-B77B-A2DBBBE5CBF5}"/>
+                    </a:ext>
+                  </a:extLst>
+                </p14:cNvPr>
+                <p14:cNvContentPartPr/>
+                <p14:nvPr/>
+              </p14:nvContentPartPr>
+              <p14:xfrm>
+                <a:off x="3492649" y="4039099"/>
+                <a:ext cx="171720" cy="219960"/>
+              </p14:xfrm>
+            </p:contentPart>
+          </mc:Choice>
+          <mc:Fallback>
+            <p:pic>
+              <p:nvPicPr>
+                <p:cNvPr id="33" name="Ink 32">
+                  <a:extLst>
+                    <a:ext uri="{FF2B5EF4-FFF2-40B4-BE49-F238E27FC236}">
+                      <a16:creationId xmlns:a16="http://schemas.microsoft.com/office/drawing/2014/main" id="{620D3087-1E3C-4CFE-B77B-A2DBBBE5CBF5}"/>
+                    </a:ext>
+                  </a:extLst>
+                </p:cNvPr>
+                <p:cNvPicPr/>
+                <p:nvPr/>
+              </p:nvPicPr>
+              <p:blipFill>
+                <a:blip r:embed="rId97"/>
+                <a:stretch>
+                  <a:fillRect/>
+                </a:stretch>
+              </p:blipFill>
+              <p:spPr>
+                <a:xfrm>
+                  <a:off x="3484009" y="4030099"/>
+                  <a:ext cx="189360" cy="237600"/>
+                </a:xfrm>
+                <a:prstGeom prst="rect">
+                  <a:avLst/>
+                </a:prstGeom>
+              </p:spPr>
+            </p:pic>
+          </mc:Fallback>
+        </mc:AlternateContent>
+        <mc:AlternateContent xmlns:mc="http://schemas.openxmlformats.org/markup-compatibility/2006">
+          <mc:Choice xmlns:p14="http://schemas.microsoft.com/office/powerpoint/2010/main" Requires="p14">
+            <p:contentPart p14:bwMode="auto" r:id="rId98">
+              <p14:nvContentPartPr>
+                <p14:cNvPr id="34" name="Ink 33">
+                  <a:extLst>
+                    <a:ext uri="{FF2B5EF4-FFF2-40B4-BE49-F238E27FC236}">
+                      <a16:creationId xmlns:a16="http://schemas.microsoft.com/office/drawing/2014/main" id="{82EEA392-351B-4833-AA88-5367C95F8FE8}"/>
+                    </a:ext>
+                  </a:extLst>
+                </p14:cNvPr>
+                <p14:cNvContentPartPr/>
+                <p14:nvPr/>
+              </p14:nvContentPartPr>
+              <p14:xfrm>
+                <a:off x="2847889" y="4847659"/>
+                <a:ext cx="126000" cy="165600"/>
+              </p14:xfrm>
+            </p:contentPart>
+          </mc:Choice>
+          <mc:Fallback>
+            <p:pic>
+              <p:nvPicPr>
+                <p:cNvPr id="34" name="Ink 33">
+                  <a:extLst>
+                    <a:ext uri="{FF2B5EF4-FFF2-40B4-BE49-F238E27FC236}">
+                      <a16:creationId xmlns:a16="http://schemas.microsoft.com/office/drawing/2014/main" id="{82EEA392-351B-4833-AA88-5367C95F8FE8}"/>
+                    </a:ext>
+                  </a:extLst>
+                </p:cNvPr>
+                <p:cNvPicPr/>
+                <p:nvPr/>
+              </p:nvPicPr>
+              <p:blipFill>
+                <a:blip r:embed="rId99"/>
+                <a:stretch>
+                  <a:fillRect/>
+                </a:stretch>
+              </p:blipFill>
+              <p:spPr>
+                <a:xfrm>
+                  <a:off x="2839249" y="4838659"/>
+                  <a:ext cx="143640" cy="183240"/>
+                </a:xfrm>
+                <a:prstGeom prst="rect">
+                  <a:avLst/>
+                </a:prstGeom>
+              </p:spPr>
+            </p:pic>
+          </mc:Fallback>
+        </mc:AlternateContent>
+        <mc:AlternateContent xmlns:mc="http://schemas.openxmlformats.org/markup-compatibility/2006">
+          <mc:Choice xmlns:p14="http://schemas.microsoft.com/office/powerpoint/2010/main" Requires="p14">
+            <p:contentPart p14:bwMode="auto" r:id="rId100">
+              <p14:nvContentPartPr>
+                <p14:cNvPr id="35" name="Ink 34">
+                  <a:extLst>
+                    <a:ext uri="{FF2B5EF4-FFF2-40B4-BE49-F238E27FC236}">
+                      <a16:creationId xmlns:a16="http://schemas.microsoft.com/office/drawing/2014/main" id="{1C84C7A7-CCB9-43ED-B429-5536E37DA858}"/>
+                    </a:ext>
+                  </a:extLst>
+                </p14:cNvPr>
+                <p14:cNvContentPartPr/>
+                <p14:nvPr/>
+              </p14:nvContentPartPr>
+              <p14:xfrm>
+                <a:off x="3026449" y="4849819"/>
+                <a:ext cx="134280" cy="153720"/>
+              </p14:xfrm>
+            </p:contentPart>
+          </mc:Choice>
+          <mc:Fallback>
+            <p:pic>
+              <p:nvPicPr>
+                <p:cNvPr id="35" name="Ink 34">
+                  <a:extLst>
+                    <a:ext uri="{FF2B5EF4-FFF2-40B4-BE49-F238E27FC236}">
+                      <a16:creationId xmlns:a16="http://schemas.microsoft.com/office/drawing/2014/main" id="{1C84C7A7-CCB9-43ED-B429-5536E37DA858}"/>
+                    </a:ext>
+                  </a:extLst>
+                </p:cNvPr>
+                <p:cNvPicPr/>
+                <p:nvPr/>
+              </p:nvPicPr>
+              <p:blipFill>
+                <a:blip r:embed="rId101"/>
+                <a:stretch>
+                  <a:fillRect/>
+                </a:stretch>
+              </p:blipFill>
+              <p:spPr>
+                <a:xfrm>
+                  <a:off x="3017449" y="4841179"/>
+                  <a:ext cx="151920" cy="171360"/>
+                </a:xfrm>
+                <a:prstGeom prst="rect">
+                  <a:avLst/>
+                </a:prstGeom>
+              </p:spPr>
+            </p:pic>
+          </mc:Fallback>
+        </mc:AlternateContent>
+        <mc:AlternateContent xmlns:mc="http://schemas.openxmlformats.org/markup-compatibility/2006">
+          <mc:Choice xmlns:p14="http://schemas.microsoft.com/office/powerpoint/2010/main" Requires="p14">
+            <p:contentPart p14:bwMode="auto" r:id="rId102">
+              <p14:nvContentPartPr>
+                <p14:cNvPr id="36" name="Ink 35">
+                  <a:extLst>
+                    <a:ext uri="{FF2B5EF4-FFF2-40B4-BE49-F238E27FC236}">
+                      <a16:creationId xmlns:a16="http://schemas.microsoft.com/office/drawing/2014/main" id="{DC6EBC22-20A7-41F3-8C9B-0293318CBCCF}"/>
+                    </a:ext>
+                  </a:extLst>
+                </p14:cNvPr>
+                <p14:cNvContentPartPr/>
+                <p14:nvPr/>
+              </p14:nvContentPartPr>
+              <p14:xfrm>
+                <a:off x="2685889" y="4745779"/>
+                <a:ext cx="675360" cy="119520"/>
+              </p14:xfrm>
+            </p:contentPart>
+          </mc:Choice>
+          <mc:Fallback>
+            <p:pic>
+              <p:nvPicPr>
+                <p:cNvPr id="36" name="Ink 35">
+                  <a:extLst>
+                    <a:ext uri="{FF2B5EF4-FFF2-40B4-BE49-F238E27FC236}">
+                      <a16:creationId xmlns:a16="http://schemas.microsoft.com/office/drawing/2014/main" id="{DC6EBC22-20A7-41F3-8C9B-0293318CBCCF}"/>
+                    </a:ext>
+                  </a:extLst>
+                </p:cNvPr>
+                <p:cNvPicPr/>
+                <p:nvPr/>
+              </p:nvPicPr>
+              <p:blipFill>
+                <a:blip r:embed="rId103"/>
+                <a:stretch>
+                  <a:fillRect/>
+                </a:stretch>
+              </p:blipFill>
+              <p:spPr>
+                <a:xfrm>
+                  <a:off x="2676889" y="4737139"/>
+                  <a:ext cx="693000" cy="137160"/>
+                </a:xfrm>
+                <a:prstGeom prst="rect">
+                  <a:avLst/>
+                </a:prstGeom>
+              </p:spPr>
+            </p:pic>
+          </mc:Fallback>
+        </mc:AlternateContent>
+        <mc:AlternateContent xmlns:mc="http://schemas.openxmlformats.org/markup-compatibility/2006">
+          <mc:Choice xmlns:p14="http://schemas.microsoft.com/office/powerpoint/2010/main" Requires="p14">
+            <p:contentPart p14:bwMode="auto" r:id="rId104">
+              <p14:nvContentPartPr>
+                <p14:cNvPr id="40" name="Ink 39">
+                  <a:extLst>
+                    <a:ext uri="{FF2B5EF4-FFF2-40B4-BE49-F238E27FC236}">
+                      <a16:creationId xmlns:a16="http://schemas.microsoft.com/office/drawing/2014/main" id="{02B8F801-5A01-4DCA-83C3-4620F6FC9E4D}"/>
+                    </a:ext>
+                  </a:extLst>
+                </p14:cNvPr>
+                <p14:cNvContentPartPr/>
+                <p14:nvPr/>
+              </p14:nvContentPartPr>
+              <p14:xfrm>
+                <a:off x="3063889" y="4621579"/>
+                <a:ext cx="45000" cy="24120"/>
+              </p14:xfrm>
+            </p:contentPart>
+          </mc:Choice>
+          <mc:Fallback>
+            <p:pic>
+              <p:nvPicPr>
+                <p:cNvPr id="40" name="Ink 39">
+                  <a:extLst>
+                    <a:ext uri="{FF2B5EF4-FFF2-40B4-BE49-F238E27FC236}">
+                      <a16:creationId xmlns:a16="http://schemas.microsoft.com/office/drawing/2014/main" id="{02B8F801-5A01-4DCA-83C3-4620F6FC9E4D}"/>
+                    </a:ext>
+                  </a:extLst>
+                </p:cNvPr>
+                <p:cNvPicPr/>
+                <p:nvPr/>
+              </p:nvPicPr>
+              <p:blipFill>
+                <a:blip r:embed="rId105"/>
+                <a:stretch>
+                  <a:fillRect/>
+                </a:stretch>
+              </p:blipFill>
+              <p:spPr>
+                <a:xfrm>
+                  <a:off x="3054889" y="4612579"/>
+                  <a:ext cx="62640" cy="41760"/>
+                </a:xfrm>
+                <a:prstGeom prst="rect">
+                  <a:avLst/>
+                </a:prstGeom>
+              </p:spPr>
+            </p:pic>
+          </mc:Fallback>
+        </mc:AlternateContent>
+        <mc:AlternateContent xmlns:mc="http://schemas.openxmlformats.org/markup-compatibility/2006">
+          <mc:Choice xmlns:p14="http://schemas.microsoft.com/office/powerpoint/2010/main" Requires="p14">
+            <p:contentPart p14:bwMode="auto" r:id="rId106">
+              <p14:nvContentPartPr>
+                <p14:cNvPr id="42" name="Ink 41">
+                  <a:extLst>
+                    <a:ext uri="{FF2B5EF4-FFF2-40B4-BE49-F238E27FC236}">
+                      <a16:creationId xmlns:a16="http://schemas.microsoft.com/office/drawing/2014/main" id="{425B4AB8-D69E-4A6E-ADD6-267EEECBBAE7}"/>
+                    </a:ext>
+                  </a:extLst>
+                </p14:cNvPr>
+                <p14:cNvContentPartPr/>
+                <p14:nvPr/>
+              </p14:nvContentPartPr>
+              <p14:xfrm>
+                <a:off x="2882449" y="4434379"/>
+                <a:ext cx="105480" cy="116280"/>
+              </p14:xfrm>
+            </p:contentPart>
+          </mc:Choice>
+          <mc:Fallback>
+            <p:pic>
+              <p:nvPicPr>
+                <p:cNvPr id="42" name="Ink 41">
+                  <a:extLst>
+                    <a:ext uri="{FF2B5EF4-FFF2-40B4-BE49-F238E27FC236}">
+                      <a16:creationId xmlns:a16="http://schemas.microsoft.com/office/drawing/2014/main" id="{425B4AB8-D69E-4A6E-ADD6-267EEECBBAE7}"/>
+                    </a:ext>
+                  </a:extLst>
+                </p:cNvPr>
+                <p:cNvPicPr/>
+                <p:nvPr/>
+              </p:nvPicPr>
+              <p:blipFill>
+                <a:blip r:embed="rId107"/>
+                <a:stretch>
+                  <a:fillRect/>
+                </a:stretch>
+              </p:blipFill>
+              <p:spPr>
+                <a:xfrm>
+                  <a:off x="2873449" y="4425739"/>
+                  <a:ext cx="123120" cy="133920"/>
+                </a:xfrm>
+                <a:prstGeom prst="rect">
+                  <a:avLst/>
+                </a:prstGeom>
+              </p:spPr>
+            </p:pic>
+          </mc:Fallback>
+        </mc:AlternateContent>
+        <mc:AlternateContent xmlns:mc="http://schemas.openxmlformats.org/markup-compatibility/2006">
+          <mc:Choice xmlns:p14="http://schemas.microsoft.com/office/powerpoint/2010/main" Requires="p14">
+            <p:contentPart p14:bwMode="auto" r:id="rId108">
+              <p14:nvContentPartPr>
+                <p14:cNvPr id="43" name="Ink 42">
+                  <a:extLst>
+                    <a:ext uri="{FF2B5EF4-FFF2-40B4-BE49-F238E27FC236}">
+                      <a16:creationId xmlns:a16="http://schemas.microsoft.com/office/drawing/2014/main" id="{1C9DC498-A58A-4C66-9019-78B01D39497A}"/>
+                    </a:ext>
+                  </a:extLst>
+                </p14:cNvPr>
+                <p14:cNvContentPartPr/>
+                <p14:nvPr/>
+              </p14:nvContentPartPr>
+              <p14:xfrm>
+                <a:off x="2948329" y="4619779"/>
+                <a:ext cx="6480" cy="9720"/>
+              </p14:xfrm>
+            </p:contentPart>
+          </mc:Choice>
+          <mc:Fallback>
+            <p:pic>
+              <p:nvPicPr>
+                <p:cNvPr id="43" name="Ink 42">
+                  <a:extLst>
+                    <a:ext uri="{FF2B5EF4-FFF2-40B4-BE49-F238E27FC236}">
+                      <a16:creationId xmlns:a16="http://schemas.microsoft.com/office/drawing/2014/main" id="{1C9DC498-A58A-4C66-9019-78B01D39497A}"/>
+                    </a:ext>
+                  </a:extLst>
+                </p:cNvPr>
+                <p:cNvPicPr/>
+                <p:nvPr/>
+              </p:nvPicPr>
+              <p:blipFill>
+                <a:blip r:embed="rId109"/>
+                <a:stretch>
+                  <a:fillRect/>
+                </a:stretch>
+              </p:blipFill>
+              <p:spPr>
+                <a:xfrm>
+                  <a:off x="2939689" y="4610779"/>
+                  <a:ext cx="24120" cy="27360"/>
+                </a:xfrm>
+                <a:prstGeom prst="rect">
+                  <a:avLst/>
+                </a:prstGeom>
+              </p:spPr>
+            </p:pic>
+          </mc:Fallback>
+        </mc:AlternateContent>
+        <mc:AlternateContent xmlns:mc="http://schemas.openxmlformats.org/markup-compatibility/2006">
+          <mc:Choice xmlns:p14="http://schemas.microsoft.com/office/powerpoint/2010/main" Requires="p14">
+            <p:contentPart p14:bwMode="auto" r:id="rId110">
+              <p14:nvContentPartPr>
+                <p14:cNvPr id="44" name="Ink 43">
+                  <a:extLst>
+                    <a:ext uri="{FF2B5EF4-FFF2-40B4-BE49-F238E27FC236}">
+                      <a16:creationId xmlns:a16="http://schemas.microsoft.com/office/drawing/2014/main" id="{B943D177-3DA5-428D-BF9F-959FBFE7DD8B}"/>
+                    </a:ext>
+                  </a:extLst>
+                </p14:cNvPr>
+                <p14:cNvContentPartPr/>
+                <p14:nvPr/>
+              </p14:nvContentPartPr>
+              <p14:xfrm>
+                <a:off x="3064969" y="4423939"/>
+                <a:ext cx="74520" cy="221400"/>
+              </p14:xfrm>
+            </p:contentPart>
+          </mc:Choice>
+          <mc:Fallback>
+            <p:pic>
+              <p:nvPicPr>
+                <p:cNvPr id="44" name="Ink 43">
+                  <a:extLst>
+                    <a:ext uri="{FF2B5EF4-FFF2-40B4-BE49-F238E27FC236}">
+                      <a16:creationId xmlns:a16="http://schemas.microsoft.com/office/drawing/2014/main" id="{B943D177-3DA5-428D-BF9F-959FBFE7DD8B}"/>
+                    </a:ext>
+                  </a:extLst>
+                </p:cNvPr>
+                <p:cNvPicPr/>
+                <p:nvPr/>
+              </p:nvPicPr>
+              <p:blipFill>
+                <a:blip r:embed="rId111"/>
+                <a:stretch>
+                  <a:fillRect/>
+                </a:stretch>
+              </p:blipFill>
+              <p:spPr>
+                <a:xfrm>
+                  <a:off x="3055969" y="4414939"/>
+                  <a:ext cx="92160" cy="239040"/>
+                </a:xfrm>
+                <a:prstGeom prst="rect">
+                  <a:avLst/>
+                </a:prstGeom>
+              </p:spPr>
+            </p:pic>
+          </mc:Fallback>
+        </mc:AlternateContent>
+        <mc:AlternateContent xmlns:mc="http://schemas.openxmlformats.org/markup-compatibility/2006">
+          <mc:Choice xmlns:p14="http://schemas.microsoft.com/office/powerpoint/2010/main" Requires="p14">
+            <p:contentPart p14:bwMode="auto" r:id="rId112">
+              <p14:nvContentPartPr>
+                <p14:cNvPr id="77" name="Ink 76">
+                  <a:extLst>
+                    <a:ext uri="{FF2B5EF4-FFF2-40B4-BE49-F238E27FC236}">
+                      <a16:creationId xmlns:a16="http://schemas.microsoft.com/office/drawing/2014/main" id="{67680080-F935-4A54-A9EF-50C8D1FB6BD1}"/>
+                    </a:ext>
+                  </a:extLst>
+                </p14:cNvPr>
+                <p14:cNvContentPartPr/>
+                <p14:nvPr/>
+              </p14:nvContentPartPr>
+              <p14:xfrm>
+                <a:off x="2525689" y="4258339"/>
+                <a:ext cx="137160" cy="74160"/>
+              </p14:xfrm>
+            </p:contentPart>
+          </mc:Choice>
+          <mc:Fallback>
+            <p:pic>
+              <p:nvPicPr>
+                <p:cNvPr id="77" name="Ink 76">
+                  <a:extLst>
+                    <a:ext uri="{FF2B5EF4-FFF2-40B4-BE49-F238E27FC236}">
+                      <a16:creationId xmlns:a16="http://schemas.microsoft.com/office/drawing/2014/main" id="{67680080-F935-4A54-A9EF-50C8D1FB6BD1}"/>
+                    </a:ext>
+                  </a:extLst>
+                </p:cNvPr>
+                <p:cNvPicPr/>
+                <p:nvPr/>
+              </p:nvPicPr>
+              <p:blipFill>
+                <a:blip r:embed="rId113"/>
+                <a:stretch>
+                  <a:fillRect/>
+                </a:stretch>
+              </p:blipFill>
+              <p:spPr>
+                <a:xfrm>
+                  <a:off x="2517049" y="4249699"/>
+                  <a:ext cx="154800" cy="91800"/>
+                </a:xfrm>
+                <a:prstGeom prst="rect">
+                  <a:avLst/>
+                </a:prstGeom>
+              </p:spPr>
+            </p:pic>
+          </mc:Fallback>
+        </mc:AlternateContent>
+        <mc:AlternateContent xmlns:mc="http://schemas.openxmlformats.org/markup-compatibility/2006">
+          <mc:Choice xmlns:p14="http://schemas.microsoft.com/office/powerpoint/2010/main" Requires="p14">
+            <p:contentPart p14:bwMode="auto" r:id="rId114">
+              <p14:nvContentPartPr>
+                <p14:cNvPr id="78" name="Ink 77">
+                  <a:extLst>
+                    <a:ext uri="{FF2B5EF4-FFF2-40B4-BE49-F238E27FC236}">
+                      <a16:creationId xmlns:a16="http://schemas.microsoft.com/office/drawing/2014/main" id="{3735E23F-0AEA-48B8-B6EB-53EE2F463BAD}"/>
+                    </a:ext>
+                  </a:extLst>
+                </p14:cNvPr>
+                <p14:cNvContentPartPr/>
+                <p14:nvPr/>
+              </p14:nvContentPartPr>
+              <p14:xfrm>
+                <a:off x="2398609" y="4366699"/>
+                <a:ext cx="137160" cy="737280"/>
+              </p14:xfrm>
+            </p:contentPart>
+          </mc:Choice>
+          <mc:Fallback>
+            <p:pic>
+              <p:nvPicPr>
+                <p:cNvPr id="78" name="Ink 77">
+                  <a:extLst>
+                    <a:ext uri="{FF2B5EF4-FFF2-40B4-BE49-F238E27FC236}">
+                      <a16:creationId xmlns:a16="http://schemas.microsoft.com/office/drawing/2014/main" id="{3735E23F-0AEA-48B8-B6EB-53EE2F463BAD}"/>
+                    </a:ext>
+                  </a:extLst>
+                </p:cNvPr>
+                <p:cNvPicPr/>
+                <p:nvPr/>
+              </p:nvPicPr>
+              <p:blipFill>
+                <a:blip r:embed="rId115"/>
+                <a:stretch>
+                  <a:fillRect/>
+                </a:stretch>
+              </p:blipFill>
+              <p:spPr>
+                <a:xfrm>
+                  <a:off x="2389969" y="4358059"/>
+                  <a:ext cx="154800" cy="754920"/>
+                </a:xfrm>
+                <a:prstGeom prst="rect">
+                  <a:avLst/>
+                </a:prstGeom>
+              </p:spPr>
+            </p:pic>
+          </mc:Fallback>
+        </mc:AlternateContent>
+        <mc:AlternateContent xmlns:mc="http://schemas.openxmlformats.org/markup-compatibility/2006">
+          <mc:Choice xmlns:p14="http://schemas.microsoft.com/office/powerpoint/2010/main" Requires="p14">
+            <p:contentPart p14:bwMode="auto" r:id="rId116">
+              <p14:nvContentPartPr>
+                <p14:cNvPr id="86" name="Ink 85">
+                  <a:extLst>
+                    <a:ext uri="{FF2B5EF4-FFF2-40B4-BE49-F238E27FC236}">
+                      <a16:creationId xmlns:a16="http://schemas.microsoft.com/office/drawing/2014/main" id="{AEED03A7-020F-4E6D-9AA2-D699E8C1B2A5}"/>
+                    </a:ext>
+                  </a:extLst>
+                </p14:cNvPr>
+                <p14:cNvContentPartPr/>
+                <p14:nvPr/>
+              </p14:nvContentPartPr>
+              <p14:xfrm>
+                <a:off x="2593369" y="3892579"/>
+                <a:ext cx="270720" cy="36720"/>
+              </p14:xfrm>
+            </p:contentPart>
+          </mc:Choice>
+          <mc:Fallback>
+            <p:pic>
+              <p:nvPicPr>
+                <p:cNvPr id="86" name="Ink 85">
+                  <a:extLst>
+                    <a:ext uri="{FF2B5EF4-FFF2-40B4-BE49-F238E27FC236}">
+                      <a16:creationId xmlns:a16="http://schemas.microsoft.com/office/drawing/2014/main" id="{AEED03A7-020F-4E6D-9AA2-D699E8C1B2A5}"/>
+                    </a:ext>
+                  </a:extLst>
+                </p:cNvPr>
+                <p:cNvPicPr/>
+                <p:nvPr/>
+              </p:nvPicPr>
+              <p:blipFill>
+                <a:blip r:embed="rId117"/>
+                <a:stretch>
+                  <a:fillRect/>
+                </a:stretch>
+              </p:blipFill>
+              <p:spPr>
+                <a:xfrm>
+                  <a:off x="2584729" y="3883579"/>
+                  <a:ext cx="288360" cy="54360"/>
+                </a:xfrm>
+                <a:prstGeom prst="rect">
+                  <a:avLst/>
+                </a:prstGeom>
+              </p:spPr>
+            </p:pic>
+          </mc:Fallback>
+        </mc:AlternateContent>
+      </p:grpSp>
     </p:spTree>
     <p:extLst>
       <p:ext uri="{BB962C8B-B14F-4D97-AF65-F5344CB8AC3E}">
